--- a/Proyecto I/Arquitectura Objetivo MPLA.pptx
+++ b/Proyecto I/Arquitectura Objetivo MPLA.pptx
@@ -16,6 +16,8 @@
     <p:sldId id="265" r:id="rId10"/>
     <p:sldId id="266" r:id="rId11"/>
     <p:sldId id="267" r:id="rId12"/>
+    <p:sldId id="269" r:id="rId13"/>
+    <p:sldId id="270" r:id="rId14"/>
   </p:sldIdLst>
   <p:sldSz cx="12192000" cy="6858000"/>
   <p:notesSz cx="6858000" cy="9144000"/>
@@ -831,6 +833,1657 @@
     <dgm:fillClrLst meth="repeat">
       <a:schemeClr val="accent1">
         <a:tint val="60000"/>
+      </a:schemeClr>
+    </dgm:fillClrLst>
+    <dgm:linClrLst meth="repeat">
+      <a:schemeClr val="lt1"/>
+    </dgm:linClrLst>
+    <dgm:effectClrLst/>
+    <dgm:txLinClrLst/>
+    <dgm:txFillClrLst meth="repeat">
+      <a:schemeClr val="dk1"/>
+    </dgm:txFillClrLst>
+    <dgm:txEffectClrLst/>
+  </dgm:styleLbl>
+  <dgm:styleLbl name="revTx">
+    <dgm:fillClrLst meth="repeat">
+      <a:schemeClr val="lt1">
+        <a:alpha val="0"/>
+      </a:schemeClr>
+    </dgm:fillClrLst>
+    <dgm:linClrLst meth="repeat">
+      <a:schemeClr val="dk1">
+        <a:alpha val="0"/>
+      </a:schemeClr>
+    </dgm:linClrLst>
+    <dgm:effectClrLst/>
+    <dgm:txLinClrLst/>
+    <dgm:txFillClrLst meth="repeat">
+      <a:schemeClr val="tx1"/>
+    </dgm:txFillClrLst>
+    <dgm:txEffectClrLst/>
+  </dgm:styleLbl>
+</dgm:colorsDef>
+</file>
+
+<file path=ppt/diagrams/colors2.xml><?xml version="1.0" encoding="utf-8"?>
+<dgm:colorsDef xmlns:dgm="http://schemas.openxmlformats.org/drawingml/2006/diagram" xmlns:a="http://schemas.openxmlformats.org/drawingml/2006/main" uniqueId="urn:microsoft.com/office/officeart/2005/8/colors/colorful5">
+  <dgm:title val=""/>
+  <dgm:desc val=""/>
+  <dgm:catLst>
+    <dgm:cat type="colorful" pri="10500"/>
+  </dgm:catLst>
+  <dgm:styleLbl name="node0">
+    <dgm:fillClrLst meth="repeat">
+      <a:schemeClr val="accent4"/>
+    </dgm:fillClrLst>
+    <dgm:linClrLst meth="repeat">
+      <a:schemeClr val="lt1"/>
+    </dgm:linClrLst>
+    <dgm:effectClrLst/>
+    <dgm:txLinClrLst/>
+    <dgm:txFillClrLst/>
+    <dgm:txEffectClrLst/>
+  </dgm:styleLbl>
+  <dgm:styleLbl name="node1">
+    <dgm:fillClrLst>
+      <a:schemeClr val="accent5"/>
+      <a:schemeClr val="accent6"/>
+    </dgm:fillClrLst>
+    <dgm:linClrLst meth="repeat">
+      <a:schemeClr val="lt1"/>
+    </dgm:linClrLst>
+    <dgm:effectClrLst/>
+    <dgm:txLinClrLst/>
+    <dgm:txFillClrLst/>
+    <dgm:txEffectClrLst/>
+  </dgm:styleLbl>
+  <dgm:styleLbl name="alignNode1">
+    <dgm:fillClrLst>
+      <a:schemeClr val="accent5"/>
+      <a:schemeClr val="accent6"/>
+    </dgm:fillClrLst>
+    <dgm:linClrLst>
+      <a:schemeClr val="accent5"/>
+      <a:schemeClr val="accent6"/>
+    </dgm:linClrLst>
+    <dgm:effectClrLst/>
+    <dgm:txLinClrLst/>
+    <dgm:txFillClrLst/>
+    <dgm:txEffectClrLst/>
+  </dgm:styleLbl>
+  <dgm:styleLbl name="lnNode1">
+    <dgm:fillClrLst>
+      <a:schemeClr val="accent5"/>
+      <a:schemeClr val="accent6"/>
+    </dgm:fillClrLst>
+    <dgm:linClrLst meth="repeat">
+      <a:schemeClr val="lt1"/>
+    </dgm:linClrLst>
+    <dgm:effectClrLst/>
+    <dgm:txLinClrLst/>
+    <dgm:txFillClrLst/>
+    <dgm:txEffectClrLst/>
+  </dgm:styleLbl>
+  <dgm:styleLbl name="vennNode1">
+    <dgm:fillClrLst>
+      <a:schemeClr val="accent5">
+        <a:alpha val="50000"/>
+      </a:schemeClr>
+      <a:schemeClr val="accent6">
+        <a:alpha val="50000"/>
+      </a:schemeClr>
+    </dgm:fillClrLst>
+    <dgm:linClrLst meth="repeat">
+      <a:schemeClr val="lt1"/>
+    </dgm:linClrLst>
+    <dgm:effectClrLst/>
+    <dgm:txLinClrLst/>
+    <dgm:txFillClrLst/>
+    <dgm:txEffectClrLst/>
+  </dgm:styleLbl>
+  <dgm:styleLbl name="node2">
+    <dgm:fillClrLst>
+      <a:schemeClr val="accent6"/>
+    </dgm:fillClrLst>
+    <dgm:linClrLst meth="repeat">
+      <a:schemeClr val="lt1"/>
+    </dgm:linClrLst>
+    <dgm:effectClrLst/>
+    <dgm:txLinClrLst/>
+    <dgm:txFillClrLst/>
+    <dgm:txEffectClrLst/>
+  </dgm:styleLbl>
+  <dgm:styleLbl name="node3">
+    <dgm:fillClrLst>
+      <a:schemeClr val="accent1"/>
+    </dgm:fillClrLst>
+    <dgm:linClrLst meth="repeat">
+      <a:schemeClr val="lt1"/>
+    </dgm:linClrLst>
+    <dgm:effectClrLst/>
+    <dgm:txLinClrLst/>
+    <dgm:txFillClrLst/>
+    <dgm:txEffectClrLst/>
+  </dgm:styleLbl>
+  <dgm:styleLbl name="node4">
+    <dgm:fillClrLst>
+      <a:schemeClr val="accent2"/>
+    </dgm:fillClrLst>
+    <dgm:linClrLst meth="repeat">
+      <a:schemeClr val="lt1"/>
+    </dgm:linClrLst>
+    <dgm:effectClrLst/>
+    <dgm:txLinClrLst/>
+    <dgm:txFillClrLst/>
+    <dgm:txEffectClrLst/>
+  </dgm:styleLbl>
+  <dgm:styleLbl name="fgImgPlace1">
+    <dgm:fillClrLst>
+      <a:schemeClr val="accent5">
+        <a:tint val="50000"/>
+      </a:schemeClr>
+      <a:schemeClr val="accent6">
+        <a:tint val="50000"/>
+      </a:schemeClr>
+    </dgm:fillClrLst>
+    <dgm:linClrLst meth="repeat">
+      <a:schemeClr val="lt1"/>
+    </dgm:linClrLst>
+    <dgm:effectClrLst/>
+    <dgm:txLinClrLst/>
+    <dgm:txFillClrLst meth="repeat">
+      <a:schemeClr val="lt1"/>
+    </dgm:txFillClrLst>
+    <dgm:txEffectClrLst/>
+  </dgm:styleLbl>
+  <dgm:styleLbl name="alignImgPlace1">
+    <dgm:fillClrLst>
+      <a:schemeClr val="accent5">
+        <a:tint val="50000"/>
+      </a:schemeClr>
+      <a:schemeClr val="accent6">
+        <a:tint val="20000"/>
+      </a:schemeClr>
+    </dgm:fillClrLst>
+    <dgm:linClrLst meth="repeat">
+      <a:schemeClr val="lt1"/>
+    </dgm:linClrLst>
+    <dgm:effectClrLst/>
+    <dgm:txLinClrLst/>
+    <dgm:txFillClrLst meth="repeat">
+      <a:schemeClr val="lt1"/>
+    </dgm:txFillClrLst>
+    <dgm:txEffectClrLst/>
+  </dgm:styleLbl>
+  <dgm:styleLbl name="bgImgPlace1">
+    <dgm:fillClrLst>
+      <a:schemeClr val="accent5">
+        <a:tint val="50000"/>
+      </a:schemeClr>
+      <a:schemeClr val="accent6">
+        <a:tint val="20000"/>
+      </a:schemeClr>
+    </dgm:fillClrLst>
+    <dgm:linClrLst meth="repeat">
+      <a:schemeClr val="lt1"/>
+    </dgm:linClrLst>
+    <dgm:effectClrLst/>
+    <dgm:txLinClrLst/>
+    <dgm:txFillClrLst meth="repeat">
+      <a:schemeClr val="lt1"/>
+    </dgm:txFillClrLst>
+    <dgm:txEffectClrLst/>
+  </dgm:styleLbl>
+  <dgm:styleLbl name="sibTrans2D1">
+    <dgm:fillClrLst>
+      <a:schemeClr val="accent5"/>
+      <a:schemeClr val="accent6"/>
+    </dgm:fillClrLst>
+    <dgm:linClrLst meth="repeat">
+      <a:schemeClr val="lt1"/>
+    </dgm:linClrLst>
+    <dgm:effectClrLst/>
+    <dgm:txLinClrLst/>
+    <dgm:txFillClrLst/>
+    <dgm:txEffectClrLst/>
+  </dgm:styleLbl>
+  <dgm:styleLbl name="fgSibTrans2D1">
+    <dgm:fillClrLst>
+      <a:schemeClr val="accent5"/>
+      <a:schemeClr val="accent6"/>
+    </dgm:fillClrLst>
+    <dgm:linClrLst meth="repeat">
+      <a:schemeClr val="lt1"/>
+    </dgm:linClrLst>
+    <dgm:effectClrLst/>
+    <dgm:txLinClrLst/>
+    <dgm:txFillClrLst meth="repeat">
+      <a:schemeClr val="lt1"/>
+    </dgm:txFillClrLst>
+    <dgm:txEffectClrLst/>
+  </dgm:styleLbl>
+  <dgm:styleLbl name="bgSibTrans2D1">
+    <dgm:fillClrLst>
+      <a:schemeClr val="accent5"/>
+      <a:schemeClr val="accent6"/>
+    </dgm:fillClrLst>
+    <dgm:linClrLst meth="repeat">
+      <a:schemeClr val="lt1"/>
+    </dgm:linClrLst>
+    <dgm:effectClrLst/>
+    <dgm:txLinClrLst/>
+    <dgm:txFillClrLst meth="repeat">
+      <a:schemeClr val="lt1"/>
+    </dgm:txFillClrLst>
+    <dgm:txEffectClrLst/>
+  </dgm:styleLbl>
+  <dgm:styleLbl name="sibTrans1D1">
+    <dgm:fillClrLst/>
+    <dgm:linClrLst>
+      <a:schemeClr val="accent5"/>
+      <a:schemeClr val="accent6"/>
+    </dgm:linClrLst>
+    <dgm:effectClrLst/>
+    <dgm:txLinClrLst/>
+    <dgm:txFillClrLst meth="repeat">
+      <a:schemeClr val="tx1"/>
+    </dgm:txFillClrLst>
+    <dgm:txEffectClrLst/>
+  </dgm:styleLbl>
+  <dgm:styleLbl name="callout">
+    <dgm:fillClrLst meth="repeat">
+      <a:schemeClr val="accent5"/>
+    </dgm:fillClrLst>
+    <dgm:linClrLst meth="repeat">
+      <a:schemeClr val="accent5">
+        <a:tint val="50000"/>
+      </a:schemeClr>
+    </dgm:linClrLst>
+    <dgm:effectClrLst/>
+    <dgm:txLinClrLst/>
+    <dgm:txFillClrLst meth="repeat">
+      <a:schemeClr val="tx1"/>
+    </dgm:txFillClrLst>
+    <dgm:txEffectClrLst/>
+  </dgm:styleLbl>
+  <dgm:styleLbl name="asst0">
+    <dgm:fillClrLst meth="repeat">
+      <a:schemeClr val="accent5"/>
+    </dgm:fillClrLst>
+    <dgm:linClrLst meth="repeat">
+      <a:schemeClr val="lt1">
+        <a:shade val="80000"/>
+      </a:schemeClr>
+    </dgm:linClrLst>
+    <dgm:effectClrLst/>
+    <dgm:txLinClrLst/>
+    <dgm:txFillClrLst/>
+    <dgm:txEffectClrLst/>
+  </dgm:styleLbl>
+  <dgm:styleLbl name="asst1">
+    <dgm:fillClrLst meth="repeat">
+      <a:schemeClr val="accent6"/>
+    </dgm:fillClrLst>
+    <dgm:linClrLst meth="repeat">
+      <a:schemeClr val="lt1">
+        <a:shade val="80000"/>
+      </a:schemeClr>
+    </dgm:linClrLst>
+    <dgm:effectClrLst/>
+    <dgm:txLinClrLst/>
+    <dgm:txFillClrLst/>
+    <dgm:txEffectClrLst/>
+  </dgm:styleLbl>
+  <dgm:styleLbl name="asst2">
+    <dgm:fillClrLst>
+      <a:schemeClr val="accent1"/>
+    </dgm:fillClrLst>
+    <dgm:linClrLst meth="repeat">
+      <a:schemeClr val="lt1"/>
+    </dgm:linClrLst>
+    <dgm:effectClrLst/>
+    <dgm:txLinClrLst/>
+    <dgm:txFillClrLst/>
+    <dgm:txEffectClrLst/>
+  </dgm:styleLbl>
+  <dgm:styleLbl name="asst3">
+    <dgm:fillClrLst>
+      <a:schemeClr val="accent2"/>
+    </dgm:fillClrLst>
+    <dgm:linClrLst meth="repeat">
+      <a:schemeClr val="lt1"/>
+    </dgm:linClrLst>
+    <dgm:effectClrLst/>
+    <dgm:txLinClrLst/>
+    <dgm:txFillClrLst/>
+    <dgm:txEffectClrLst/>
+  </dgm:styleLbl>
+  <dgm:styleLbl name="asst4">
+    <dgm:fillClrLst>
+      <a:schemeClr val="accent3"/>
+    </dgm:fillClrLst>
+    <dgm:linClrLst meth="repeat">
+      <a:schemeClr val="lt1"/>
+    </dgm:linClrLst>
+    <dgm:effectClrLst/>
+    <dgm:txLinClrLst/>
+    <dgm:txFillClrLst/>
+    <dgm:txEffectClrLst/>
+  </dgm:styleLbl>
+  <dgm:styleLbl name="parChTrans2D1">
+    <dgm:fillClrLst meth="repeat">
+      <a:schemeClr val="accent5"/>
+    </dgm:fillClrLst>
+    <dgm:linClrLst meth="repeat">
+      <a:schemeClr val="lt1"/>
+    </dgm:linClrLst>
+    <dgm:effectClrLst/>
+    <dgm:txLinClrLst/>
+    <dgm:txFillClrLst meth="repeat">
+      <a:schemeClr val="lt1"/>
+    </dgm:txFillClrLst>
+    <dgm:txEffectClrLst/>
+  </dgm:styleLbl>
+  <dgm:styleLbl name="parChTrans2D2">
+    <dgm:fillClrLst meth="repeat">
+      <a:schemeClr val="accent6"/>
+    </dgm:fillClrLst>
+    <dgm:linClrLst meth="repeat">
+      <a:schemeClr val="lt1"/>
+    </dgm:linClrLst>
+    <dgm:effectClrLst/>
+    <dgm:txLinClrLst/>
+    <dgm:txFillClrLst/>
+    <dgm:txEffectClrLst/>
+  </dgm:styleLbl>
+  <dgm:styleLbl name="parChTrans2D3">
+    <dgm:fillClrLst meth="repeat">
+      <a:schemeClr val="accent6"/>
+    </dgm:fillClrLst>
+    <dgm:linClrLst meth="repeat">
+      <a:schemeClr val="lt1"/>
+    </dgm:linClrLst>
+    <dgm:effectClrLst/>
+    <dgm:txLinClrLst/>
+    <dgm:txFillClrLst/>
+    <dgm:txEffectClrLst/>
+  </dgm:styleLbl>
+  <dgm:styleLbl name="parChTrans2D4">
+    <dgm:fillClrLst meth="repeat">
+      <a:schemeClr val="accent1"/>
+    </dgm:fillClrLst>
+    <dgm:linClrLst meth="repeat">
+      <a:schemeClr val="lt1"/>
+    </dgm:linClrLst>
+    <dgm:effectClrLst/>
+    <dgm:txLinClrLst/>
+    <dgm:txFillClrLst meth="repeat">
+      <a:schemeClr val="lt1"/>
+    </dgm:txFillClrLst>
+    <dgm:txEffectClrLst/>
+  </dgm:styleLbl>
+  <dgm:styleLbl name="parChTrans1D1">
+    <dgm:fillClrLst meth="repeat">
+      <a:schemeClr val="accent5"/>
+    </dgm:fillClrLst>
+    <dgm:linClrLst meth="repeat">
+      <a:schemeClr val="accent5"/>
+    </dgm:linClrLst>
+    <dgm:effectClrLst/>
+    <dgm:txLinClrLst/>
+    <dgm:txFillClrLst meth="repeat">
+      <a:schemeClr val="tx1"/>
+    </dgm:txFillClrLst>
+    <dgm:txEffectClrLst/>
+  </dgm:styleLbl>
+  <dgm:styleLbl name="parChTrans1D2">
+    <dgm:fillClrLst meth="repeat">
+      <a:schemeClr val="accent6">
+        <a:tint val="90000"/>
+      </a:schemeClr>
+    </dgm:fillClrLst>
+    <dgm:linClrLst meth="repeat">
+      <a:schemeClr val="accent6"/>
+    </dgm:linClrLst>
+    <dgm:effectClrLst/>
+    <dgm:txLinClrLst/>
+    <dgm:txFillClrLst meth="repeat">
+      <a:schemeClr val="tx1"/>
+    </dgm:txFillClrLst>
+    <dgm:txEffectClrLst/>
+  </dgm:styleLbl>
+  <dgm:styleLbl name="parChTrans1D3">
+    <dgm:fillClrLst meth="repeat">
+      <a:schemeClr val="accent6">
+        <a:tint val="70000"/>
+      </a:schemeClr>
+    </dgm:fillClrLst>
+    <dgm:linClrLst meth="repeat">
+      <a:schemeClr val="accent1"/>
+    </dgm:linClrLst>
+    <dgm:effectClrLst/>
+    <dgm:txLinClrLst/>
+    <dgm:txFillClrLst meth="repeat">
+      <a:schemeClr val="tx1"/>
+    </dgm:txFillClrLst>
+    <dgm:txEffectClrLst/>
+  </dgm:styleLbl>
+  <dgm:styleLbl name="parChTrans1D4">
+    <dgm:fillClrLst meth="repeat">
+      <a:schemeClr val="accent6">
+        <a:tint val="50000"/>
+      </a:schemeClr>
+    </dgm:fillClrLst>
+    <dgm:linClrLst meth="repeat">
+      <a:schemeClr val="accent2"/>
+    </dgm:linClrLst>
+    <dgm:effectClrLst/>
+    <dgm:txLinClrLst/>
+    <dgm:txFillClrLst meth="repeat">
+      <a:schemeClr val="tx1"/>
+    </dgm:txFillClrLst>
+    <dgm:txEffectClrLst/>
+  </dgm:styleLbl>
+  <dgm:styleLbl name="fgAcc1">
+    <dgm:fillClrLst meth="repeat">
+      <a:schemeClr val="lt1">
+        <a:alpha val="90000"/>
+      </a:schemeClr>
+    </dgm:fillClrLst>
+    <dgm:linClrLst>
+      <a:schemeClr val="accent5"/>
+      <a:schemeClr val="accent6"/>
+    </dgm:linClrLst>
+    <dgm:effectClrLst/>
+    <dgm:txLinClrLst/>
+    <dgm:txFillClrLst meth="repeat">
+      <a:schemeClr val="dk1"/>
+    </dgm:txFillClrLst>
+    <dgm:txEffectClrLst/>
+  </dgm:styleLbl>
+  <dgm:styleLbl name="conFgAcc1">
+    <dgm:fillClrLst meth="repeat">
+      <a:schemeClr val="lt1">
+        <a:alpha val="90000"/>
+      </a:schemeClr>
+    </dgm:fillClrLst>
+    <dgm:linClrLst>
+      <a:schemeClr val="accent5"/>
+      <a:schemeClr val="accent6"/>
+    </dgm:linClrLst>
+    <dgm:effectClrLst/>
+    <dgm:txLinClrLst/>
+    <dgm:txFillClrLst meth="repeat">
+      <a:schemeClr val="dk1"/>
+    </dgm:txFillClrLst>
+    <dgm:txEffectClrLst/>
+  </dgm:styleLbl>
+  <dgm:styleLbl name="alignAcc1">
+    <dgm:fillClrLst meth="repeat">
+      <a:schemeClr val="lt1">
+        <a:alpha val="90000"/>
+      </a:schemeClr>
+    </dgm:fillClrLst>
+    <dgm:linClrLst>
+      <a:schemeClr val="accent5"/>
+      <a:schemeClr val="accent6"/>
+    </dgm:linClrLst>
+    <dgm:effectClrLst/>
+    <dgm:txLinClrLst/>
+    <dgm:txFillClrLst meth="repeat">
+      <a:schemeClr val="dk1"/>
+    </dgm:txFillClrLst>
+    <dgm:txEffectClrLst/>
+  </dgm:styleLbl>
+  <dgm:styleLbl name="trAlignAcc1">
+    <dgm:fillClrLst meth="repeat">
+      <a:schemeClr val="lt1">
+        <a:alpha val="40000"/>
+      </a:schemeClr>
+    </dgm:fillClrLst>
+    <dgm:linClrLst meth="repeat">
+      <a:schemeClr val="accent5"/>
+    </dgm:linClrLst>
+    <dgm:effectClrLst/>
+    <dgm:txLinClrLst/>
+    <dgm:txFillClrLst meth="repeat">
+      <a:schemeClr val="dk1"/>
+    </dgm:txFillClrLst>
+    <dgm:txEffectClrLst/>
+  </dgm:styleLbl>
+  <dgm:styleLbl name="bgAcc1">
+    <dgm:fillClrLst meth="repeat">
+      <a:schemeClr val="lt1">
+        <a:alpha val="90000"/>
+      </a:schemeClr>
+    </dgm:fillClrLst>
+    <dgm:linClrLst>
+      <a:schemeClr val="accent5"/>
+      <a:schemeClr val="accent6"/>
+    </dgm:linClrLst>
+    <dgm:effectClrLst/>
+    <dgm:txLinClrLst/>
+    <dgm:txFillClrLst meth="repeat">
+      <a:schemeClr val="dk1"/>
+    </dgm:txFillClrLst>
+    <dgm:txEffectClrLst/>
+  </dgm:styleLbl>
+  <dgm:styleLbl name="solidFgAcc1">
+    <dgm:fillClrLst meth="repeat">
+      <a:schemeClr val="lt1"/>
+    </dgm:fillClrLst>
+    <dgm:linClrLst>
+      <a:schemeClr val="accent5"/>
+      <a:schemeClr val="accent6"/>
+    </dgm:linClrLst>
+    <dgm:effectClrLst/>
+    <dgm:txLinClrLst/>
+    <dgm:txFillClrLst meth="repeat">
+      <a:schemeClr val="dk1"/>
+    </dgm:txFillClrLst>
+    <dgm:txEffectClrLst/>
+  </dgm:styleLbl>
+  <dgm:styleLbl name="solidAlignAcc1">
+    <dgm:fillClrLst meth="repeat">
+      <a:schemeClr val="lt1"/>
+    </dgm:fillClrLst>
+    <dgm:linClrLst>
+      <a:schemeClr val="accent5"/>
+      <a:schemeClr val="accent6"/>
+    </dgm:linClrLst>
+    <dgm:effectClrLst/>
+    <dgm:txLinClrLst/>
+    <dgm:txFillClrLst meth="repeat">
+      <a:schemeClr val="dk1"/>
+    </dgm:txFillClrLst>
+    <dgm:txEffectClrLst/>
+  </dgm:styleLbl>
+  <dgm:styleLbl name="solidBgAcc1">
+    <dgm:fillClrLst meth="repeat">
+      <a:schemeClr val="lt1"/>
+    </dgm:fillClrLst>
+    <dgm:linClrLst>
+      <a:schemeClr val="accent5"/>
+      <a:schemeClr val="accent6"/>
+    </dgm:linClrLst>
+    <dgm:effectClrLst/>
+    <dgm:txLinClrLst/>
+    <dgm:txFillClrLst meth="repeat">
+      <a:schemeClr val="dk1"/>
+    </dgm:txFillClrLst>
+    <dgm:txEffectClrLst/>
+  </dgm:styleLbl>
+  <dgm:styleLbl name="fgAccFollowNode1">
+    <dgm:fillClrLst>
+      <a:schemeClr val="accent5">
+        <a:tint val="40000"/>
+        <a:alpha val="90000"/>
+      </a:schemeClr>
+      <a:schemeClr val="accent6">
+        <a:tint val="40000"/>
+        <a:alpha val="90000"/>
+      </a:schemeClr>
+    </dgm:fillClrLst>
+    <dgm:linClrLst>
+      <a:schemeClr val="accent5">
+        <a:tint val="40000"/>
+        <a:alpha val="90000"/>
+      </a:schemeClr>
+      <a:schemeClr val="accent5">
+        <a:tint val="40000"/>
+        <a:alpha val="90000"/>
+      </a:schemeClr>
+    </dgm:linClrLst>
+    <dgm:effectClrLst/>
+    <dgm:txLinClrLst/>
+    <dgm:txFillClrLst meth="repeat">
+      <a:schemeClr val="dk1"/>
+    </dgm:txFillClrLst>
+    <dgm:txEffectClrLst/>
+  </dgm:styleLbl>
+  <dgm:styleLbl name="alignAccFollowNode1">
+    <dgm:fillClrLst>
+      <a:schemeClr val="accent5">
+        <a:tint val="40000"/>
+        <a:alpha val="90000"/>
+      </a:schemeClr>
+      <a:schemeClr val="accent6">
+        <a:tint val="40000"/>
+        <a:alpha val="90000"/>
+      </a:schemeClr>
+    </dgm:fillClrLst>
+    <dgm:linClrLst>
+      <a:schemeClr val="accent5">
+        <a:tint val="40000"/>
+        <a:alpha val="90000"/>
+      </a:schemeClr>
+      <a:schemeClr val="accent6">
+        <a:tint val="40000"/>
+        <a:alpha val="90000"/>
+      </a:schemeClr>
+    </dgm:linClrLst>
+    <dgm:effectClrLst/>
+    <dgm:txLinClrLst/>
+    <dgm:txFillClrLst meth="repeat">
+      <a:schemeClr val="dk1"/>
+    </dgm:txFillClrLst>
+    <dgm:txEffectClrLst/>
+  </dgm:styleLbl>
+  <dgm:styleLbl name="bgAccFollowNode1">
+    <dgm:fillClrLst>
+      <a:schemeClr val="accent5">
+        <a:tint val="40000"/>
+        <a:alpha val="90000"/>
+      </a:schemeClr>
+      <a:schemeClr val="accent6">
+        <a:tint val="40000"/>
+        <a:alpha val="90000"/>
+      </a:schemeClr>
+    </dgm:fillClrLst>
+    <dgm:linClrLst>
+      <a:schemeClr val="accent5">
+        <a:tint val="40000"/>
+        <a:alpha val="90000"/>
+      </a:schemeClr>
+      <a:schemeClr val="accent6">
+        <a:tint val="40000"/>
+        <a:alpha val="90000"/>
+      </a:schemeClr>
+    </dgm:linClrLst>
+    <dgm:effectClrLst/>
+    <dgm:txLinClrLst/>
+    <dgm:txFillClrLst meth="repeat">
+      <a:schemeClr val="dk1"/>
+    </dgm:txFillClrLst>
+    <dgm:txEffectClrLst/>
+  </dgm:styleLbl>
+  <dgm:styleLbl name="fgAcc0">
+    <dgm:fillClrLst meth="repeat">
+      <a:schemeClr val="lt1">
+        <a:alpha val="90000"/>
+      </a:schemeClr>
+    </dgm:fillClrLst>
+    <dgm:linClrLst>
+      <a:schemeClr val="accent4"/>
+    </dgm:linClrLst>
+    <dgm:effectClrLst/>
+    <dgm:txLinClrLst/>
+    <dgm:txFillClrLst meth="repeat">
+      <a:schemeClr val="dk1"/>
+    </dgm:txFillClrLst>
+    <dgm:txEffectClrLst/>
+  </dgm:styleLbl>
+  <dgm:styleLbl name="fgAcc2">
+    <dgm:fillClrLst meth="repeat">
+      <a:schemeClr val="lt1">
+        <a:alpha val="90000"/>
+      </a:schemeClr>
+    </dgm:fillClrLst>
+    <dgm:linClrLst>
+      <a:schemeClr val="accent6"/>
+    </dgm:linClrLst>
+    <dgm:effectClrLst/>
+    <dgm:txLinClrLst/>
+    <dgm:txFillClrLst meth="repeat">
+      <a:schemeClr val="dk1"/>
+    </dgm:txFillClrLst>
+    <dgm:txEffectClrLst/>
+  </dgm:styleLbl>
+  <dgm:styleLbl name="fgAcc3">
+    <dgm:fillClrLst meth="repeat">
+      <a:schemeClr val="lt1">
+        <a:alpha val="90000"/>
+      </a:schemeClr>
+    </dgm:fillClrLst>
+    <dgm:linClrLst>
+      <a:schemeClr val="accent1"/>
+    </dgm:linClrLst>
+    <dgm:effectClrLst/>
+    <dgm:txLinClrLst/>
+    <dgm:txFillClrLst meth="repeat">
+      <a:schemeClr val="dk1"/>
+    </dgm:txFillClrLst>
+    <dgm:txEffectClrLst/>
+  </dgm:styleLbl>
+  <dgm:styleLbl name="fgAcc4">
+    <dgm:fillClrLst meth="repeat">
+      <a:schemeClr val="lt1">
+        <a:alpha val="90000"/>
+      </a:schemeClr>
+    </dgm:fillClrLst>
+    <dgm:linClrLst>
+      <a:schemeClr val="accent2"/>
+    </dgm:linClrLst>
+    <dgm:effectClrLst/>
+    <dgm:txLinClrLst/>
+    <dgm:txFillClrLst meth="repeat">
+      <a:schemeClr val="dk1"/>
+    </dgm:txFillClrLst>
+    <dgm:txEffectClrLst/>
+  </dgm:styleLbl>
+  <dgm:styleLbl name="bgShp">
+    <dgm:fillClrLst meth="repeat">
+      <a:schemeClr val="accent5">
+        <a:tint val="40000"/>
+      </a:schemeClr>
+    </dgm:fillClrLst>
+    <dgm:linClrLst meth="repeat">
+      <a:schemeClr val="dk1"/>
+    </dgm:linClrLst>
+    <dgm:effectClrLst/>
+    <dgm:txLinClrLst/>
+    <dgm:txFillClrLst meth="repeat">
+      <a:schemeClr val="dk1"/>
+    </dgm:txFillClrLst>
+    <dgm:txEffectClrLst/>
+  </dgm:styleLbl>
+  <dgm:styleLbl name="dkBgShp">
+    <dgm:fillClrLst meth="repeat">
+      <a:schemeClr val="accent5">
+        <a:shade val="90000"/>
+      </a:schemeClr>
+    </dgm:fillClrLst>
+    <dgm:linClrLst meth="repeat">
+      <a:schemeClr val="dk1"/>
+    </dgm:linClrLst>
+    <dgm:effectClrLst/>
+    <dgm:txLinClrLst/>
+    <dgm:txFillClrLst meth="repeat">
+      <a:schemeClr val="lt1"/>
+    </dgm:txFillClrLst>
+    <dgm:txEffectClrLst/>
+  </dgm:styleLbl>
+  <dgm:styleLbl name="trBgShp">
+    <dgm:fillClrLst meth="repeat">
+      <a:schemeClr val="accent5">
+        <a:tint val="50000"/>
+        <a:alpha val="40000"/>
+      </a:schemeClr>
+    </dgm:fillClrLst>
+    <dgm:linClrLst meth="repeat">
+      <a:schemeClr val="accent5"/>
+    </dgm:linClrLst>
+    <dgm:effectClrLst/>
+    <dgm:txLinClrLst/>
+    <dgm:txFillClrLst meth="repeat">
+      <a:schemeClr val="lt1"/>
+    </dgm:txFillClrLst>
+    <dgm:txEffectClrLst/>
+  </dgm:styleLbl>
+  <dgm:styleLbl name="fgShp">
+    <dgm:fillClrLst meth="repeat">
+      <a:schemeClr val="accent5">
+        <a:tint val="40000"/>
+      </a:schemeClr>
+    </dgm:fillClrLst>
+    <dgm:linClrLst meth="repeat">
+      <a:schemeClr val="lt1"/>
+    </dgm:linClrLst>
+    <dgm:effectClrLst/>
+    <dgm:txLinClrLst/>
+    <dgm:txFillClrLst meth="repeat">
+      <a:schemeClr val="dk1"/>
+    </dgm:txFillClrLst>
+    <dgm:txEffectClrLst/>
+  </dgm:styleLbl>
+  <dgm:styleLbl name="revTx">
+    <dgm:fillClrLst meth="repeat">
+      <a:schemeClr val="lt1">
+        <a:alpha val="0"/>
+      </a:schemeClr>
+    </dgm:fillClrLst>
+    <dgm:linClrLst meth="repeat">
+      <a:schemeClr val="dk1">
+        <a:alpha val="0"/>
+      </a:schemeClr>
+    </dgm:linClrLst>
+    <dgm:effectClrLst/>
+    <dgm:txLinClrLst/>
+    <dgm:txFillClrLst meth="repeat">
+      <a:schemeClr val="tx1"/>
+    </dgm:txFillClrLst>
+    <dgm:txEffectClrLst/>
+  </dgm:styleLbl>
+</dgm:colorsDef>
+</file>
+
+<file path=ppt/diagrams/colors3.xml><?xml version="1.0" encoding="utf-8"?>
+<dgm:colorsDef xmlns:dgm="http://schemas.openxmlformats.org/drawingml/2006/diagram" xmlns:a="http://schemas.openxmlformats.org/drawingml/2006/main" uniqueId="urn:microsoft.com/office/officeart/2005/8/colors/accent1_4">
+  <dgm:title val=""/>
+  <dgm:desc val=""/>
+  <dgm:catLst>
+    <dgm:cat type="accent1" pri="11400"/>
+  </dgm:catLst>
+  <dgm:styleLbl name="node0">
+    <dgm:fillClrLst meth="cycle">
+      <a:schemeClr val="accent1">
+        <a:shade val="60000"/>
+      </a:schemeClr>
+    </dgm:fillClrLst>
+    <dgm:linClrLst meth="repeat">
+      <a:schemeClr val="lt1"/>
+    </dgm:linClrLst>
+    <dgm:effectClrLst/>
+    <dgm:txLinClrLst/>
+    <dgm:txFillClrLst/>
+    <dgm:txEffectClrLst/>
+  </dgm:styleLbl>
+  <dgm:styleLbl name="node1">
+    <dgm:fillClrLst meth="cycle">
+      <a:schemeClr val="accent1">
+        <a:shade val="50000"/>
+      </a:schemeClr>
+      <a:schemeClr val="accent1">
+        <a:tint val="55000"/>
+      </a:schemeClr>
+    </dgm:fillClrLst>
+    <dgm:linClrLst meth="repeat">
+      <a:schemeClr val="lt1"/>
+    </dgm:linClrLst>
+    <dgm:effectClrLst/>
+    <dgm:txLinClrLst/>
+    <dgm:txFillClrLst/>
+    <dgm:txEffectClrLst/>
+  </dgm:styleLbl>
+  <dgm:styleLbl name="alignNode1">
+    <dgm:fillClrLst meth="cycle">
+      <a:schemeClr val="accent1">
+        <a:shade val="50000"/>
+      </a:schemeClr>
+      <a:schemeClr val="accent1">
+        <a:tint val="55000"/>
+      </a:schemeClr>
+    </dgm:fillClrLst>
+    <dgm:linClrLst meth="cycle">
+      <a:schemeClr val="accent1">
+        <a:shade val="50000"/>
+      </a:schemeClr>
+      <a:schemeClr val="accent1">
+        <a:tint val="55000"/>
+      </a:schemeClr>
+    </dgm:linClrLst>
+    <dgm:effectClrLst/>
+    <dgm:txLinClrLst/>
+    <dgm:txFillClrLst/>
+    <dgm:txEffectClrLst/>
+  </dgm:styleLbl>
+  <dgm:styleLbl name="lnNode1">
+    <dgm:fillClrLst meth="cycle">
+      <a:schemeClr val="accent1">
+        <a:shade val="50000"/>
+      </a:schemeClr>
+      <a:schemeClr val="accent1">
+        <a:tint val="55000"/>
+      </a:schemeClr>
+    </dgm:fillClrLst>
+    <dgm:linClrLst meth="repeat">
+      <a:schemeClr val="lt1"/>
+    </dgm:linClrLst>
+    <dgm:effectClrLst/>
+    <dgm:txLinClrLst/>
+    <dgm:txFillClrLst/>
+    <dgm:txEffectClrLst/>
+  </dgm:styleLbl>
+  <dgm:styleLbl name="vennNode1">
+    <dgm:fillClrLst meth="cycle">
+      <a:schemeClr val="accent1">
+        <a:shade val="80000"/>
+        <a:alpha val="50000"/>
+      </a:schemeClr>
+      <a:schemeClr val="accent1">
+        <a:tint val="50000"/>
+        <a:alpha val="50000"/>
+      </a:schemeClr>
+    </dgm:fillClrLst>
+    <dgm:linClrLst meth="repeat">
+      <a:schemeClr val="lt1"/>
+    </dgm:linClrLst>
+    <dgm:effectClrLst/>
+    <dgm:txLinClrLst/>
+    <dgm:txFillClrLst/>
+    <dgm:txEffectClrLst/>
+  </dgm:styleLbl>
+  <dgm:styleLbl name="node2">
+    <dgm:fillClrLst>
+      <a:schemeClr val="accent1">
+        <a:shade val="80000"/>
+      </a:schemeClr>
+    </dgm:fillClrLst>
+    <dgm:linClrLst meth="repeat">
+      <a:schemeClr val="lt1"/>
+    </dgm:linClrLst>
+    <dgm:effectClrLst/>
+    <dgm:txLinClrLst/>
+    <dgm:txFillClrLst/>
+    <dgm:txEffectClrLst/>
+  </dgm:styleLbl>
+  <dgm:styleLbl name="node3">
+    <dgm:fillClrLst>
+      <a:schemeClr val="accent1">
+        <a:tint val="99000"/>
+      </a:schemeClr>
+    </dgm:fillClrLst>
+    <dgm:linClrLst meth="repeat">
+      <a:schemeClr val="lt1"/>
+    </dgm:linClrLst>
+    <dgm:effectClrLst/>
+    <dgm:txLinClrLst/>
+    <dgm:txFillClrLst/>
+    <dgm:txEffectClrLst/>
+  </dgm:styleLbl>
+  <dgm:styleLbl name="node4">
+    <dgm:fillClrLst>
+      <a:schemeClr val="accent1">
+        <a:tint val="70000"/>
+      </a:schemeClr>
+    </dgm:fillClrLst>
+    <dgm:linClrLst meth="repeat">
+      <a:schemeClr val="lt1"/>
+    </dgm:linClrLst>
+    <dgm:effectClrLst/>
+    <dgm:txLinClrLst/>
+    <dgm:txFillClrLst/>
+    <dgm:txEffectClrLst/>
+  </dgm:styleLbl>
+  <dgm:styleLbl name="fgImgPlace1">
+    <dgm:fillClrLst>
+      <a:schemeClr val="accent1">
+        <a:tint val="50000"/>
+      </a:schemeClr>
+      <a:schemeClr val="accent1">
+        <a:tint val="55000"/>
+      </a:schemeClr>
+    </dgm:fillClrLst>
+    <dgm:linClrLst meth="repeat">
+      <a:schemeClr val="lt1"/>
+    </dgm:linClrLst>
+    <dgm:effectClrLst/>
+    <dgm:txLinClrLst/>
+    <dgm:txFillClrLst meth="repeat">
+      <a:schemeClr val="lt1"/>
+    </dgm:txFillClrLst>
+    <dgm:txEffectClrLst/>
+  </dgm:styleLbl>
+  <dgm:styleLbl name="alignImgPlace1">
+    <dgm:fillClrLst>
+      <a:schemeClr val="accent1">
+        <a:tint val="50000"/>
+      </a:schemeClr>
+      <a:schemeClr val="accent1">
+        <a:tint val="55000"/>
+      </a:schemeClr>
+    </dgm:fillClrLst>
+    <dgm:linClrLst meth="repeat">
+      <a:schemeClr val="lt1"/>
+    </dgm:linClrLst>
+    <dgm:effectClrLst/>
+    <dgm:txLinClrLst/>
+    <dgm:txFillClrLst meth="repeat">
+      <a:schemeClr val="lt1"/>
+    </dgm:txFillClrLst>
+    <dgm:txEffectClrLst/>
+  </dgm:styleLbl>
+  <dgm:styleLbl name="bgImgPlace1">
+    <dgm:fillClrLst>
+      <a:schemeClr val="accent1">
+        <a:tint val="50000"/>
+      </a:schemeClr>
+      <a:schemeClr val="accent1">
+        <a:tint val="55000"/>
+      </a:schemeClr>
+    </dgm:fillClrLst>
+    <dgm:linClrLst meth="repeat">
+      <a:schemeClr val="lt1"/>
+    </dgm:linClrLst>
+    <dgm:effectClrLst/>
+    <dgm:txLinClrLst/>
+    <dgm:txFillClrLst meth="repeat">
+      <a:schemeClr val="lt1"/>
+    </dgm:txFillClrLst>
+    <dgm:txEffectClrLst/>
+  </dgm:styleLbl>
+  <dgm:styleLbl name="sibTrans2D1">
+    <dgm:fillClrLst meth="cycle">
+      <a:schemeClr val="accent1">
+        <a:shade val="90000"/>
+      </a:schemeClr>
+      <a:schemeClr val="accent1">
+        <a:tint val="50000"/>
+      </a:schemeClr>
+    </dgm:fillClrLst>
+    <dgm:linClrLst meth="cycle">
+      <a:schemeClr val="accent1">
+        <a:shade val="90000"/>
+      </a:schemeClr>
+      <a:schemeClr val="accent1">
+        <a:tint val="50000"/>
+      </a:schemeClr>
+    </dgm:linClrLst>
+    <dgm:effectClrLst/>
+    <dgm:txLinClrLst/>
+    <dgm:txFillClrLst/>
+    <dgm:txEffectClrLst/>
+  </dgm:styleLbl>
+  <dgm:styleLbl name="fgSibTrans2D1">
+    <dgm:fillClrLst meth="cycle">
+      <a:schemeClr val="accent1">
+        <a:shade val="90000"/>
+      </a:schemeClr>
+      <a:schemeClr val="accent1">
+        <a:tint val="50000"/>
+      </a:schemeClr>
+    </dgm:fillClrLst>
+    <dgm:linClrLst meth="cycle">
+      <a:schemeClr val="accent1">
+        <a:shade val="90000"/>
+      </a:schemeClr>
+      <a:schemeClr val="accent1">
+        <a:tint val="50000"/>
+      </a:schemeClr>
+    </dgm:linClrLst>
+    <dgm:effectClrLst/>
+    <dgm:txLinClrLst/>
+    <dgm:txFillClrLst/>
+    <dgm:txEffectClrLst/>
+  </dgm:styleLbl>
+  <dgm:styleLbl name="bgSibTrans2D1">
+    <dgm:fillClrLst meth="cycle">
+      <a:schemeClr val="accent1">
+        <a:shade val="90000"/>
+      </a:schemeClr>
+      <a:schemeClr val="accent1">
+        <a:tint val="50000"/>
+      </a:schemeClr>
+    </dgm:fillClrLst>
+    <dgm:linClrLst meth="cycle">
+      <a:schemeClr val="accent1">
+        <a:shade val="90000"/>
+      </a:schemeClr>
+      <a:schemeClr val="accent1">
+        <a:tint val="50000"/>
+      </a:schemeClr>
+    </dgm:linClrLst>
+    <dgm:effectClrLst/>
+    <dgm:txLinClrLst/>
+    <dgm:txFillClrLst/>
+    <dgm:txEffectClrLst/>
+  </dgm:styleLbl>
+  <dgm:styleLbl name="sibTrans1D1">
+    <dgm:fillClrLst meth="cycle">
+      <a:schemeClr val="accent1">
+        <a:shade val="90000"/>
+      </a:schemeClr>
+      <a:schemeClr val="accent1">
+        <a:tint val="50000"/>
+      </a:schemeClr>
+    </dgm:fillClrLst>
+    <dgm:linClrLst meth="cycle">
+      <a:schemeClr val="accent1">
+        <a:shade val="90000"/>
+      </a:schemeClr>
+      <a:schemeClr val="accent1">
+        <a:tint val="50000"/>
+      </a:schemeClr>
+    </dgm:linClrLst>
+    <dgm:effectClrLst/>
+    <dgm:txLinClrLst/>
+    <dgm:txFillClrLst meth="repeat">
+      <a:schemeClr val="tx1"/>
+    </dgm:txFillClrLst>
+    <dgm:txEffectClrLst/>
+  </dgm:styleLbl>
+  <dgm:styleLbl name="callout">
+    <dgm:fillClrLst meth="repeat">
+      <a:schemeClr val="accent1"/>
+    </dgm:fillClrLst>
+    <dgm:linClrLst meth="repeat">
+      <a:schemeClr val="accent1"/>
+    </dgm:linClrLst>
+    <dgm:effectClrLst/>
+    <dgm:txLinClrLst/>
+    <dgm:txFillClrLst meth="repeat">
+      <a:schemeClr val="tx1"/>
+    </dgm:txFillClrLst>
+    <dgm:txEffectClrLst/>
+  </dgm:styleLbl>
+  <dgm:styleLbl name="asst0">
+    <dgm:fillClrLst meth="repeat">
+      <a:schemeClr val="accent1">
+        <a:shade val="80000"/>
+      </a:schemeClr>
+    </dgm:fillClrLst>
+    <dgm:linClrLst meth="repeat">
+      <a:schemeClr val="lt1"/>
+    </dgm:linClrLst>
+    <dgm:effectClrLst/>
+    <dgm:txLinClrLst/>
+    <dgm:txFillClrLst/>
+    <dgm:txEffectClrLst/>
+  </dgm:styleLbl>
+  <dgm:styleLbl name="asst1">
+    <dgm:fillClrLst meth="repeat">
+      <a:schemeClr val="accent1">
+        <a:shade val="80000"/>
+      </a:schemeClr>
+    </dgm:fillClrLst>
+    <dgm:linClrLst meth="repeat">
+      <a:schemeClr val="lt1"/>
+    </dgm:linClrLst>
+    <dgm:effectClrLst/>
+    <dgm:txLinClrLst/>
+    <dgm:txFillClrLst/>
+    <dgm:txEffectClrLst/>
+  </dgm:styleLbl>
+  <dgm:styleLbl name="asst2">
+    <dgm:fillClrLst>
+      <a:schemeClr val="accent1">
+        <a:tint val="90000"/>
+      </a:schemeClr>
+    </dgm:fillClrLst>
+    <dgm:linClrLst meth="repeat">
+      <a:schemeClr val="lt1"/>
+    </dgm:linClrLst>
+    <dgm:effectClrLst/>
+    <dgm:txLinClrLst/>
+    <dgm:txFillClrLst/>
+    <dgm:txEffectClrLst/>
+  </dgm:styleLbl>
+  <dgm:styleLbl name="asst3">
+    <dgm:fillClrLst>
+      <a:schemeClr val="accent1">
+        <a:tint val="70000"/>
+      </a:schemeClr>
+    </dgm:fillClrLst>
+    <dgm:linClrLst meth="repeat">
+      <a:schemeClr val="lt1"/>
+    </dgm:linClrLst>
+    <dgm:effectClrLst/>
+    <dgm:txLinClrLst/>
+    <dgm:txFillClrLst/>
+    <dgm:txEffectClrLst/>
+  </dgm:styleLbl>
+  <dgm:styleLbl name="asst4">
+    <dgm:fillClrLst>
+      <a:schemeClr val="accent1">
+        <a:tint val="50000"/>
+      </a:schemeClr>
+    </dgm:fillClrLst>
+    <dgm:linClrLst meth="repeat">
+      <a:schemeClr val="lt1"/>
+    </dgm:linClrLst>
+    <dgm:effectClrLst/>
+    <dgm:txLinClrLst/>
+    <dgm:txFillClrLst/>
+    <dgm:txEffectClrLst/>
+  </dgm:styleLbl>
+  <dgm:styleLbl name="parChTrans2D1">
+    <dgm:fillClrLst meth="repeat">
+      <a:schemeClr val="accent1">
+        <a:tint val="60000"/>
+      </a:schemeClr>
+    </dgm:fillClrLst>
+    <dgm:linClrLst meth="repeat">
+      <a:schemeClr val="accent1">
+        <a:shade val="80000"/>
+      </a:schemeClr>
+    </dgm:linClrLst>
+    <dgm:effectClrLst/>
+    <dgm:txLinClrLst/>
+    <dgm:txFillClrLst/>
+    <dgm:txEffectClrLst/>
+  </dgm:styleLbl>
+  <dgm:styleLbl name="parChTrans2D2">
+    <dgm:fillClrLst meth="repeat">
+      <a:schemeClr val="accent1">
+        <a:tint val="90000"/>
+      </a:schemeClr>
+    </dgm:fillClrLst>
+    <dgm:linClrLst meth="repeat">
+      <a:schemeClr val="accent1">
+        <a:tint val="90000"/>
+      </a:schemeClr>
+    </dgm:linClrLst>
+    <dgm:effectClrLst/>
+    <dgm:txLinClrLst/>
+    <dgm:txFillClrLst/>
+    <dgm:txEffectClrLst/>
+  </dgm:styleLbl>
+  <dgm:styleLbl name="parChTrans2D3">
+    <dgm:fillClrLst meth="repeat">
+      <a:schemeClr val="accent1">
+        <a:tint val="70000"/>
+      </a:schemeClr>
+    </dgm:fillClrLst>
+    <dgm:linClrLst meth="repeat">
+      <a:schemeClr val="accent1">
+        <a:tint val="70000"/>
+      </a:schemeClr>
+    </dgm:linClrLst>
+    <dgm:effectClrLst/>
+    <dgm:txLinClrLst/>
+    <dgm:txFillClrLst/>
+    <dgm:txEffectClrLst/>
+  </dgm:styleLbl>
+  <dgm:styleLbl name="parChTrans2D4">
+    <dgm:fillClrLst meth="repeat">
+      <a:schemeClr val="accent1">
+        <a:tint val="50000"/>
+      </a:schemeClr>
+    </dgm:fillClrLst>
+    <dgm:linClrLst meth="repeat">
+      <a:schemeClr val="accent1">
+        <a:tint val="50000"/>
+      </a:schemeClr>
+    </dgm:linClrLst>
+    <dgm:effectClrLst/>
+    <dgm:txLinClrLst/>
+    <dgm:txFillClrLst meth="repeat">
+      <a:schemeClr val="dk1"/>
+    </dgm:txFillClrLst>
+    <dgm:txEffectClrLst/>
+  </dgm:styleLbl>
+  <dgm:styleLbl name="parChTrans1D1">
+    <dgm:fillClrLst meth="repeat">
+      <a:schemeClr val="accent1">
+        <a:shade val="80000"/>
+      </a:schemeClr>
+    </dgm:fillClrLst>
+    <dgm:linClrLst meth="repeat">
+      <a:schemeClr val="accent1">
+        <a:shade val="80000"/>
+      </a:schemeClr>
+    </dgm:linClrLst>
+    <dgm:effectClrLst/>
+    <dgm:txLinClrLst/>
+    <dgm:txFillClrLst meth="repeat">
+      <a:schemeClr val="tx1"/>
+    </dgm:txFillClrLst>
+    <dgm:txEffectClrLst/>
+  </dgm:styleLbl>
+  <dgm:styleLbl name="parChTrans1D2">
+    <dgm:fillClrLst meth="repeat">
+      <a:schemeClr val="accent1">
+        <a:tint val="90000"/>
+      </a:schemeClr>
+    </dgm:fillClrLst>
+    <dgm:linClrLst meth="repeat">
+      <a:schemeClr val="accent1">
+        <a:tint val="90000"/>
+      </a:schemeClr>
+    </dgm:linClrLst>
+    <dgm:effectClrLst/>
+    <dgm:txLinClrLst/>
+    <dgm:txFillClrLst meth="repeat">
+      <a:schemeClr val="tx1"/>
+    </dgm:txFillClrLst>
+    <dgm:txEffectClrLst/>
+  </dgm:styleLbl>
+  <dgm:styleLbl name="parChTrans1D3">
+    <dgm:fillClrLst meth="repeat">
+      <a:schemeClr val="accent1">
+        <a:tint val="70000"/>
+      </a:schemeClr>
+    </dgm:fillClrLst>
+    <dgm:linClrLst meth="repeat">
+      <a:schemeClr val="accent1">
+        <a:tint val="70000"/>
+      </a:schemeClr>
+    </dgm:linClrLst>
+    <dgm:effectClrLst/>
+    <dgm:txLinClrLst/>
+    <dgm:txFillClrLst meth="repeat">
+      <a:schemeClr val="tx1"/>
+    </dgm:txFillClrLst>
+    <dgm:txEffectClrLst/>
+  </dgm:styleLbl>
+  <dgm:styleLbl name="parChTrans1D4">
+    <dgm:fillClrLst meth="repeat">
+      <a:schemeClr val="accent1">
+        <a:tint val="50000"/>
+      </a:schemeClr>
+    </dgm:fillClrLst>
+    <dgm:linClrLst meth="repeat">
+      <a:schemeClr val="accent1">
+        <a:tint val="50000"/>
+      </a:schemeClr>
+    </dgm:linClrLst>
+    <dgm:effectClrLst/>
+    <dgm:txLinClrLst/>
+    <dgm:txFillClrLst meth="repeat">
+      <a:schemeClr val="tx1"/>
+    </dgm:txFillClrLst>
+    <dgm:txEffectClrLst/>
+  </dgm:styleLbl>
+  <dgm:styleLbl name="fgAcc1">
+    <dgm:fillClrLst meth="repeat">
+      <a:schemeClr val="lt1">
+        <a:alpha val="90000"/>
+      </a:schemeClr>
+    </dgm:fillClrLst>
+    <dgm:linClrLst meth="cycle">
+      <a:schemeClr val="accent1">
+        <a:shade val="50000"/>
+      </a:schemeClr>
+      <a:schemeClr val="accent1">
+        <a:tint val="55000"/>
+      </a:schemeClr>
+    </dgm:linClrLst>
+    <dgm:effectClrLst/>
+    <dgm:txLinClrLst/>
+    <dgm:txFillClrLst meth="repeat">
+      <a:schemeClr val="dk1"/>
+    </dgm:txFillClrLst>
+    <dgm:txEffectClrLst/>
+  </dgm:styleLbl>
+  <dgm:styleLbl name="conFgAcc1">
+    <dgm:fillClrLst meth="repeat">
+      <a:schemeClr val="lt1">
+        <a:alpha val="90000"/>
+      </a:schemeClr>
+    </dgm:fillClrLst>
+    <dgm:linClrLst meth="cycle">
+      <a:schemeClr val="accent1">
+        <a:shade val="50000"/>
+      </a:schemeClr>
+      <a:schemeClr val="accent1">
+        <a:tint val="55000"/>
+      </a:schemeClr>
+    </dgm:linClrLst>
+    <dgm:effectClrLst/>
+    <dgm:txLinClrLst/>
+    <dgm:txFillClrLst meth="repeat">
+      <a:schemeClr val="dk1"/>
+    </dgm:txFillClrLst>
+    <dgm:txEffectClrLst/>
+  </dgm:styleLbl>
+  <dgm:styleLbl name="alignAcc1">
+    <dgm:fillClrLst meth="repeat">
+      <a:schemeClr val="lt1">
+        <a:alpha val="90000"/>
+      </a:schemeClr>
+    </dgm:fillClrLst>
+    <dgm:linClrLst meth="cycle">
+      <a:schemeClr val="accent1">
+        <a:shade val="50000"/>
+      </a:schemeClr>
+      <a:schemeClr val="accent1">
+        <a:tint val="55000"/>
+      </a:schemeClr>
+    </dgm:linClrLst>
+    <dgm:effectClrLst/>
+    <dgm:txLinClrLst/>
+    <dgm:txFillClrLst meth="repeat">
+      <a:schemeClr val="dk1"/>
+    </dgm:txFillClrLst>
+    <dgm:txEffectClrLst/>
+  </dgm:styleLbl>
+  <dgm:styleLbl name="trAlignAcc1">
+    <dgm:fillClrLst meth="repeat">
+      <a:schemeClr val="lt1">
+        <a:alpha val="55000"/>
+      </a:schemeClr>
+    </dgm:fillClrLst>
+    <dgm:linClrLst meth="repeat">
+      <a:schemeClr val="accent1"/>
+    </dgm:linClrLst>
+    <dgm:effectClrLst/>
+    <dgm:txLinClrLst/>
+    <dgm:txFillClrLst meth="repeat">
+      <a:schemeClr val="dk1"/>
+    </dgm:txFillClrLst>
+    <dgm:txEffectClrLst/>
+  </dgm:styleLbl>
+  <dgm:styleLbl name="bgAcc1">
+    <dgm:fillClrLst meth="repeat">
+      <a:schemeClr val="lt1">
+        <a:alpha val="90000"/>
+      </a:schemeClr>
+    </dgm:fillClrLst>
+    <dgm:linClrLst meth="cycle">
+      <a:schemeClr val="accent1">
+        <a:shade val="50000"/>
+      </a:schemeClr>
+      <a:schemeClr val="accent1">
+        <a:tint val="55000"/>
+      </a:schemeClr>
+    </dgm:linClrLst>
+    <dgm:effectClrLst/>
+    <dgm:txLinClrLst/>
+    <dgm:txFillClrLst meth="repeat">
+      <a:schemeClr val="dk1"/>
+    </dgm:txFillClrLst>
+    <dgm:txEffectClrLst/>
+  </dgm:styleLbl>
+  <dgm:styleLbl name="solidFgAcc1">
+    <dgm:fillClrLst meth="repeat">
+      <a:schemeClr val="lt1"/>
+    </dgm:fillClrLst>
+    <dgm:linClrLst meth="cycle">
+      <a:schemeClr val="accent1">
+        <a:shade val="50000"/>
+      </a:schemeClr>
+      <a:schemeClr val="accent1">
+        <a:tint val="55000"/>
+      </a:schemeClr>
+    </dgm:linClrLst>
+    <dgm:effectClrLst/>
+    <dgm:txLinClrLst/>
+    <dgm:txFillClrLst meth="repeat">
+      <a:schemeClr val="dk1"/>
+    </dgm:txFillClrLst>
+    <dgm:txEffectClrLst/>
+  </dgm:styleLbl>
+  <dgm:styleLbl name="solidAlignAcc1">
+    <dgm:fillClrLst meth="repeat">
+      <a:schemeClr val="lt1"/>
+    </dgm:fillClrLst>
+    <dgm:linClrLst meth="repeat">
+      <a:schemeClr val="accent1"/>
+    </dgm:linClrLst>
+    <dgm:effectClrLst/>
+    <dgm:txLinClrLst/>
+    <dgm:txFillClrLst meth="repeat">
+      <a:schemeClr val="dk1"/>
+    </dgm:txFillClrLst>
+    <dgm:txEffectClrLst/>
+  </dgm:styleLbl>
+  <dgm:styleLbl name="solidBgAcc1">
+    <dgm:fillClrLst meth="repeat">
+      <a:schemeClr val="lt1"/>
+    </dgm:fillClrLst>
+    <dgm:linClrLst meth="repeat">
+      <a:schemeClr val="accent1"/>
+    </dgm:linClrLst>
+    <dgm:effectClrLst/>
+    <dgm:txLinClrLst/>
+    <dgm:txFillClrLst meth="repeat">
+      <a:schemeClr val="dk1"/>
+    </dgm:txFillClrLst>
+    <dgm:txEffectClrLst/>
+  </dgm:styleLbl>
+  <dgm:styleLbl name="fgAccFollowNode1">
+    <dgm:fillClrLst meth="repeat">
+      <a:schemeClr val="accent1">
+        <a:alpha val="90000"/>
+        <a:tint val="55000"/>
+      </a:schemeClr>
+    </dgm:fillClrLst>
+    <dgm:linClrLst meth="repeat">
+      <a:schemeClr val="accent1">
+        <a:alpha val="90000"/>
+        <a:tint val="55000"/>
+      </a:schemeClr>
+    </dgm:linClrLst>
+    <dgm:effectClrLst/>
+    <dgm:txLinClrLst/>
+    <dgm:txFillClrLst meth="repeat">
+      <a:schemeClr val="dk1"/>
+    </dgm:txFillClrLst>
+    <dgm:txEffectClrLst/>
+  </dgm:styleLbl>
+  <dgm:styleLbl name="alignAccFollowNode1">
+    <dgm:fillClrLst meth="repeat">
+      <a:schemeClr val="accent1">
+        <a:alpha val="90000"/>
+        <a:tint val="55000"/>
+      </a:schemeClr>
+    </dgm:fillClrLst>
+    <dgm:linClrLst meth="repeat">
+      <a:schemeClr val="accent1">
+        <a:alpha val="90000"/>
+        <a:tint val="55000"/>
+      </a:schemeClr>
+    </dgm:linClrLst>
+    <dgm:effectClrLst/>
+    <dgm:txLinClrLst/>
+    <dgm:txFillClrLst meth="repeat">
+      <a:schemeClr val="dk1"/>
+    </dgm:txFillClrLst>
+    <dgm:txEffectClrLst/>
+  </dgm:styleLbl>
+  <dgm:styleLbl name="bgAccFollowNode1">
+    <dgm:fillClrLst meth="repeat">
+      <a:schemeClr val="accent1">
+        <a:alpha val="90000"/>
+        <a:tint val="55000"/>
+      </a:schemeClr>
+    </dgm:fillClrLst>
+    <dgm:linClrLst meth="repeat">
+      <a:schemeClr val="lt1"/>
+    </dgm:linClrLst>
+    <dgm:effectClrLst/>
+    <dgm:txLinClrLst/>
+    <dgm:txFillClrLst meth="repeat">
+      <a:schemeClr val="dk1"/>
+    </dgm:txFillClrLst>
+    <dgm:txEffectClrLst/>
+  </dgm:styleLbl>
+  <dgm:styleLbl name="fgAcc0">
+    <dgm:fillClrLst meth="repeat">
+      <a:schemeClr val="lt1">
+        <a:alpha val="90000"/>
+      </a:schemeClr>
+    </dgm:fillClrLst>
+    <dgm:linClrLst meth="repeat">
+      <a:schemeClr val="accent1">
+        <a:shade val="80000"/>
+      </a:schemeClr>
+    </dgm:linClrLst>
+    <dgm:effectClrLst/>
+    <dgm:txLinClrLst/>
+    <dgm:txFillClrLst meth="repeat">
+      <a:schemeClr val="dk1"/>
+    </dgm:txFillClrLst>
+    <dgm:txEffectClrLst/>
+  </dgm:styleLbl>
+  <dgm:styleLbl name="fgAcc2">
+    <dgm:fillClrLst meth="repeat">
+      <a:schemeClr val="lt1">
+        <a:alpha val="90000"/>
+      </a:schemeClr>
+    </dgm:fillClrLst>
+    <dgm:linClrLst meth="repeat">
+      <a:schemeClr val="accent1">
+        <a:tint val="90000"/>
+      </a:schemeClr>
+    </dgm:linClrLst>
+    <dgm:effectClrLst/>
+    <dgm:txLinClrLst/>
+    <dgm:txFillClrLst meth="repeat">
+      <a:schemeClr val="dk1"/>
+    </dgm:txFillClrLst>
+    <dgm:txEffectClrLst/>
+  </dgm:styleLbl>
+  <dgm:styleLbl name="fgAcc3">
+    <dgm:fillClrLst meth="repeat">
+      <a:schemeClr val="lt1">
+        <a:alpha val="90000"/>
+      </a:schemeClr>
+    </dgm:fillClrLst>
+    <dgm:linClrLst meth="repeat">
+      <a:schemeClr val="accent1">
+        <a:tint val="70000"/>
+      </a:schemeClr>
+    </dgm:linClrLst>
+    <dgm:effectClrLst/>
+    <dgm:txLinClrLst/>
+    <dgm:txFillClrLst meth="repeat">
+      <a:schemeClr val="dk1"/>
+    </dgm:txFillClrLst>
+    <dgm:txEffectClrLst/>
+  </dgm:styleLbl>
+  <dgm:styleLbl name="fgAcc4">
+    <dgm:fillClrLst meth="repeat">
+      <a:schemeClr val="lt1">
+        <a:alpha val="90000"/>
+      </a:schemeClr>
+    </dgm:fillClrLst>
+    <dgm:linClrLst meth="repeat">
+      <a:schemeClr val="accent1">
+        <a:tint val="50000"/>
+      </a:schemeClr>
+    </dgm:linClrLst>
+    <dgm:effectClrLst/>
+    <dgm:txLinClrLst/>
+    <dgm:txFillClrLst meth="repeat">
+      <a:schemeClr val="dk1"/>
+    </dgm:txFillClrLst>
+    <dgm:txEffectClrLst/>
+  </dgm:styleLbl>
+  <dgm:styleLbl name="bgShp">
+    <dgm:fillClrLst meth="repeat">
+      <a:schemeClr val="accent1">
+        <a:tint val="55000"/>
+      </a:schemeClr>
+    </dgm:fillClrLst>
+    <dgm:linClrLst meth="repeat">
+      <a:schemeClr val="dk1"/>
+    </dgm:linClrLst>
+    <dgm:effectClrLst/>
+    <dgm:txLinClrLst/>
+    <dgm:txFillClrLst meth="repeat">
+      <a:schemeClr val="dk1"/>
+    </dgm:txFillClrLst>
+    <dgm:txEffectClrLst/>
+  </dgm:styleLbl>
+  <dgm:styleLbl name="dkBgShp">
+    <dgm:fillClrLst meth="repeat">
+      <a:schemeClr val="accent1">
+        <a:shade val="90000"/>
+      </a:schemeClr>
+    </dgm:fillClrLst>
+    <dgm:linClrLst meth="repeat">
+      <a:schemeClr val="dk1"/>
+    </dgm:linClrLst>
+    <dgm:effectClrLst/>
+    <dgm:txLinClrLst/>
+    <dgm:txFillClrLst meth="repeat">
+      <a:schemeClr val="lt1"/>
+    </dgm:txFillClrLst>
+    <dgm:txEffectClrLst/>
+  </dgm:styleLbl>
+  <dgm:styleLbl name="trBgShp">
+    <dgm:fillClrLst meth="repeat">
+      <a:schemeClr val="accent1">
+        <a:tint val="50000"/>
+        <a:alpha val="55000"/>
+      </a:schemeClr>
+    </dgm:fillClrLst>
+    <dgm:linClrLst meth="repeat">
+      <a:schemeClr val="accent1"/>
+    </dgm:linClrLst>
+    <dgm:effectClrLst/>
+    <dgm:txLinClrLst/>
+    <dgm:txFillClrLst meth="repeat">
+      <a:schemeClr val="lt1"/>
+    </dgm:txFillClrLst>
+    <dgm:txEffectClrLst/>
+  </dgm:styleLbl>
+  <dgm:styleLbl name="fgShp">
+    <dgm:fillClrLst meth="repeat">
+      <a:schemeClr val="accent1">
+        <a:tint val="55000"/>
       </a:schemeClr>
     </dgm:fillClrLst>
     <dgm:linClrLst meth="repeat">
@@ -1364,6 +3017,1136 @@
     </a:ext>
     <a:ext uri="{C62137D5-CB1D-491B-B009-E17868A290BF}">
       <dgm14:recolorImg xmlns:dgm14="http://schemas.microsoft.com/office/drawing/2010/diagram" val="1"/>
+    </a:ext>
+  </dgm:extLst>
+</dgm:dataModel>
+</file>
+
+<file path=ppt/diagrams/data2.xml><?xml version="1.0" encoding="utf-8"?>
+<dgm:dataModel xmlns:dgm="http://schemas.openxmlformats.org/drawingml/2006/diagram" xmlns:a="http://schemas.openxmlformats.org/drawingml/2006/main">
+  <dgm:ptLst>
+    <dgm:pt modelId="{EC3B4886-98CF-4141-AE8A-0BB7DDA874A5}" type="doc">
+      <dgm:prSet loTypeId="urn:microsoft.com/office/officeart/2009/3/layout/StepUpProcess" loCatId="process" qsTypeId="urn:microsoft.com/office/officeart/2005/8/quickstyle/simple5" qsCatId="simple" csTypeId="urn:microsoft.com/office/officeart/2005/8/colors/colorful5" csCatId="colorful" phldr="1"/>
+      <dgm:spPr/>
+      <dgm:t>
+        <a:bodyPr/>
+        <a:lstStyle/>
+        <a:p>
+          <a:endParaRPr lang="es-CO"/>
+        </a:p>
+      </dgm:t>
+    </dgm:pt>
+    <dgm:pt modelId="{DF0082BF-D77F-425F-A886-DEC6A894492B}">
+      <dgm:prSet phldrT="[Texto]"/>
+      <dgm:spPr/>
+      <dgm:t>
+        <a:bodyPr/>
+        <a:lstStyle/>
+        <a:p>
+          <a:r>
+            <a:rPr lang="es-CO" dirty="0" smtClean="0"/>
+            <a:t>Diagnóstico AS-IS</a:t>
+          </a:r>
+          <a:endParaRPr lang="es-CO" dirty="0"/>
+        </a:p>
+      </dgm:t>
+    </dgm:pt>
+    <dgm:pt modelId="{F0A4969D-0978-49AC-869E-E0C5AE0C0009}" type="parTrans" cxnId="{7979AC39-76E7-4E16-BDAD-C00FAA33AFFD}">
+      <dgm:prSet/>
+      <dgm:spPr/>
+      <dgm:t>
+        <a:bodyPr/>
+        <a:lstStyle/>
+        <a:p>
+          <a:endParaRPr lang="es-CO"/>
+        </a:p>
+      </dgm:t>
+    </dgm:pt>
+    <dgm:pt modelId="{0169D036-AAC9-4410-BAF2-6D3B1BEBB28E}" type="sibTrans" cxnId="{7979AC39-76E7-4E16-BDAD-C00FAA33AFFD}">
+      <dgm:prSet/>
+      <dgm:spPr/>
+      <dgm:t>
+        <a:bodyPr/>
+        <a:lstStyle/>
+        <a:p>
+          <a:endParaRPr lang="es-CO"/>
+        </a:p>
+      </dgm:t>
+    </dgm:pt>
+    <dgm:pt modelId="{CF0AE8DE-E026-442E-8AAC-1FEF123BF580}">
+      <dgm:prSet phldrT="[Texto]"/>
+      <dgm:spPr/>
+      <dgm:t>
+        <a:bodyPr/>
+        <a:lstStyle/>
+        <a:p>
+          <a:r>
+            <a:rPr lang="es-CO" dirty="0" err="1" smtClean="0"/>
+            <a:t>DiseñoTO</a:t>
+          </a:r>
+          <a:r>
+            <a:rPr lang="es-CO" dirty="0" smtClean="0"/>
+            <a:t>-BE</a:t>
+          </a:r>
+          <a:endParaRPr lang="es-CO" dirty="0"/>
+        </a:p>
+      </dgm:t>
+    </dgm:pt>
+    <dgm:pt modelId="{93FFC8B5-A754-4319-99DE-794F9EE695C8}" type="parTrans" cxnId="{EDEB6E91-5702-4E2B-B7CD-B09CFE136031}">
+      <dgm:prSet/>
+      <dgm:spPr/>
+      <dgm:t>
+        <a:bodyPr/>
+        <a:lstStyle/>
+        <a:p>
+          <a:endParaRPr lang="es-CO"/>
+        </a:p>
+      </dgm:t>
+    </dgm:pt>
+    <dgm:pt modelId="{936CD8CE-6C2B-4F4F-AB30-24C02E14D8B2}" type="sibTrans" cxnId="{EDEB6E91-5702-4E2B-B7CD-B09CFE136031}">
+      <dgm:prSet/>
+      <dgm:spPr/>
+      <dgm:t>
+        <a:bodyPr/>
+        <a:lstStyle/>
+        <a:p>
+          <a:endParaRPr lang="es-CO"/>
+        </a:p>
+      </dgm:t>
+    </dgm:pt>
+    <dgm:pt modelId="{1F05E8E7-51DA-4B4F-9401-250854B580A7}">
+      <dgm:prSet phldrT="[Texto]"/>
+      <dgm:spPr/>
+      <dgm:t>
+        <a:bodyPr/>
+        <a:lstStyle/>
+        <a:p>
+          <a:r>
+            <a:rPr lang="es-CO" dirty="0" smtClean="0"/>
+            <a:t>Análisis de brecha</a:t>
+          </a:r>
+          <a:endParaRPr lang="es-CO" dirty="0"/>
+        </a:p>
+      </dgm:t>
+    </dgm:pt>
+    <dgm:pt modelId="{F6F75B17-08BD-420A-975B-38ED76343B6A}" type="parTrans" cxnId="{3C1FA3C8-BD99-4DBB-B8E9-8DAEAA54A726}">
+      <dgm:prSet/>
+      <dgm:spPr/>
+      <dgm:t>
+        <a:bodyPr/>
+        <a:lstStyle/>
+        <a:p>
+          <a:endParaRPr lang="es-CO"/>
+        </a:p>
+      </dgm:t>
+    </dgm:pt>
+    <dgm:pt modelId="{EFBDC1D7-1AF7-4C8E-ACC2-6C7CA35ADBD9}" type="sibTrans" cxnId="{3C1FA3C8-BD99-4DBB-B8E9-8DAEAA54A726}">
+      <dgm:prSet/>
+      <dgm:spPr/>
+      <dgm:t>
+        <a:bodyPr/>
+        <a:lstStyle/>
+        <a:p>
+          <a:endParaRPr lang="es-CO"/>
+        </a:p>
+      </dgm:t>
+    </dgm:pt>
+    <dgm:pt modelId="{0D33C168-B000-470E-A724-2FCEF0BC148E}">
+      <dgm:prSet phldrT="[Texto]"/>
+      <dgm:spPr/>
+      <dgm:t>
+        <a:bodyPr/>
+        <a:lstStyle/>
+        <a:p>
+          <a:r>
+            <a:rPr lang="es-CO" dirty="0" smtClean="0"/>
+            <a:t>Definición de proyectos (</a:t>
+          </a:r>
+          <a:r>
+            <a:rPr lang="es-CO" dirty="0" err="1" smtClean="0"/>
+            <a:t>Roadmap</a:t>
+          </a:r>
+          <a:r>
+            <a:rPr lang="es-CO" dirty="0" smtClean="0"/>
+            <a:t>)</a:t>
+          </a:r>
+        </a:p>
+      </dgm:t>
+    </dgm:pt>
+    <dgm:pt modelId="{B578A523-2E10-46A5-BE14-6814FAD35B5A}" type="parTrans" cxnId="{E6F92D4F-299A-4C30-B55B-373E7AE89E0E}">
+      <dgm:prSet/>
+      <dgm:spPr/>
+      <dgm:t>
+        <a:bodyPr/>
+        <a:lstStyle/>
+        <a:p>
+          <a:endParaRPr lang="es-CO"/>
+        </a:p>
+      </dgm:t>
+    </dgm:pt>
+    <dgm:pt modelId="{AF80049B-AA2E-4AAB-B9BA-E736C0F4A5D0}" type="sibTrans" cxnId="{E6F92D4F-299A-4C30-B55B-373E7AE89E0E}">
+      <dgm:prSet/>
+      <dgm:spPr/>
+      <dgm:t>
+        <a:bodyPr/>
+        <a:lstStyle/>
+        <a:p>
+          <a:endParaRPr lang="es-CO"/>
+        </a:p>
+      </dgm:t>
+    </dgm:pt>
+    <dgm:pt modelId="{058AB22A-3155-4CF0-A5CB-C1588EB228DE}">
+      <dgm:prSet phldrT="[Texto]"/>
+      <dgm:spPr/>
+      <dgm:t>
+        <a:bodyPr/>
+        <a:lstStyle/>
+        <a:p>
+          <a:r>
+            <a:rPr lang="es-CO" dirty="0" smtClean="0"/>
+            <a:t>Diseño</a:t>
+          </a:r>
+        </a:p>
+        <a:p>
+          <a:r>
+            <a:rPr lang="es-CO" dirty="0" smtClean="0"/>
+            <a:t>Arquitectura de solución</a:t>
+          </a:r>
+        </a:p>
+      </dgm:t>
+    </dgm:pt>
+    <dgm:pt modelId="{ACE85BC2-25D2-4FAE-87AA-BAE5F68F7B4F}" type="parTrans" cxnId="{B24AF21D-9744-461F-A4C8-ECA98ED6E4B4}">
+      <dgm:prSet/>
+      <dgm:spPr/>
+      <dgm:t>
+        <a:bodyPr/>
+        <a:lstStyle/>
+        <a:p>
+          <a:endParaRPr lang="es-CO"/>
+        </a:p>
+      </dgm:t>
+    </dgm:pt>
+    <dgm:pt modelId="{6B6DE84D-D9E3-4D1B-9ACF-C4A4D462E675}" type="sibTrans" cxnId="{B24AF21D-9744-461F-A4C8-ECA98ED6E4B4}">
+      <dgm:prSet/>
+      <dgm:spPr/>
+      <dgm:t>
+        <a:bodyPr/>
+        <a:lstStyle/>
+        <a:p>
+          <a:endParaRPr lang="es-CO"/>
+        </a:p>
+      </dgm:t>
+    </dgm:pt>
+    <dgm:pt modelId="{2FA28F82-4D93-4605-9E1F-F088FB07AE9A}" type="pres">
+      <dgm:prSet presAssocID="{EC3B4886-98CF-4141-AE8A-0BB7DDA874A5}" presName="rootnode" presStyleCnt="0">
+        <dgm:presLayoutVars>
+          <dgm:chMax/>
+          <dgm:chPref/>
+          <dgm:dir/>
+          <dgm:animLvl val="lvl"/>
+        </dgm:presLayoutVars>
+      </dgm:prSet>
+      <dgm:spPr/>
+      <dgm:t>
+        <a:bodyPr/>
+        <a:lstStyle/>
+        <a:p>
+          <a:endParaRPr lang="es-CO"/>
+        </a:p>
+      </dgm:t>
+    </dgm:pt>
+    <dgm:pt modelId="{9CB71CA3-A1B4-4700-9F6A-B4EBD17669EC}" type="pres">
+      <dgm:prSet presAssocID="{DF0082BF-D77F-425F-A886-DEC6A894492B}" presName="composite" presStyleCnt="0"/>
+      <dgm:spPr/>
+      <dgm:t>
+        <a:bodyPr/>
+        <a:lstStyle/>
+        <a:p>
+          <a:endParaRPr lang="es-CO"/>
+        </a:p>
+      </dgm:t>
+    </dgm:pt>
+    <dgm:pt modelId="{B0E34B77-9FF1-4BA2-890F-26839B2095C0}" type="pres">
+      <dgm:prSet presAssocID="{DF0082BF-D77F-425F-A886-DEC6A894492B}" presName="LShape" presStyleLbl="alignNode1" presStyleIdx="0" presStyleCnt="9"/>
+      <dgm:spPr/>
+      <dgm:t>
+        <a:bodyPr/>
+        <a:lstStyle/>
+        <a:p>
+          <a:endParaRPr lang="es-CO"/>
+        </a:p>
+      </dgm:t>
+    </dgm:pt>
+    <dgm:pt modelId="{56EB5A97-B018-4343-9C7C-5EBBB616CAE3}" type="pres">
+      <dgm:prSet presAssocID="{DF0082BF-D77F-425F-A886-DEC6A894492B}" presName="ParentText" presStyleLbl="revTx" presStyleIdx="0" presStyleCnt="5">
+        <dgm:presLayoutVars>
+          <dgm:chMax val="0"/>
+          <dgm:chPref val="0"/>
+          <dgm:bulletEnabled val="1"/>
+        </dgm:presLayoutVars>
+      </dgm:prSet>
+      <dgm:spPr/>
+      <dgm:t>
+        <a:bodyPr/>
+        <a:lstStyle/>
+        <a:p>
+          <a:endParaRPr lang="es-CO"/>
+        </a:p>
+      </dgm:t>
+    </dgm:pt>
+    <dgm:pt modelId="{86803416-13EB-4735-B96E-DD633C926330}" type="pres">
+      <dgm:prSet presAssocID="{DF0082BF-D77F-425F-A886-DEC6A894492B}" presName="Triangle" presStyleLbl="alignNode1" presStyleIdx="1" presStyleCnt="9"/>
+      <dgm:spPr/>
+      <dgm:t>
+        <a:bodyPr/>
+        <a:lstStyle/>
+        <a:p>
+          <a:endParaRPr lang="es-CO"/>
+        </a:p>
+      </dgm:t>
+    </dgm:pt>
+    <dgm:pt modelId="{997052E6-CA5F-4C6D-8338-344A063CB603}" type="pres">
+      <dgm:prSet presAssocID="{0169D036-AAC9-4410-BAF2-6D3B1BEBB28E}" presName="sibTrans" presStyleCnt="0"/>
+      <dgm:spPr/>
+      <dgm:t>
+        <a:bodyPr/>
+        <a:lstStyle/>
+        <a:p>
+          <a:endParaRPr lang="es-CO"/>
+        </a:p>
+      </dgm:t>
+    </dgm:pt>
+    <dgm:pt modelId="{EB278BDD-488A-4977-8BCB-3ED801EF3A8B}" type="pres">
+      <dgm:prSet presAssocID="{0169D036-AAC9-4410-BAF2-6D3B1BEBB28E}" presName="space" presStyleCnt="0"/>
+      <dgm:spPr/>
+      <dgm:t>
+        <a:bodyPr/>
+        <a:lstStyle/>
+        <a:p>
+          <a:endParaRPr lang="es-CO"/>
+        </a:p>
+      </dgm:t>
+    </dgm:pt>
+    <dgm:pt modelId="{B1D31ED6-E1A9-44B8-BC37-A8D49D7BA26E}" type="pres">
+      <dgm:prSet presAssocID="{CF0AE8DE-E026-442E-8AAC-1FEF123BF580}" presName="composite" presStyleCnt="0"/>
+      <dgm:spPr/>
+      <dgm:t>
+        <a:bodyPr/>
+        <a:lstStyle/>
+        <a:p>
+          <a:endParaRPr lang="es-CO"/>
+        </a:p>
+      </dgm:t>
+    </dgm:pt>
+    <dgm:pt modelId="{A25B9AC2-DCB5-4DDC-B037-7671E7B20911}" type="pres">
+      <dgm:prSet presAssocID="{CF0AE8DE-E026-442E-8AAC-1FEF123BF580}" presName="LShape" presStyleLbl="alignNode1" presStyleIdx="2" presStyleCnt="9"/>
+      <dgm:spPr/>
+      <dgm:t>
+        <a:bodyPr/>
+        <a:lstStyle/>
+        <a:p>
+          <a:endParaRPr lang="es-CO"/>
+        </a:p>
+      </dgm:t>
+    </dgm:pt>
+    <dgm:pt modelId="{2FB62A78-DA57-463E-8184-8DBFF9FC38FD}" type="pres">
+      <dgm:prSet presAssocID="{CF0AE8DE-E026-442E-8AAC-1FEF123BF580}" presName="ParentText" presStyleLbl="revTx" presStyleIdx="1" presStyleCnt="5">
+        <dgm:presLayoutVars>
+          <dgm:chMax val="0"/>
+          <dgm:chPref val="0"/>
+          <dgm:bulletEnabled val="1"/>
+        </dgm:presLayoutVars>
+      </dgm:prSet>
+      <dgm:spPr/>
+      <dgm:t>
+        <a:bodyPr/>
+        <a:lstStyle/>
+        <a:p>
+          <a:endParaRPr lang="es-CO"/>
+        </a:p>
+      </dgm:t>
+    </dgm:pt>
+    <dgm:pt modelId="{6E663080-BFED-4893-B44D-384E85541968}" type="pres">
+      <dgm:prSet presAssocID="{CF0AE8DE-E026-442E-8AAC-1FEF123BF580}" presName="Triangle" presStyleLbl="alignNode1" presStyleIdx="3" presStyleCnt="9"/>
+      <dgm:spPr/>
+      <dgm:t>
+        <a:bodyPr/>
+        <a:lstStyle/>
+        <a:p>
+          <a:endParaRPr lang="es-CO"/>
+        </a:p>
+      </dgm:t>
+    </dgm:pt>
+    <dgm:pt modelId="{741444C3-7CED-485C-B8B7-AC3C16A88A29}" type="pres">
+      <dgm:prSet presAssocID="{936CD8CE-6C2B-4F4F-AB30-24C02E14D8B2}" presName="sibTrans" presStyleCnt="0"/>
+      <dgm:spPr/>
+      <dgm:t>
+        <a:bodyPr/>
+        <a:lstStyle/>
+        <a:p>
+          <a:endParaRPr lang="es-CO"/>
+        </a:p>
+      </dgm:t>
+    </dgm:pt>
+    <dgm:pt modelId="{0298E4A7-D126-4FC3-8810-583B9287FDE4}" type="pres">
+      <dgm:prSet presAssocID="{936CD8CE-6C2B-4F4F-AB30-24C02E14D8B2}" presName="space" presStyleCnt="0"/>
+      <dgm:spPr/>
+      <dgm:t>
+        <a:bodyPr/>
+        <a:lstStyle/>
+        <a:p>
+          <a:endParaRPr lang="es-CO"/>
+        </a:p>
+      </dgm:t>
+    </dgm:pt>
+    <dgm:pt modelId="{1BDC1304-F78B-45A2-AED0-604B9D7317E9}" type="pres">
+      <dgm:prSet presAssocID="{1F05E8E7-51DA-4B4F-9401-250854B580A7}" presName="composite" presStyleCnt="0"/>
+      <dgm:spPr/>
+      <dgm:t>
+        <a:bodyPr/>
+        <a:lstStyle/>
+        <a:p>
+          <a:endParaRPr lang="es-CO"/>
+        </a:p>
+      </dgm:t>
+    </dgm:pt>
+    <dgm:pt modelId="{DB27EC98-AF65-4F03-96EC-BBE8E71D49A6}" type="pres">
+      <dgm:prSet presAssocID="{1F05E8E7-51DA-4B4F-9401-250854B580A7}" presName="LShape" presStyleLbl="alignNode1" presStyleIdx="4" presStyleCnt="9"/>
+      <dgm:spPr/>
+      <dgm:t>
+        <a:bodyPr/>
+        <a:lstStyle/>
+        <a:p>
+          <a:endParaRPr lang="es-CO"/>
+        </a:p>
+      </dgm:t>
+    </dgm:pt>
+    <dgm:pt modelId="{05FDA98E-51F9-4FAF-8B9D-2F78074E1689}" type="pres">
+      <dgm:prSet presAssocID="{1F05E8E7-51DA-4B4F-9401-250854B580A7}" presName="ParentText" presStyleLbl="revTx" presStyleIdx="2" presStyleCnt="5">
+        <dgm:presLayoutVars>
+          <dgm:chMax val="0"/>
+          <dgm:chPref val="0"/>
+          <dgm:bulletEnabled val="1"/>
+        </dgm:presLayoutVars>
+      </dgm:prSet>
+      <dgm:spPr/>
+      <dgm:t>
+        <a:bodyPr/>
+        <a:lstStyle/>
+        <a:p>
+          <a:endParaRPr lang="es-CO"/>
+        </a:p>
+      </dgm:t>
+    </dgm:pt>
+    <dgm:pt modelId="{74281487-F8D5-4C83-AFB1-BAD6972CD372}" type="pres">
+      <dgm:prSet presAssocID="{1F05E8E7-51DA-4B4F-9401-250854B580A7}" presName="Triangle" presStyleLbl="alignNode1" presStyleIdx="5" presStyleCnt="9"/>
+      <dgm:spPr/>
+      <dgm:t>
+        <a:bodyPr/>
+        <a:lstStyle/>
+        <a:p>
+          <a:endParaRPr lang="es-CO"/>
+        </a:p>
+      </dgm:t>
+    </dgm:pt>
+    <dgm:pt modelId="{A3CD70C4-32A1-4C0F-AC96-9C8F917AF8C5}" type="pres">
+      <dgm:prSet presAssocID="{EFBDC1D7-1AF7-4C8E-ACC2-6C7CA35ADBD9}" presName="sibTrans" presStyleCnt="0"/>
+      <dgm:spPr/>
+      <dgm:t>
+        <a:bodyPr/>
+        <a:lstStyle/>
+        <a:p>
+          <a:endParaRPr lang="es-CO"/>
+        </a:p>
+      </dgm:t>
+    </dgm:pt>
+    <dgm:pt modelId="{9BD4ED2E-090E-4624-9492-4435A29EEC79}" type="pres">
+      <dgm:prSet presAssocID="{EFBDC1D7-1AF7-4C8E-ACC2-6C7CA35ADBD9}" presName="space" presStyleCnt="0"/>
+      <dgm:spPr/>
+      <dgm:t>
+        <a:bodyPr/>
+        <a:lstStyle/>
+        <a:p>
+          <a:endParaRPr lang="es-CO"/>
+        </a:p>
+      </dgm:t>
+    </dgm:pt>
+    <dgm:pt modelId="{438AB00C-3488-4445-8FC5-A1AD7DF33947}" type="pres">
+      <dgm:prSet presAssocID="{0D33C168-B000-470E-A724-2FCEF0BC148E}" presName="composite" presStyleCnt="0"/>
+      <dgm:spPr/>
+      <dgm:t>
+        <a:bodyPr/>
+        <a:lstStyle/>
+        <a:p>
+          <a:endParaRPr lang="es-CO"/>
+        </a:p>
+      </dgm:t>
+    </dgm:pt>
+    <dgm:pt modelId="{40431084-A147-4604-86F8-E0F12BE98FC1}" type="pres">
+      <dgm:prSet presAssocID="{0D33C168-B000-470E-A724-2FCEF0BC148E}" presName="LShape" presStyleLbl="alignNode1" presStyleIdx="6" presStyleCnt="9"/>
+      <dgm:spPr/>
+      <dgm:t>
+        <a:bodyPr/>
+        <a:lstStyle/>
+        <a:p>
+          <a:endParaRPr lang="es-CO"/>
+        </a:p>
+      </dgm:t>
+    </dgm:pt>
+    <dgm:pt modelId="{576DA655-EC4E-450C-B95D-CEE060BC89D1}" type="pres">
+      <dgm:prSet presAssocID="{0D33C168-B000-470E-A724-2FCEF0BC148E}" presName="ParentText" presStyleLbl="revTx" presStyleIdx="3" presStyleCnt="5">
+        <dgm:presLayoutVars>
+          <dgm:chMax val="0"/>
+          <dgm:chPref val="0"/>
+          <dgm:bulletEnabled val="1"/>
+        </dgm:presLayoutVars>
+      </dgm:prSet>
+      <dgm:spPr/>
+      <dgm:t>
+        <a:bodyPr/>
+        <a:lstStyle/>
+        <a:p>
+          <a:endParaRPr lang="es-CO"/>
+        </a:p>
+      </dgm:t>
+    </dgm:pt>
+    <dgm:pt modelId="{2222C03E-07B1-4750-A0C1-816A9BE7674B}" type="pres">
+      <dgm:prSet presAssocID="{0D33C168-B000-470E-A724-2FCEF0BC148E}" presName="Triangle" presStyleLbl="alignNode1" presStyleIdx="7" presStyleCnt="9"/>
+      <dgm:spPr/>
+      <dgm:t>
+        <a:bodyPr/>
+        <a:lstStyle/>
+        <a:p>
+          <a:endParaRPr lang="es-CO"/>
+        </a:p>
+      </dgm:t>
+    </dgm:pt>
+    <dgm:pt modelId="{45440390-D587-4976-A7C0-9E707330D7E9}" type="pres">
+      <dgm:prSet presAssocID="{AF80049B-AA2E-4AAB-B9BA-E736C0F4A5D0}" presName="sibTrans" presStyleCnt="0"/>
+      <dgm:spPr/>
+      <dgm:t>
+        <a:bodyPr/>
+        <a:lstStyle/>
+        <a:p>
+          <a:endParaRPr lang="es-CO"/>
+        </a:p>
+      </dgm:t>
+    </dgm:pt>
+    <dgm:pt modelId="{03515A0C-CE2D-4399-865C-0B9B88418BF3}" type="pres">
+      <dgm:prSet presAssocID="{AF80049B-AA2E-4AAB-B9BA-E736C0F4A5D0}" presName="space" presStyleCnt="0"/>
+      <dgm:spPr/>
+      <dgm:t>
+        <a:bodyPr/>
+        <a:lstStyle/>
+        <a:p>
+          <a:endParaRPr lang="es-CO"/>
+        </a:p>
+      </dgm:t>
+    </dgm:pt>
+    <dgm:pt modelId="{5C40416D-579E-44EB-A943-CC97E2008403}" type="pres">
+      <dgm:prSet presAssocID="{058AB22A-3155-4CF0-A5CB-C1588EB228DE}" presName="composite" presStyleCnt="0"/>
+      <dgm:spPr/>
+      <dgm:t>
+        <a:bodyPr/>
+        <a:lstStyle/>
+        <a:p>
+          <a:endParaRPr lang="es-CO"/>
+        </a:p>
+      </dgm:t>
+    </dgm:pt>
+    <dgm:pt modelId="{6936BB9A-DE93-45F4-A533-420AA33415C4}" type="pres">
+      <dgm:prSet presAssocID="{058AB22A-3155-4CF0-A5CB-C1588EB228DE}" presName="LShape" presStyleLbl="alignNode1" presStyleIdx="8" presStyleCnt="9"/>
+      <dgm:spPr/>
+      <dgm:t>
+        <a:bodyPr/>
+        <a:lstStyle/>
+        <a:p>
+          <a:endParaRPr lang="es-CO"/>
+        </a:p>
+      </dgm:t>
+    </dgm:pt>
+    <dgm:pt modelId="{F249C281-FEF8-481D-B0F4-B8EF2414C015}" type="pres">
+      <dgm:prSet presAssocID="{058AB22A-3155-4CF0-A5CB-C1588EB228DE}" presName="ParentText" presStyleLbl="revTx" presStyleIdx="4" presStyleCnt="5">
+        <dgm:presLayoutVars>
+          <dgm:chMax val="0"/>
+          <dgm:chPref val="0"/>
+          <dgm:bulletEnabled val="1"/>
+        </dgm:presLayoutVars>
+      </dgm:prSet>
+      <dgm:spPr/>
+      <dgm:t>
+        <a:bodyPr/>
+        <a:lstStyle/>
+        <a:p>
+          <a:endParaRPr lang="es-CO"/>
+        </a:p>
+      </dgm:t>
+    </dgm:pt>
+  </dgm:ptLst>
+  <dgm:cxnLst>
+    <dgm:cxn modelId="{EDEB6E91-5702-4E2B-B7CD-B09CFE136031}" srcId="{EC3B4886-98CF-4141-AE8A-0BB7DDA874A5}" destId="{CF0AE8DE-E026-442E-8AAC-1FEF123BF580}" srcOrd="1" destOrd="0" parTransId="{93FFC8B5-A754-4319-99DE-794F9EE695C8}" sibTransId="{936CD8CE-6C2B-4F4F-AB30-24C02E14D8B2}"/>
+    <dgm:cxn modelId="{B24AF21D-9744-461F-A4C8-ECA98ED6E4B4}" srcId="{EC3B4886-98CF-4141-AE8A-0BB7DDA874A5}" destId="{058AB22A-3155-4CF0-A5CB-C1588EB228DE}" srcOrd="4" destOrd="0" parTransId="{ACE85BC2-25D2-4FAE-87AA-BAE5F68F7B4F}" sibTransId="{6B6DE84D-D9E3-4D1B-9ACF-C4A4D462E675}"/>
+    <dgm:cxn modelId="{1F1A0C9C-870E-416E-B619-5FA9A3ABE4E0}" type="presOf" srcId="{EC3B4886-98CF-4141-AE8A-0BB7DDA874A5}" destId="{2FA28F82-4D93-4605-9E1F-F088FB07AE9A}" srcOrd="0" destOrd="0" presId="urn:microsoft.com/office/officeart/2009/3/layout/StepUpProcess"/>
+    <dgm:cxn modelId="{3E86C628-0292-4EE3-A044-2D63E0308A2A}" type="presOf" srcId="{0D33C168-B000-470E-A724-2FCEF0BC148E}" destId="{576DA655-EC4E-450C-B95D-CEE060BC89D1}" srcOrd="0" destOrd="0" presId="urn:microsoft.com/office/officeart/2009/3/layout/StepUpProcess"/>
+    <dgm:cxn modelId="{17629459-8915-4073-BF96-BACCF1812325}" type="presOf" srcId="{1F05E8E7-51DA-4B4F-9401-250854B580A7}" destId="{05FDA98E-51F9-4FAF-8B9D-2F78074E1689}" srcOrd="0" destOrd="0" presId="urn:microsoft.com/office/officeart/2009/3/layout/StepUpProcess"/>
+    <dgm:cxn modelId="{1FC025D9-E1CF-48F7-B74A-53F8ADD3F519}" type="presOf" srcId="{CF0AE8DE-E026-442E-8AAC-1FEF123BF580}" destId="{2FB62A78-DA57-463E-8184-8DBFF9FC38FD}" srcOrd="0" destOrd="0" presId="urn:microsoft.com/office/officeart/2009/3/layout/StepUpProcess"/>
+    <dgm:cxn modelId="{7979AC39-76E7-4E16-BDAD-C00FAA33AFFD}" srcId="{EC3B4886-98CF-4141-AE8A-0BB7DDA874A5}" destId="{DF0082BF-D77F-425F-A886-DEC6A894492B}" srcOrd="0" destOrd="0" parTransId="{F0A4969D-0978-49AC-869E-E0C5AE0C0009}" sibTransId="{0169D036-AAC9-4410-BAF2-6D3B1BEBB28E}"/>
+    <dgm:cxn modelId="{20A9B97F-6853-4831-ACDD-88478CE73323}" type="presOf" srcId="{DF0082BF-D77F-425F-A886-DEC6A894492B}" destId="{56EB5A97-B018-4343-9C7C-5EBBB616CAE3}" srcOrd="0" destOrd="0" presId="urn:microsoft.com/office/officeart/2009/3/layout/StepUpProcess"/>
+    <dgm:cxn modelId="{3C1FA3C8-BD99-4DBB-B8E9-8DAEAA54A726}" srcId="{EC3B4886-98CF-4141-AE8A-0BB7DDA874A5}" destId="{1F05E8E7-51DA-4B4F-9401-250854B580A7}" srcOrd="2" destOrd="0" parTransId="{F6F75B17-08BD-420A-975B-38ED76343B6A}" sibTransId="{EFBDC1D7-1AF7-4C8E-ACC2-6C7CA35ADBD9}"/>
+    <dgm:cxn modelId="{30C103D6-4C7E-4993-8D00-93305617ABBA}" type="presOf" srcId="{058AB22A-3155-4CF0-A5CB-C1588EB228DE}" destId="{F249C281-FEF8-481D-B0F4-B8EF2414C015}" srcOrd="0" destOrd="0" presId="urn:microsoft.com/office/officeart/2009/3/layout/StepUpProcess"/>
+    <dgm:cxn modelId="{E6F92D4F-299A-4C30-B55B-373E7AE89E0E}" srcId="{EC3B4886-98CF-4141-AE8A-0BB7DDA874A5}" destId="{0D33C168-B000-470E-A724-2FCEF0BC148E}" srcOrd="3" destOrd="0" parTransId="{B578A523-2E10-46A5-BE14-6814FAD35B5A}" sibTransId="{AF80049B-AA2E-4AAB-B9BA-E736C0F4A5D0}"/>
+    <dgm:cxn modelId="{FD72D565-1655-4934-AB83-0F6E3B622F8A}" type="presParOf" srcId="{2FA28F82-4D93-4605-9E1F-F088FB07AE9A}" destId="{9CB71CA3-A1B4-4700-9F6A-B4EBD17669EC}" srcOrd="0" destOrd="0" presId="urn:microsoft.com/office/officeart/2009/3/layout/StepUpProcess"/>
+    <dgm:cxn modelId="{ECAC7BE8-2395-407F-BD6B-CAF2A9867FD7}" type="presParOf" srcId="{9CB71CA3-A1B4-4700-9F6A-B4EBD17669EC}" destId="{B0E34B77-9FF1-4BA2-890F-26839B2095C0}" srcOrd="0" destOrd="0" presId="urn:microsoft.com/office/officeart/2009/3/layout/StepUpProcess"/>
+    <dgm:cxn modelId="{BB1E095F-9429-44AA-92EC-CF5D32A35DC5}" type="presParOf" srcId="{9CB71CA3-A1B4-4700-9F6A-B4EBD17669EC}" destId="{56EB5A97-B018-4343-9C7C-5EBBB616CAE3}" srcOrd="1" destOrd="0" presId="urn:microsoft.com/office/officeart/2009/3/layout/StepUpProcess"/>
+    <dgm:cxn modelId="{5F4E5862-C50E-4341-8422-66A476342403}" type="presParOf" srcId="{9CB71CA3-A1B4-4700-9F6A-B4EBD17669EC}" destId="{86803416-13EB-4735-B96E-DD633C926330}" srcOrd="2" destOrd="0" presId="urn:microsoft.com/office/officeart/2009/3/layout/StepUpProcess"/>
+    <dgm:cxn modelId="{81AFE0C6-9169-4DED-B13E-A212E5C8ACC7}" type="presParOf" srcId="{2FA28F82-4D93-4605-9E1F-F088FB07AE9A}" destId="{997052E6-CA5F-4C6D-8338-344A063CB603}" srcOrd="1" destOrd="0" presId="urn:microsoft.com/office/officeart/2009/3/layout/StepUpProcess"/>
+    <dgm:cxn modelId="{6BBA81B5-2050-401A-BD64-F3CA68163F4F}" type="presParOf" srcId="{997052E6-CA5F-4C6D-8338-344A063CB603}" destId="{EB278BDD-488A-4977-8BCB-3ED801EF3A8B}" srcOrd="0" destOrd="0" presId="urn:microsoft.com/office/officeart/2009/3/layout/StepUpProcess"/>
+    <dgm:cxn modelId="{DD2DB10F-BD5A-48EB-9995-0373882D5C47}" type="presParOf" srcId="{2FA28F82-4D93-4605-9E1F-F088FB07AE9A}" destId="{B1D31ED6-E1A9-44B8-BC37-A8D49D7BA26E}" srcOrd="2" destOrd="0" presId="urn:microsoft.com/office/officeart/2009/3/layout/StepUpProcess"/>
+    <dgm:cxn modelId="{49304286-234A-4A8E-8454-06CCBE26889C}" type="presParOf" srcId="{B1D31ED6-E1A9-44B8-BC37-A8D49D7BA26E}" destId="{A25B9AC2-DCB5-4DDC-B037-7671E7B20911}" srcOrd="0" destOrd="0" presId="urn:microsoft.com/office/officeart/2009/3/layout/StepUpProcess"/>
+    <dgm:cxn modelId="{6836CD61-1994-43BE-A866-D1D35C5A7608}" type="presParOf" srcId="{B1D31ED6-E1A9-44B8-BC37-A8D49D7BA26E}" destId="{2FB62A78-DA57-463E-8184-8DBFF9FC38FD}" srcOrd="1" destOrd="0" presId="urn:microsoft.com/office/officeart/2009/3/layout/StepUpProcess"/>
+    <dgm:cxn modelId="{9CA3AF9B-704E-43B0-8A53-15A2AA23F8DB}" type="presParOf" srcId="{B1D31ED6-E1A9-44B8-BC37-A8D49D7BA26E}" destId="{6E663080-BFED-4893-B44D-384E85541968}" srcOrd="2" destOrd="0" presId="urn:microsoft.com/office/officeart/2009/3/layout/StepUpProcess"/>
+    <dgm:cxn modelId="{2CDC2824-048F-4EC3-AD8F-44C45CA5D2CE}" type="presParOf" srcId="{2FA28F82-4D93-4605-9E1F-F088FB07AE9A}" destId="{741444C3-7CED-485C-B8B7-AC3C16A88A29}" srcOrd="3" destOrd="0" presId="urn:microsoft.com/office/officeart/2009/3/layout/StepUpProcess"/>
+    <dgm:cxn modelId="{AE4EBB25-9EB2-4C30-83EE-25EFD5D51BBD}" type="presParOf" srcId="{741444C3-7CED-485C-B8B7-AC3C16A88A29}" destId="{0298E4A7-D126-4FC3-8810-583B9287FDE4}" srcOrd="0" destOrd="0" presId="urn:microsoft.com/office/officeart/2009/3/layout/StepUpProcess"/>
+    <dgm:cxn modelId="{D50F6821-A765-4C3D-8CA9-44C48513D6BC}" type="presParOf" srcId="{2FA28F82-4D93-4605-9E1F-F088FB07AE9A}" destId="{1BDC1304-F78B-45A2-AED0-604B9D7317E9}" srcOrd="4" destOrd="0" presId="urn:microsoft.com/office/officeart/2009/3/layout/StepUpProcess"/>
+    <dgm:cxn modelId="{DE882567-B574-47EF-8CC0-5C7FA1806DE4}" type="presParOf" srcId="{1BDC1304-F78B-45A2-AED0-604B9D7317E9}" destId="{DB27EC98-AF65-4F03-96EC-BBE8E71D49A6}" srcOrd="0" destOrd="0" presId="urn:microsoft.com/office/officeart/2009/3/layout/StepUpProcess"/>
+    <dgm:cxn modelId="{2AF0537F-38A6-449F-8688-1CCEE90314B5}" type="presParOf" srcId="{1BDC1304-F78B-45A2-AED0-604B9D7317E9}" destId="{05FDA98E-51F9-4FAF-8B9D-2F78074E1689}" srcOrd="1" destOrd="0" presId="urn:microsoft.com/office/officeart/2009/3/layout/StepUpProcess"/>
+    <dgm:cxn modelId="{E0E7FE3C-BBAD-4A4A-9863-F747B06F96B0}" type="presParOf" srcId="{1BDC1304-F78B-45A2-AED0-604B9D7317E9}" destId="{74281487-F8D5-4C83-AFB1-BAD6972CD372}" srcOrd="2" destOrd="0" presId="urn:microsoft.com/office/officeart/2009/3/layout/StepUpProcess"/>
+    <dgm:cxn modelId="{E6C8652E-D921-4BF1-AB9F-395BE7FD89E2}" type="presParOf" srcId="{2FA28F82-4D93-4605-9E1F-F088FB07AE9A}" destId="{A3CD70C4-32A1-4C0F-AC96-9C8F917AF8C5}" srcOrd="5" destOrd="0" presId="urn:microsoft.com/office/officeart/2009/3/layout/StepUpProcess"/>
+    <dgm:cxn modelId="{2A9E021D-35A5-4CA6-B822-46A86D10E9E3}" type="presParOf" srcId="{A3CD70C4-32A1-4C0F-AC96-9C8F917AF8C5}" destId="{9BD4ED2E-090E-4624-9492-4435A29EEC79}" srcOrd="0" destOrd="0" presId="urn:microsoft.com/office/officeart/2009/3/layout/StepUpProcess"/>
+    <dgm:cxn modelId="{BC1B746D-5045-40C8-978E-139D3B7C6FA5}" type="presParOf" srcId="{2FA28F82-4D93-4605-9E1F-F088FB07AE9A}" destId="{438AB00C-3488-4445-8FC5-A1AD7DF33947}" srcOrd="6" destOrd="0" presId="urn:microsoft.com/office/officeart/2009/3/layout/StepUpProcess"/>
+    <dgm:cxn modelId="{E37862E2-D430-4AAA-BBDC-A3F7835A90DE}" type="presParOf" srcId="{438AB00C-3488-4445-8FC5-A1AD7DF33947}" destId="{40431084-A147-4604-86F8-E0F12BE98FC1}" srcOrd="0" destOrd="0" presId="urn:microsoft.com/office/officeart/2009/3/layout/StepUpProcess"/>
+    <dgm:cxn modelId="{A3D46F6F-AF9D-4737-A198-DF04DB903F0C}" type="presParOf" srcId="{438AB00C-3488-4445-8FC5-A1AD7DF33947}" destId="{576DA655-EC4E-450C-B95D-CEE060BC89D1}" srcOrd="1" destOrd="0" presId="urn:microsoft.com/office/officeart/2009/3/layout/StepUpProcess"/>
+    <dgm:cxn modelId="{9A58BB9F-3401-415E-91B3-8FBA82C79E24}" type="presParOf" srcId="{438AB00C-3488-4445-8FC5-A1AD7DF33947}" destId="{2222C03E-07B1-4750-A0C1-816A9BE7674B}" srcOrd="2" destOrd="0" presId="urn:microsoft.com/office/officeart/2009/3/layout/StepUpProcess"/>
+    <dgm:cxn modelId="{38A81FFB-4EB3-4689-9F1C-4269C7EFF83F}" type="presParOf" srcId="{2FA28F82-4D93-4605-9E1F-F088FB07AE9A}" destId="{45440390-D587-4976-A7C0-9E707330D7E9}" srcOrd="7" destOrd="0" presId="urn:microsoft.com/office/officeart/2009/3/layout/StepUpProcess"/>
+    <dgm:cxn modelId="{74AFCD9B-0692-4C82-AC94-E1510B67CDC4}" type="presParOf" srcId="{45440390-D587-4976-A7C0-9E707330D7E9}" destId="{03515A0C-CE2D-4399-865C-0B9B88418BF3}" srcOrd="0" destOrd="0" presId="urn:microsoft.com/office/officeart/2009/3/layout/StepUpProcess"/>
+    <dgm:cxn modelId="{C638416E-7245-48AE-9736-0C7D7976C2BB}" type="presParOf" srcId="{2FA28F82-4D93-4605-9E1F-F088FB07AE9A}" destId="{5C40416D-579E-44EB-A943-CC97E2008403}" srcOrd="8" destOrd="0" presId="urn:microsoft.com/office/officeart/2009/3/layout/StepUpProcess"/>
+    <dgm:cxn modelId="{DCDACCD9-947B-4A50-8C53-65205F9BCB76}" type="presParOf" srcId="{5C40416D-579E-44EB-A943-CC97E2008403}" destId="{6936BB9A-DE93-45F4-A533-420AA33415C4}" srcOrd="0" destOrd="0" presId="urn:microsoft.com/office/officeart/2009/3/layout/StepUpProcess"/>
+    <dgm:cxn modelId="{BCE05673-EA9C-4EDD-865C-323427989794}" type="presParOf" srcId="{5C40416D-579E-44EB-A943-CC97E2008403}" destId="{F249C281-FEF8-481D-B0F4-B8EF2414C015}" srcOrd="1" destOrd="0" presId="urn:microsoft.com/office/officeart/2009/3/layout/StepUpProcess"/>
+  </dgm:cxnLst>
+  <dgm:bg/>
+  <dgm:whole/>
+  <dgm:extLst>
+    <a:ext uri="http://schemas.microsoft.com/office/drawing/2008/diagram">
+      <dsp:dataModelExt xmlns:dsp="http://schemas.microsoft.com/office/drawing/2008/diagram" relId="rId6" minVer="http://schemas.openxmlformats.org/drawingml/2006/diagram"/>
+    </a:ext>
+  </dgm:extLst>
+</dgm:dataModel>
+</file>
+
+<file path=ppt/diagrams/data3.xml><?xml version="1.0" encoding="utf-8"?>
+<dgm:dataModel xmlns:dgm="http://schemas.openxmlformats.org/drawingml/2006/diagram" xmlns:a="http://schemas.openxmlformats.org/drawingml/2006/main">
+  <dgm:ptLst>
+    <dgm:pt modelId="{CF143741-D1EF-4B8F-84B9-4BE4D842BDB4}" type="doc">
+      <dgm:prSet loTypeId="urn:microsoft.com/office/officeart/2008/layout/CircleAccentTimeline" loCatId="process" qsTypeId="urn:microsoft.com/office/officeart/2005/8/quickstyle/simple4" qsCatId="simple" csTypeId="urn:microsoft.com/office/officeart/2005/8/colors/accent1_4" csCatId="accent1" phldr="1"/>
+      <dgm:spPr/>
+      <dgm:t>
+        <a:bodyPr/>
+        <a:lstStyle/>
+        <a:p>
+          <a:endParaRPr lang="es-CO"/>
+        </a:p>
+      </dgm:t>
+    </dgm:pt>
+    <dgm:pt modelId="{FC05253B-2647-4DE6-8EC9-2FE0F44DB3D8}">
+      <dgm:prSet phldrT="[Texto]" custT="1"/>
+      <dgm:spPr/>
+      <dgm:t>
+        <a:bodyPr/>
+        <a:lstStyle/>
+        <a:p>
+          <a:r>
+            <a:rPr lang="es-CO" sz="2400" dirty="0" smtClean="0"/>
+            <a:t>26 Julio 2013</a:t>
+          </a:r>
+          <a:endParaRPr lang="es-CO" sz="2400" dirty="0"/>
+        </a:p>
+      </dgm:t>
+    </dgm:pt>
+    <dgm:pt modelId="{5CEFD719-1801-456D-924F-0ED50BA8BD89}" type="parTrans" cxnId="{2372648F-D1F9-43B1-B078-D2F002A34FE9}">
+      <dgm:prSet/>
+      <dgm:spPr/>
+      <dgm:t>
+        <a:bodyPr/>
+        <a:lstStyle/>
+        <a:p>
+          <a:endParaRPr lang="es-CO"/>
+        </a:p>
+      </dgm:t>
+    </dgm:pt>
+    <dgm:pt modelId="{47C7625F-C8BA-4624-B850-F58ADCA56D32}" type="sibTrans" cxnId="{2372648F-D1F9-43B1-B078-D2F002A34FE9}">
+      <dgm:prSet/>
+      <dgm:spPr/>
+      <dgm:t>
+        <a:bodyPr/>
+        <a:lstStyle/>
+        <a:p>
+          <a:endParaRPr lang="es-CO"/>
+        </a:p>
+      </dgm:t>
+    </dgm:pt>
+    <dgm:pt modelId="{729D14DA-2EE9-4DC8-8298-E6BABB83FBCF}">
+      <dgm:prSet phldrT="[Texto]" custT="1"/>
+      <dgm:spPr/>
+      <dgm:t>
+        <a:bodyPr/>
+        <a:lstStyle/>
+        <a:p>
+          <a:r>
+            <a:rPr lang="es-CO" sz="2000" dirty="0" smtClean="0"/>
+            <a:t>16 Semanas</a:t>
+          </a:r>
+          <a:endParaRPr lang="es-CO" sz="2000" dirty="0"/>
+        </a:p>
+      </dgm:t>
+    </dgm:pt>
+    <dgm:pt modelId="{864EC61C-23F1-4467-8C7C-7956678B6C20}" type="parTrans" cxnId="{4193B145-6D77-4799-B9A2-E39F2CF6D8B5}">
+      <dgm:prSet/>
+      <dgm:spPr/>
+      <dgm:t>
+        <a:bodyPr/>
+        <a:lstStyle/>
+        <a:p>
+          <a:endParaRPr lang="es-CO"/>
+        </a:p>
+      </dgm:t>
+    </dgm:pt>
+    <dgm:pt modelId="{C8739C4E-A6BE-4EC5-8D86-E0F002D6943E}" type="sibTrans" cxnId="{4193B145-6D77-4799-B9A2-E39F2CF6D8B5}">
+      <dgm:prSet/>
+      <dgm:spPr/>
+      <dgm:t>
+        <a:bodyPr/>
+        <a:lstStyle/>
+        <a:p>
+          <a:endParaRPr lang="es-CO"/>
+        </a:p>
+      </dgm:t>
+    </dgm:pt>
+    <dgm:pt modelId="{E6C264B0-03B5-4925-B134-D77C54F0E3BF}">
+      <dgm:prSet phldrT="[Texto]" custT="1"/>
+      <dgm:spPr/>
+      <dgm:t>
+        <a:bodyPr/>
+        <a:lstStyle/>
+        <a:p>
+          <a:r>
+            <a:rPr lang="es-CO" sz="2400" dirty="0" smtClean="0"/>
+            <a:t>480 horas</a:t>
+          </a:r>
+          <a:endParaRPr lang="es-CO" sz="2400" dirty="0"/>
+        </a:p>
+      </dgm:t>
+    </dgm:pt>
+    <dgm:pt modelId="{ABB023C5-EE86-4693-B931-C3424C3F619D}" type="parTrans" cxnId="{ED360A38-FFD1-4D31-9951-A532AD2C10D4}">
+      <dgm:prSet/>
+      <dgm:spPr/>
+      <dgm:t>
+        <a:bodyPr/>
+        <a:lstStyle/>
+        <a:p>
+          <a:endParaRPr lang="es-CO"/>
+        </a:p>
+      </dgm:t>
+    </dgm:pt>
+    <dgm:pt modelId="{8C445827-6237-4C89-8748-8B2ADAE2D3AD}" type="sibTrans" cxnId="{ED360A38-FFD1-4D31-9951-A532AD2C10D4}">
+      <dgm:prSet/>
+      <dgm:spPr/>
+      <dgm:t>
+        <a:bodyPr/>
+        <a:lstStyle/>
+        <a:p>
+          <a:endParaRPr lang="es-CO"/>
+        </a:p>
+      </dgm:t>
+    </dgm:pt>
+    <dgm:pt modelId="{B99F95D8-BE06-44AE-B377-4CB91A382BE2}">
+      <dgm:prSet phldrT="[Texto]" custT="1"/>
+      <dgm:spPr/>
+      <dgm:t>
+        <a:bodyPr/>
+        <a:lstStyle/>
+        <a:p>
+          <a:r>
+            <a:rPr lang="es-CO" sz="2400" dirty="0" smtClean="0"/>
+            <a:t>16 Noviembre 2013</a:t>
+          </a:r>
+          <a:endParaRPr lang="es-CO" sz="2400" dirty="0"/>
+        </a:p>
+      </dgm:t>
+    </dgm:pt>
+    <dgm:pt modelId="{B512BB5C-362C-4D38-8405-54F1965DDE98}" type="parTrans" cxnId="{D22F653F-CCD4-4A3D-A2F3-30D35E305745}">
+      <dgm:prSet/>
+      <dgm:spPr/>
+      <dgm:t>
+        <a:bodyPr/>
+        <a:lstStyle/>
+        <a:p>
+          <a:endParaRPr lang="es-CO"/>
+        </a:p>
+      </dgm:t>
+    </dgm:pt>
+    <dgm:pt modelId="{C43F1B5F-BE51-4CA3-9BF6-3B3C2EEBFBEA}" type="sibTrans" cxnId="{D22F653F-CCD4-4A3D-A2F3-30D35E305745}">
+      <dgm:prSet/>
+      <dgm:spPr/>
+      <dgm:t>
+        <a:bodyPr/>
+        <a:lstStyle/>
+        <a:p>
+          <a:endParaRPr lang="es-CO"/>
+        </a:p>
+      </dgm:t>
+    </dgm:pt>
+    <dgm:pt modelId="{7E114183-0CC6-4217-94D1-0BEFF8EDB57A}" type="pres">
+      <dgm:prSet presAssocID="{CF143741-D1EF-4B8F-84B9-4BE4D842BDB4}" presName="Name0" presStyleCnt="0">
+        <dgm:presLayoutVars>
+          <dgm:dir/>
+        </dgm:presLayoutVars>
+      </dgm:prSet>
+      <dgm:spPr/>
+      <dgm:t>
+        <a:bodyPr/>
+        <a:lstStyle/>
+        <a:p>
+          <a:endParaRPr lang="es-CO"/>
+        </a:p>
+      </dgm:t>
+    </dgm:pt>
+    <dgm:pt modelId="{DBAAC956-0683-4E1F-8132-699008561724}" type="pres">
+      <dgm:prSet presAssocID="{FC05253B-2647-4DE6-8EC9-2FE0F44DB3D8}" presName="parComposite" presStyleCnt="0"/>
+      <dgm:spPr/>
+      <dgm:t>
+        <a:bodyPr/>
+        <a:lstStyle/>
+        <a:p>
+          <a:endParaRPr lang="es-CO"/>
+        </a:p>
+      </dgm:t>
+    </dgm:pt>
+    <dgm:pt modelId="{BE94EA48-EDD7-479B-8AA0-84D22D63CF3A}" type="pres">
+      <dgm:prSet presAssocID="{FC05253B-2647-4DE6-8EC9-2FE0F44DB3D8}" presName="parBigCircle" presStyleLbl="node0" presStyleIdx="0" presStyleCnt="2"/>
+      <dgm:spPr/>
+      <dgm:t>
+        <a:bodyPr/>
+        <a:lstStyle/>
+        <a:p>
+          <a:endParaRPr lang="es-CO"/>
+        </a:p>
+      </dgm:t>
+    </dgm:pt>
+    <dgm:pt modelId="{43BF2806-F1C0-4A44-AFCE-F0F72CF6E199}" type="pres">
+      <dgm:prSet presAssocID="{FC05253B-2647-4DE6-8EC9-2FE0F44DB3D8}" presName="parTx" presStyleLbl="revTx" presStyleIdx="0" presStyleCnt="6"/>
+      <dgm:spPr/>
+      <dgm:t>
+        <a:bodyPr/>
+        <a:lstStyle/>
+        <a:p>
+          <a:endParaRPr lang="es-CO"/>
+        </a:p>
+      </dgm:t>
+    </dgm:pt>
+    <dgm:pt modelId="{5E4973BF-F3F5-4294-9BC5-131B8D28F2FA}" type="pres">
+      <dgm:prSet presAssocID="{FC05253B-2647-4DE6-8EC9-2FE0F44DB3D8}" presName="bSpace" presStyleCnt="0"/>
+      <dgm:spPr/>
+      <dgm:t>
+        <a:bodyPr/>
+        <a:lstStyle/>
+        <a:p>
+          <a:endParaRPr lang="es-CO"/>
+        </a:p>
+      </dgm:t>
+    </dgm:pt>
+    <dgm:pt modelId="{EF2B7D7C-5F59-412E-9E76-B5C7AF265128}" type="pres">
+      <dgm:prSet presAssocID="{FC05253B-2647-4DE6-8EC9-2FE0F44DB3D8}" presName="parBackupNorm" presStyleCnt="0"/>
+      <dgm:spPr/>
+      <dgm:t>
+        <a:bodyPr/>
+        <a:lstStyle/>
+        <a:p>
+          <a:endParaRPr lang="es-CO"/>
+        </a:p>
+      </dgm:t>
+    </dgm:pt>
+    <dgm:pt modelId="{CAB4FF41-8B3B-4BBD-9DE6-286A4E7D5D0B}" type="pres">
+      <dgm:prSet presAssocID="{47C7625F-C8BA-4624-B850-F58ADCA56D32}" presName="parSpace" presStyleCnt="0"/>
+      <dgm:spPr/>
+      <dgm:t>
+        <a:bodyPr/>
+        <a:lstStyle/>
+        <a:p>
+          <a:endParaRPr lang="es-CO"/>
+        </a:p>
+      </dgm:t>
+    </dgm:pt>
+    <dgm:pt modelId="{D42F7D12-2BDE-4A90-AF87-4FE4FE290307}" type="pres">
+      <dgm:prSet presAssocID="{729D14DA-2EE9-4DC8-8298-E6BABB83FBCF}" presName="desBackupLeftNorm" presStyleCnt="0"/>
+      <dgm:spPr/>
+      <dgm:t>
+        <a:bodyPr/>
+        <a:lstStyle/>
+        <a:p>
+          <a:endParaRPr lang="es-CO"/>
+        </a:p>
+      </dgm:t>
+    </dgm:pt>
+    <dgm:pt modelId="{81E4C388-6E75-4D2D-813B-9350AB32EB5B}" type="pres">
+      <dgm:prSet presAssocID="{729D14DA-2EE9-4DC8-8298-E6BABB83FBCF}" presName="desComposite" presStyleCnt="0"/>
+      <dgm:spPr/>
+      <dgm:t>
+        <a:bodyPr/>
+        <a:lstStyle/>
+        <a:p>
+          <a:endParaRPr lang="es-CO"/>
+        </a:p>
+      </dgm:t>
+    </dgm:pt>
+    <dgm:pt modelId="{61CB9A04-D54E-41A5-B655-532DC4F7EB11}" type="pres">
+      <dgm:prSet presAssocID="{729D14DA-2EE9-4DC8-8298-E6BABB83FBCF}" presName="desCircle" presStyleLbl="node1" presStyleIdx="0" presStyleCnt="2"/>
+      <dgm:spPr/>
+      <dgm:t>
+        <a:bodyPr/>
+        <a:lstStyle/>
+        <a:p>
+          <a:endParaRPr lang="es-CO"/>
+        </a:p>
+      </dgm:t>
+    </dgm:pt>
+    <dgm:pt modelId="{7B7928D1-5F7C-48EA-A2FA-80FA8EAB0207}" type="pres">
+      <dgm:prSet presAssocID="{729D14DA-2EE9-4DC8-8298-E6BABB83FBCF}" presName="chTx" presStyleLbl="revTx" presStyleIdx="1" presStyleCnt="6"/>
+      <dgm:spPr/>
+      <dgm:t>
+        <a:bodyPr/>
+        <a:lstStyle/>
+        <a:p>
+          <a:endParaRPr lang="es-CO"/>
+        </a:p>
+      </dgm:t>
+    </dgm:pt>
+    <dgm:pt modelId="{2DC8E875-7D58-4F99-842C-E6B60FE39627}" type="pres">
+      <dgm:prSet presAssocID="{729D14DA-2EE9-4DC8-8298-E6BABB83FBCF}" presName="desTx" presStyleLbl="revTx" presStyleIdx="2" presStyleCnt="6">
+        <dgm:presLayoutVars>
+          <dgm:bulletEnabled val="1"/>
+        </dgm:presLayoutVars>
+      </dgm:prSet>
+      <dgm:spPr/>
+      <dgm:t>
+        <a:bodyPr/>
+        <a:lstStyle/>
+        <a:p>
+          <a:endParaRPr lang="es-CO"/>
+        </a:p>
+      </dgm:t>
+    </dgm:pt>
+    <dgm:pt modelId="{8FF4ED5F-2DFE-477E-8C30-CA3B9DD46DB7}" type="pres">
+      <dgm:prSet presAssocID="{729D14DA-2EE9-4DC8-8298-E6BABB83FBCF}" presName="desBackupRightNorm" presStyleCnt="0"/>
+      <dgm:spPr/>
+      <dgm:t>
+        <a:bodyPr/>
+        <a:lstStyle/>
+        <a:p>
+          <a:endParaRPr lang="es-CO"/>
+        </a:p>
+      </dgm:t>
+    </dgm:pt>
+    <dgm:pt modelId="{4B1C958E-E7EB-4B38-8BEF-340872851480}" type="pres">
+      <dgm:prSet presAssocID="{C8739C4E-A6BE-4EC5-8D86-E0F002D6943E}" presName="desSpace" presStyleCnt="0"/>
+      <dgm:spPr/>
+      <dgm:t>
+        <a:bodyPr/>
+        <a:lstStyle/>
+        <a:p>
+          <a:endParaRPr lang="es-CO"/>
+        </a:p>
+      </dgm:t>
+    </dgm:pt>
+    <dgm:pt modelId="{C1A8E934-BFFB-4C1A-8F6C-C396942934EA}" type="pres">
+      <dgm:prSet presAssocID="{E6C264B0-03B5-4925-B134-D77C54F0E3BF}" presName="desBackupLeftNorm" presStyleCnt="0"/>
+      <dgm:spPr/>
+      <dgm:t>
+        <a:bodyPr/>
+        <a:lstStyle/>
+        <a:p>
+          <a:endParaRPr lang="es-CO"/>
+        </a:p>
+      </dgm:t>
+    </dgm:pt>
+    <dgm:pt modelId="{A44B17E6-39A1-4337-80A6-B0BE8C068F62}" type="pres">
+      <dgm:prSet presAssocID="{E6C264B0-03B5-4925-B134-D77C54F0E3BF}" presName="desComposite" presStyleCnt="0"/>
+      <dgm:spPr/>
+      <dgm:t>
+        <a:bodyPr/>
+        <a:lstStyle/>
+        <a:p>
+          <a:endParaRPr lang="es-CO"/>
+        </a:p>
+      </dgm:t>
+    </dgm:pt>
+    <dgm:pt modelId="{BFEE6E04-4F28-4FAD-8574-E768B560E677}" type="pres">
+      <dgm:prSet presAssocID="{E6C264B0-03B5-4925-B134-D77C54F0E3BF}" presName="desCircle" presStyleLbl="node1" presStyleIdx="1" presStyleCnt="2" custLinFactNeighborX="-23952" custLinFactNeighborY="-2521"/>
+      <dgm:spPr/>
+      <dgm:t>
+        <a:bodyPr/>
+        <a:lstStyle/>
+        <a:p>
+          <a:endParaRPr lang="es-CO"/>
+        </a:p>
+      </dgm:t>
+    </dgm:pt>
+    <dgm:pt modelId="{DBBAE0E8-8BAE-4644-8CB3-E2B447BF7A0E}" type="pres">
+      <dgm:prSet presAssocID="{E6C264B0-03B5-4925-B134-D77C54F0E3BF}" presName="chTx" presStyleLbl="revTx" presStyleIdx="3" presStyleCnt="6" custLinFactNeighborX="49553" custLinFactNeighborY="-98671"/>
+      <dgm:spPr/>
+      <dgm:t>
+        <a:bodyPr/>
+        <a:lstStyle/>
+        <a:p>
+          <a:endParaRPr lang="es-CO"/>
+        </a:p>
+      </dgm:t>
+    </dgm:pt>
+    <dgm:pt modelId="{DD9747A6-BF8F-4A63-9E4E-AA6E614FACB2}" type="pres">
+      <dgm:prSet presAssocID="{E6C264B0-03B5-4925-B134-D77C54F0E3BF}" presName="desTx" presStyleLbl="revTx" presStyleIdx="4" presStyleCnt="6">
+        <dgm:presLayoutVars>
+          <dgm:bulletEnabled val="1"/>
+        </dgm:presLayoutVars>
+      </dgm:prSet>
+      <dgm:spPr/>
+      <dgm:t>
+        <a:bodyPr/>
+        <a:lstStyle/>
+        <a:p>
+          <a:endParaRPr lang="es-CO"/>
+        </a:p>
+      </dgm:t>
+    </dgm:pt>
+    <dgm:pt modelId="{B34C5A35-3468-475E-A504-60B2C7467682}" type="pres">
+      <dgm:prSet presAssocID="{E6C264B0-03B5-4925-B134-D77C54F0E3BF}" presName="desBackupRightNorm" presStyleCnt="0"/>
+      <dgm:spPr/>
+      <dgm:t>
+        <a:bodyPr/>
+        <a:lstStyle/>
+        <a:p>
+          <a:endParaRPr lang="es-CO"/>
+        </a:p>
+      </dgm:t>
+    </dgm:pt>
+    <dgm:pt modelId="{689E9F75-C6B7-430D-B001-202A77665593}" type="pres">
+      <dgm:prSet presAssocID="{8C445827-6237-4C89-8748-8B2ADAE2D3AD}" presName="desSpace" presStyleCnt="0"/>
+      <dgm:spPr/>
+      <dgm:t>
+        <a:bodyPr/>
+        <a:lstStyle/>
+        <a:p>
+          <a:endParaRPr lang="es-CO"/>
+        </a:p>
+      </dgm:t>
+    </dgm:pt>
+    <dgm:pt modelId="{633AEBB2-C584-49C5-9933-429E51052436}" type="pres">
+      <dgm:prSet presAssocID="{B99F95D8-BE06-44AE-B377-4CB91A382BE2}" presName="parComposite" presStyleCnt="0"/>
+      <dgm:spPr/>
+      <dgm:t>
+        <a:bodyPr/>
+        <a:lstStyle/>
+        <a:p>
+          <a:endParaRPr lang="es-CO"/>
+        </a:p>
+      </dgm:t>
+    </dgm:pt>
+    <dgm:pt modelId="{C6CF8707-D1D1-4FA8-9757-839E00FCF767}" type="pres">
+      <dgm:prSet presAssocID="{B99F95D8-BE06-44AE-B377-4CB91A382BE2}" presName="parBigCircle" presStyleLbl="node0" presStyleIdx="1" presStyleCnt="2" custLinFactNeighborX="-9161" custLinFactNeighborY="654"/>
+      <dgm:spPr/>
+      <dgm:t>
+        <a:bodyPr/>
+        <a:lstStyle/>
+        <a:p>
+          <a:endParaRPr lang="es-CO"/>
+        </a:p>
+      </dgm:t>
+    </dgm:pt>
+    <dgm:pt modelId="{1C92C585-9ADA-41CB-9620-FBEF8B32443B}" type="pres">
+      <dgm:prSet presAssocID="{B99F95D8-BE06-44AE-B377-4CB91A382BE2}" presName="parTx" presStyleLbl="revTx" presStyleIdx="5" presStyleCnt="6" custLinFactNeighborX="12250" custLinFactNeighborY="1591"/>
+      <dgm:spPr/>
+      <dgm:t>
+        <a:bodyPr/>
+        <a:lstStyle/>
+        <a:p>
+          <a:endParaRPr lang="es-CO"/>
+        </a:p>
+      </dgm:t>
+    </dgm:pt>
+    <dgm:pt modelId="{770C2347-45A6-4E1A-A5DF-392E7147949B}" type="pres">
+      <dgm:prSet presAssocID="{B99F95D8-BE06-44AE-B377-4CB91A382BE2}" presName="bSpace" presStyleCnt="0"/>
+      <dgm:spPr/>
+      <dgm:t>
+        <a:bodyPr/>
+        <a:lstStyle/>
+        <a:p>
+          <a:endParaRPr lang="es-CO"/>
+        </a:p>
+      </dgm:t>
+    </dgm:pt>
+    <dgm:pt modelId="{8C7F308E-40CD-4D40-AABD-1614969D8E57}" type="pres">
+      <dgm:prSet presAssocID="{B99F95D8-BE06-44AE-B377-4CB91A382BE2}" presName="parBackupNorm" presStyleCnt="0"/>
+      <dgm:spPr/>
+      <dgm:t>
+        <a:bodyPr/>
+        <a:lstStyle/>
+        <a:p>
+          <a:endParaRPr lang="es-CO"/>
+        </a:p>
+      </dgm:t>
+    </dgm:pt>
+    <dgm:pt modelId="{EB89F5C1-DB00-4523-BAB5-396316A70C4F}" type="pres">
+      <dgm:prSet presAssocID="{C43F1B5F-BE51-4CA3-9BF6-3B3C2EEBFBEA}" presName="parSpace" presStyleCnt="0"/>
+      <dgm:spPr/>
+      <dgm:t>
+        <a:bodyPr/>
+        <a:lstStyle/>
+        <a:p>
+          <a:endParaRPr lang="es-CO"/>
+        </a:p>
+      </dgm:t>
+    </dgm:pt>
+  </dgm:ptLst>
+  <dgm:cxnLst>
+    <dgm:cxn modelId="{D22F653F-CCD4-4A3D-A2F3-30D35E305745}" srcId="{CF143741-D1EF-4B8F-84B9-4BE4D842BDB4}" destId="{B99F95D8-BE06-44AE-B377-4CB91A382BE2}" srcOrd="1" destOrd="0" parTransId="{B512BB5C-362C-4D38-8405-54F1965DDE98}" sibTransId="{C43F1B5F-BE51-4CA3-9BF6-3B3C2EEBFBEA}"/>
+    <dgm:cxn modelId="{6A608897-A309-45C9-9A2F-91772993F3C2}" type="presOf" srcId="{E6C264B0-03B5-4925-B134-D77C54F0E3BF}" destId="{DBBAE0E8-8BAE-4644-8CB3-E2B447BF7A0E}" srcOrd="0" destOrd="0" presId="urn:microsoft.com/office/officeart/2008/layout/CircleAccentTimeline"/>
+    <dgm:cxn modelId="{71D57D16-A6E1-45A4-9DCC-314D3D214BAD}" type="presOf" srcId="{FC05253B-2647-4DE6-8EC9-2FE0F44DB3D8}" destId="{43BF2806-F1C0-4A44-AFCE-F0F72CF6E199}" srcOrd="0" destOrd="0" presId="urn:microsoft.com/office/officeart/2008/layout/CircleAccentTimeline"/>
+    <dgm:cxn modelId="{6E3BCD8A-7F62-420A-9467-A0B52E23BC85}" type="presOf" srcId="{729D14DA-2EE9-4DC8-8298-E6BABB83FBCF}" destId="{7B7928D1-5F7C-48EA-A2FA-80FA8EAB0207}" srcOrd="0" destOrd="0" presId="urn:microsoft.com/office/officeart/2008/layout/CircleAccentTimeline"/>
+    <dgm:cxn modelId="{7014C9D8-7B5A-4E6B-9A13-4B8328ACE98F}" type="presOf" srcId="{B99F95D8-BE06-44AE-B377-4CB91A382BE2}" destId="{1C92C585-9ADA-41CB-9620-FBEF8B32443B}" srcOrd="0" destOrd="0" presId="urn:microsoft.com/office/officeart/2008/layout/CircleAccentTimeline"/>
+    <dgm:cxn modelId="{2495EA3E-E8A1-413E-9239-FF09B8BC8125}" type="presOf" srcId="{CF143741-D1EF-4B8F-84B9-4BE4D842BDB4}" destId="{7E114183-0CC6-4217-94D1-0BEFF8EDB57A}" srcOrd="0" destOrd="0" presId="urn:microsoft.com/office/officeart/2008/layout/CircleAccentTimeline"/>
+    <dgm:cxn modelId="{2372648F-D1F9-43B1-B078-D2F002A34FE9}" srcId="{CF143741-D1EF-4B8F-84B9-4BE4D842BDB4}" destId="{FC05253B-2647-4DE6-8EC9-2FE0F44DB3D8}" srcOrd="0" destOrd="0" parTransId="{5CEFD719-1801-456D-924F-0ED50BA8BD89}" sibTransId="{47C7625F-C8BA-4624-B850-F58ADCA56D32}"/>
+    <dgm:cxn modelId="{ED360A38-FFD1-4D31-9951-A532AD2C10D4}" srcId="{FC05253B-2647-4DE6-8EC9-2FE0F44DB3D8}" destId="{E6C264B0-03B5-4925-B134-D77C54F0E3BF}" srcOrd="1" destOrd="0" parTransId="{ABB023C5-EE86-4693-B931-C3424C3F619D}" sibTransId="{8C445827-6237-4C89-8748-8B2ADAE2D3AD}"/>
+    <dgm:cxn modelId="{4193B145-6D77-4799-B9A2-E39F2CF6D8B5}" srcId="{FC05253B-2647-4DE6-8EC9-2FE0F44DB3D8}" destId="{729D14DA-2EE9-4DC8-8298-E6BABB83FBCF}" srcOrd="0" destOrd="0" parTransId="{864EC61C-23F1-4467-8C7C-7956678B6C20}" sibTransId="{C8739C4E-A6BE-4EC5-8D86-E0F002D6943E}"/>
+    <dgm:cxn modelId="{436A5C18-2D43-4F60-B320-A6CC753373BF}" type="presParOf" srcId="{7E114183-0CC6-4217-94D1-0BEFF8EDB57A}" destId="{DBAAC956-0683-4E1F-8132-699008561724}" srcOrd="0" destOrd="0" presId="urn:microsoft.com/office/officeart/2008/layout/CircleAccentTimeline"/>
+    <dgm:cxn modelId="{FC0C9673-0B49-4229-970C-5BFE50D30BC2}" type="presParOf" srcId="{DBAAC956-0683-4E1F-8132-699008561724}" destId="{BE94EA48-EDD7-479B-8AA0-84D22D63CF3A}" srcOrd="0" destOrd="0" presId="urn:microsoft.com/office/officeart/2008/layout/CircleAccentTimeline"/>
+    <dgm:cxn modelId="{AF4F404E-531D-416E-91D5-CD3DACC6D8AD}" type="presParOf" srcId="{DBAAC956-0683-4E1F-8132-699008561724}" destId="{43BF2806-F1C0-4A44-AFCE-F0F72CF6E199}" srcOrd="1" destOrd="0" presId="urn:microsoft.com/office/officeart/2008/layout/CircleAccentTimeline"/>
+    <dgm:cxn modelId="{F7B2C0AB-4123-4935-823F-D306114259D9}" type="presParOf" srcId="{DBAAC956-0683-4E1F-8132-699008561724}" destId="{5E4973BF-F3F5-4294-9BC5-131B8D28F2FA}" srcOrd="2" destOrd="0" presId="urn:microsoft.com/office/officeart/2008/layout/CircleAccentTimeline"/>
+    <dgm:cxn modelId="{34A6B889-FCE6-46FC-9EED-AB272E20ACB7}" type="presParOf" srcId="{7E114183-0CC6-4217-94D1-0BEFF8EDB57A}" destId="{EF2B7D7C-5F59-412E-9E76-B5C7AF265128}" srcOrd="1" destOrd="0" presId="urn:microsoft.com/office/officeart/2008/layout/CircleAccentTimeline"/>
+    <dgm:cxn modelId="{C01269D5-FDF4-4152-A301-593494111718}" type="presParOf" srcId="{7E114183-0CC6-4217-94D1-0BEFF8EDB57A}" destId="{CAB4FF41-8B3B-4BBD-9DE6-286A4E7D5D0B}" srcOrd="2" destOrd="0" presId="urn:microsoft.com/office/officeart/2008/layout/CircleAccentTimeline"/>
+    <dgm:cxn modelId="{CB9B800B-DF6D-4AE0-AC99-F043F50BC637}" type="presParOf" srcId="{7E114183-0CC6-4217-94D1-0BEFF8EDB57A}" destId="{D42F7D12-2BDE-4A90-AF87-4FE4FE290307}" srcOrd="3" destOrd="0" presId="urn:microsoft.com/office/officeart/2008/layout/CircleAccentTimeline"/>
+    <dgm:cxn modelId="{FC925BA5-C6FD-46B5-A2F1-A2D66DCB029C}" type="presParOf" srcId="{7E114183-0CC6-4217-94D1-0BEFF8EDB57A}" destId="{81E4C388-6E75-4D2D-813B-9350AB32EB5B}" srcOrd="4" destOrd="0" presId="urn:microsoft.com/office/officeart/2008/layout/CircleAccentTimeline"/>
+    <dgm:cxn modelId="{EF95A7E9-5DF6-46AB-AFBD-38FDC94008A7}" type="presParOf" srcId="{81E4C388-6E75-4D2D-813B-9350AB32EB5B}" destId="{61CB9A04-D54E-41A5-B655-532DC4F7EB11}" srcOrd="0" destOrd="0" presId="urn:microsoft.com/office/officeart/2008/layout/CircleAccentTimeline"/>
+    <dgm:cxn modelId="{3FD79884-D365-4CB6-A744-1442C5D8E459}" type="presParOf" srcId="{81E4C388-6E75-4D2D-813B-9350AB32EB5B}" destId="{7B7928D1-5F7C-48EA-A2FA-80FA8EAB0207}" srcOrd="1" destOrd="0" presId="urn:microsoft.com/office/officeart/2008/layout/CircleAccentTimeline"/>
+    <dgm:cxn modelId="{D0D7A318-97D4-47F5-8CDD-32A3BB622FB8}" type="presParOf" srcId="{81E4C388-6E75-4D2D-813B-9350AB32EB5B}" destId="{2DC8E875-7D58-4F99-842C-E6B60FE39627}" srcOrd="2" destOrd="0" presId="urn:microsoft.com/office/officeart/2008/layout/CircleAccentTimeline"/>
+    <dgm:cxn modelId="{DDE55709-78D3-479E-A406-46549D2EE249}" type="presParOf" srcId="{7E114183-0CC6-4217-94D1-0BEFF8EDB57A}" destId="{8FF4ED5F-2DFE-477E-8C30-CA3B9DD46DB7}" srcOrd="5" destOrd="0" presId="urn:microsoft.com/office/officeart/2008/layout/CircleAccentTimeline"/>
+    <dgm:cxn modelId="{ED434989-9C81-4E68-B468-0055EE9BF7FD}" type="presParOf" srcId="{7E114183-0CC6-4217-94D1-0BEFF8EDB57A}" destId="{4B1C958E-E7EB-4B38-8BEF-340872851480}" srcOrd="6" destOrd="0" presId="urn:microsoft.com/office/officeart/2008/layout/CircleAccentTimeline"/>
+    <dgm:cxn modelId="{F91791D0-1268-40E0-8247-C43AB11DC8DE}" type="presParOf" srcId="{7E114183-0CC6-4217-94D1-0BEFF8EDB57A}" destId="{C1A8E934-BFFB-4C1A-8F6C-C396942934EA}" srcOrd="7" destOrd="0" presId="urn:microsoft.com/office/officeart/2008/layout/CircleAccentTimeline"/>
+    <dgm:cxn modelId="{8470E122-7F31-497F-8AA5-F7A744CF3575}" type="presParOf" srcId="{7E114183-0CC6-4217-94D1-0BEFF8EDB57A}" destId="{A44B17E6-39A1-4337-80A6-B0BE8C068F62}" srcOrd="8" destOrd="0" presId="urn:microsoft.com/office/officeart/2008/layout/CircleAccentTimeline"/>
+    <dgm:cxn modelId="{3B94E4F4-8FB4-4683-95D5-0B044D6B400F}" type="presParOf" srcId="{A44B17E6-39A1-4337-80A6-B0BE8C068F62}" destId="{BFEE6E04-4F28-4FAD-8574-E768B560E677}" srcOrd="0" destOrd="0" presId="urn:microsoft.com/office/officeart/2008/layout/CircleAccentTimeline"/>
+    <dgm:cxn modelId="{66970D94-B358-429B-A691-1D4D0451A45A}" type="presParOf" srcId="{A44B17E6-39A1-4337-80A6-B0BE8C068F62}" destId="{DBBAE0E8-8BAE-4644-8CB3-E2B447BF7A0E}" srcOrd="1" destOrd="0" presId="urn:microsoft.com/office/officeart/2008/layout/CircleAccentTimeline"/>
+    <dgm:cxn modelId="{2269133F-40EB-4F21-864E-DAC84B229BBC}" type="presParOf" srcId="{A44B17E6-39A1-4337-80A6-B0BE8C068F62}" destId="{DD9747A6-BF8F-4A63-9E4E-AA6E614FACB2}" srcOrd="2" destOrd="0" presId="urn:microsoft.com/office/officeart/2008/layout/CircleAccentTimeline"/>
+    <dgm:cxn modelId="{B7B46DEA-861C-4E2E-B927-8172B9811F15}" type="presParOf" srcId="{7E114183-0CC6-4217-94D1-0BEFF8EDB57A}" destId="{B34C5A35-3468-475E-A504-60B2C7467682}" srcOrd="9" destOrd="0" presId="urn:microsoft.com/office/officeart/2008/layout/CircleAccentTimeline"/>
+    <dgm:cxn modelId="{C33DE4FA-3199-47E6-96B5-BFCB309A896E}" type="presParOf" srcId="{7E114183-0CC6-4217-94D1-0BEFF8EDB57A}" destId="{689E9F75-C6B7-430D-B001-202A77665593}" srcOrd="10" destOrd="0" presId="urn:microsoft.com/office/officeart/2008/layout/CircleAccentTimeline"/>
+    <dgm:cxn modelId="{4F016713-4C66-476A-9492-B6D61FFEA266}" type="presParOf" srcId="{7E114183-0CC6-4217-94D1-0BEFF8EDB57A}" destId="{633AEBB2-C584-49C5-9933-429E51052436}" srcOrd="11" destOrd="0" presId="urn:microsoft.com/office/officeart/2008/layout/CircleAccentTimeline"/>
+    <dgm:cxn modelId="{65364F54-8B76-4924-9DF1-ED1D292F7FC6}" type="presParOf" srcId="{633AEBB2-C584-49C5-9933-429E51052436}" destId="{C6CF8707-D1D1-4FA8-9757-839E00FCF767}" srcOrd="0" destOrd="0" presId="urn:microsoft.com/office/officeart/2008/layout/CircleAccentTimeline"/>
+    <dgm:cxn modelId="{0FDDCDE9-0AC8-4C79-B735-02B65E86D7EC}" type="presParOf" srcId="{633AEBB2-C584-49C5-9933-429E51052436}" destId="{1C92C585-9ADA-41CB-9620-FBEF8B32443B}" srcOrd="1" destOrd="0" presId="urn:microsoft.com/office/officeart/2008/layout/CircleAccentTimeline"/>
+    <dgm:cxn modelId="{6096316F-1A2B-4B04-97DC-44E2091EC4D1}" type="presParOf" srcId="{633AEBB2-C584-49C5-9933-429E51052436}" destId="{770C2347-45A6-4E1A-A5DF-392E7147949B}" srcOrd="2" destOrd="0" presId="urn:microsoft.com/office/officeart/2008/layout/CircleAccentTimeline"/>
+    <dgm:cxn modelId="{CDC94CCF-1051-4BC8-B13F-AAD331AC43EC}" type="presParOf" srcId="{7E114183-0CC6-4217-94D1-0BEFF8EDB57A}" destId="{8C7F308E-40CD-4D40-AABD-1614969D8E57}" srcOrd="12" destOrd="0" presId="urn:microsoft.com/office/officeart/2008/layout/CircleAccentTimeline"/>
+    <dgm:cxn modelId="{118B223F-AB00-438E-9194-1FC3F27F6671}" type="presParOf" srcId="{7E114183-0CC6-4217-94D1-0BEFF8EDB57A}" destId="{EB89F5C1-DB00-4523-BAB5-396316A70C4F}" srcOrd="13" destOrd="0" presId="urn:microsoft.com/office/officeart/2008/layout/CircleAccentTimeline"/>
+  </dgm:cxnLst>
+  <dgm:bg/>
+  <dgm:whole/>
+  <dgm:extLst>
+    <a:ext uri="http://schemas.microsoft.com/office/drawing/2008/diagram">
+      <dsp:dataModelExt xmlns:dsp="http://schemas.microsoft.com/office/drawing/2008/diagram" relId="rId6" minVer="http://schemas.openxmlformats.org/drawingml/2006/diagram"/>
     </a:ext>
   </dgm:extLst>
 </dgm:dataModel>
@@ -2234,6 +5017,1709 @@
 </dsp:drawing>
 </file>
 
+<file path=ppt/diagrams/drawing2.xml><?xml version="1.0" encoding="utf-8"?>
+<dsp:drawing xmlns:dgm="http://schemas.openxmlformats.org/drawingml/2006/diagram" xmlns:dsp="http://schemas.microsoft.com/office/drawing/2008/diagram" xmlns:a="http://schemas.openxmlformats.org/drawingml/2006/main">
+  <dsp:spTree>
+    <dsp:nvGrpSpPr>
+      <dsp:cNvPr id="0" name=""/>
+      <dsp:cNvGrpSpPr/>
+    </dsp:nvGrpSpPr>
+    <dsp:grpSpPr/>
+    <dsp:sp modelId="{B0E34B77-9FF1-4BA2-890F-26839B2095C0}">
+      <dsp:nvSpPr>
+        <dsp:cNvPr id="0" name=""/>
+        <dsp:cNvSpPr/>
+      </dsp:nvSpPr>
+      <dsp:spPr>
+        <a:xfrm rot="5400000">
+          <a:off x="300557" y="2562715"/>
+          <a:ext cx="900397" cy="1498240"/>
+        </a:xfrm>
+        <a:prstGeom prst="corner">
+          <a:avLst>
+            <a:gd name="adj1" fmla="val 16120"/>
+            <a:gd name="adj2" fmla="val 16110"/>
+          </a:avLst>
+        </a:prstGeom>
+        <a:gradFill rotWithShape="0">
+          <a:gsLst>
+            <a:gs pos="0">
+              <a:schemeClr val="accent5">
+                <a:hueOff val="0"/>
+                <a:satOff val="0"/>
+                <a:lumOff val="0"/>
+                <a:alphaOff val="0"/>
+                <a:tint val="96000"/>
+                <a:lumMod val="102000"/>
+              </a:schemeClr>
+            </a:gs>
+            <a:gs pos="100000">
+              <a:schemeClr val="accent5">
+                <a:hueOff val="0"/>
+                <a:satOff val="0"/>
+                <a:lumOff val="0"/>
+                <a:alphaOff val="0"/>
+                <a:shade val="88000"/>
+                <a:lumMod val="94000"/>
+              </a:schemeClr>
+            </a:gs>
+          </a:gsLst>
+          <a:path path="circle">
+            <a:fillToRect l="50000" t="100000" r="100000" b="50000"/>
+          </a:path>
+        </a:gradFill>
+        <a:ln w="9525" cap="rnd" cmpd="sng" algn="ctr">
+          <a:solidFill>
+            <a:schemeClr val="accent5">
+              <a:hueOff val="0"/>
+              <a:satOff val="0"/>
+              <a:lumOff val="0"/>
+              <a:alphaOff val="0"/>
+            </a:schemeClr>
+          </a:solidFill>
+          <a:prstDash val="solid"/>
+        </a:ln>
+        <a:effectLst>
+          <a:outerShdw blurRad="38100" dist="25400" dir="5400000" rotWithShape="0">
+            <a:srgbClr val="000000">
+              <a:alpha val="64000"/>
+            </a:srgbClr>
+          </a:outerShdw>
+        </a:effectLst>
+        <a:scene3d>
+          <a:camera prst="orthographicFront">
+            <a:rot lat="0" lon="0" rev="0"/>
+          </a:camera>
+          <a:lightRig rig="threePt" dir="tl">
+            <a:rot lat="0" lon="0" rev="1200000"/>
+          </a:lightRig>
+        </a:scene3d>
+        <a:sp3d>
+          <a:bevelT w="25400" h="12700"/>
+        </a:sp3d>
+      </dsp:spPr>
+      <dsp:style>
+        <a:lnRef idx="1">
+          <a:scrgbClr r="0" g="0" b="0"/>
+        </a:lnRef>
+        <a:fillRef idx="3">
+          <a:scrgbClr r="0" g="0" b="0"/>
+        </a:fillRef>
+        <a:effectRef idx="3">
+          <a:scrgbClr r="0" g="0" b="0"/>
+        </a:effectRef>
+        <a:fontRef idx="minor">
+          <a:schemeClr val="lt1"/>
+        </a:fontRef>
+      </dsp:style>
+    </dsp:sp>
+    <dsp:sp modelId="{56EB5A97-B018-4343-9C7C-5EBBB616CAE3}">
+      <dsp:nvSpPr>
+        <dsp:cNvPr id="0" name=""/>
+        <dsp:cNvSpPr/>
+      </dsp:nvSpPr>
+      <dsp:spPr>
+        <a:xfrm>
+          <a:off x="150258" y="3010366"/>
+          <a:ext cx="1352620" cy="1185650"/>
+        </a:xfrm>
+        <a:prstGeom prst="rect">
+          <a:avLst/>
+        </a:prstGeom>
+        <a:noFill/>
+        <a:ln>
+          <a:noFill/>
+        </a:ln>
+        <a:effectLst/>
+      </dsp:spPr>
+      <dsp:style>
+        <a:lnRef idx="0">
+          <a:scrgbClr r="0" g="0" b="0"/>
+        </a:lnRef>
+        <a:fillRef idx="0">
+          <a:scrgbClr r="0" g="0" b="0"/>
+        </a:fillRef>
+        <a:effectRef idx="0">
+          <a:scrgbClr r="0" g="0" b="0"/>
+        </a:effectRef>
+        <a:fontRef idx="minor"/>
+      </dsp:style>
+      <dsp:txBody>
+        <a:bodyPr spcFirstLastPara="0" vert="horz" wrap="square" lIns="68580" tIns="68580" rIns="68580" bIns="68580" numCol="1" spcCol="1270" anchor="t" anchorCtr="0">
+          <a:noAutofit/>
+        </a:bodyPr>
+        <a:lstStyle/>
+        <a:p>
+          <a:pPr lvl="0" algn="l" defTabSz="800100">
+            <a:lnSpc>
+              <a:spcPct val="90000"/>
+            </a:lnSpc>
+            <a:spcBef>
+              <a:spcPct val="0"/>
+            </a:spcBef>
+            <a:spcAft>
+              <a:spcPct val="35000"/>
+            </a:spcAft>
+          </a:pPr>
+          <a:r>
+            <a:rPr lang="es-CO" sz="1800" kern="1200" dirty="0" smtClean="0"/>
+            <a:t>Diagnóstico AS-IS</a:t>
+          </a:r>
+          <a:endParaRPr lang="es-CO" sz="1800" kern="1200" dirty="0"/>
+        </a:p>
+      </dsp:txBody>
+      <dsp:txXfrm>
+        <a:off x="150258" y="3010366"/>
+        <a:ext cx="1352620" cy="1185650"/>
+      </dsp:txXfrm>
+    </dsp:sp>
+    <dsp:sp modelId="{86803416-13EB-4735-B96E-DD633C926330}">
+      <dsp:nvSpPr>
+        <dsp:cNvPr id="0" name=""/>
+        <dsp:cNvSpPr/>
+      </dsp:nvSpPr>
+      <dsp:spPr>
+        <a:xfrm>
+          <a:off x="1247667" y="2452413"/>
+          <a:ext cx="255211" cy="255211"/>
+        </a:xfrm>
+        <a:prstGeom prst="triangle">
+          <a:avLst>
+            <a:gd name="adj" fmla="val 100000"/>
+          </a:avLst>
+        </a:prstGeom>
+        <a:gradFill rotWithShape="0">
+          <a:gsLst>
+            <a:gs pos="0">
+              <a:schemeClr val="accent5">
+                <a:hueOff val="224865"/>
+                <a:satOff val="2987"/>
+                <a:lumOff val="73"/>
+                <a:alphaOff val="0"/>
+                <a:tint val="96000"/>
+                <a:lumMod val="102000"/>
+              </a:schemeClr>
+            </a:gs>
+            <a:gs pos="100000">
+              <a:schemeClr val="accent5">
+                <a:hueOff val="224865"/>
+                <a:satOff val="2987"/>
+                <a:lumOff val="73"/>
+                <a:alphaOff val="0"/>
+                <a:shade val="88000"/>
+                <a:lumMod val="94000"/>
+              </a:schemeClr>
+            </a:gs>
+          </a:gsLst>
+          <a:path path="circle">
+            <a:fillToRect l="50000" t="100000" r="100000" b="50000"/>
+          </a:path>
+        </a:gradFill>
+        <a:ln w="9525" cap="rnd" cmpd="sng" algn="ctr">
+          <a:solidFill>
+            <a:schemeClr val="accent5">
+              <a:hueOff val="224865"/>
+              <a:satOff val="2987"/>
+              <a:lumOff val="73"/>
+              <a:alphaOff val="0"/>
+            </a:schemeClr>
+          </a:solidFill>
+          <a:prstDash val="solid"/>
+        </a:ln>
+        <a:effectLst>
+          <a:outerShdw blurRad="38100" dist="25400" dir="5400000" rotWithShape="0">
+            <a:srgbClr val="000000">
+              <a:alpha val="64000"/>
+            </a:srgbClr>
+          </a:outerShdw>
+        </a:effectLst>
+        <a:scene3d>
+          <a:camera prst="orthographicFront">
+            <a:rot lat="0" lon="0" rev="0"/>
+          </a:camera>
+          <a:lightRig rig="threePt" dir="tl">
+            <a:rot lat="0" lon="0" rev="1200000"/>
+          </a:lightRig>
+        </a:scene3d>
+        <a:sp3d>
+          <a:bevelT w="25400" h="12700"/>
+        </a:sp3d>
+      </dsp:spPr>
+      <dsp:style>
+        <a:lnRef idx="1">
+          <a:scrgbClr r="0" g="0" b="0"/>
+        </a:lnRef>
+        <a:fillRef idx="3">
+          <a:scrgbClr r="0" g="0" b="0"/>
+        </a:fillRef>
+        <a:effectRef idx="3">
+          <a:scrgbClr r="0" g="0" b="0"/>
+        </a:effectRef>
+        <a:fontRef idx="minor">
+          <a:schemeClr val="lt1"/>
+        </a:fontRef>
+      </dsp:style>
+    </dsp:sp>
+    <dsp:sp modelId="{A25B9AC2-DCB5-4DDC-B037-7671E7B20911}">
+      <dsp:nvSpPr>
+        <dsp:cNvPr id="0" name=""/>
+        <dsp:cNvSpPr/>
+      </dsp:nvSpPr>
+      <dsp:spPr>
+        <a:xfrm rot="5400000">
+          <a:off x="1956428" y="2152968"/>
+          <a:ext cx="900397" cy="1498240"/>
+        </a:xfrm>
+        <a:prstGeom prst="corner">
+          <a:avLst>
+            <a:gd name="adj1" fmla="val 16120"/>
+            <a:gd name="adj2" fmla="val 16110"/>
+          </a:avLst>
+        </a:prstGeom>
+        <a:gradFill rotWithShape="0">
+          <a:gsLst>
+            <a:gs pos="0">
+              <a:schemeClr val="accent5">
+                <a:hueOff val="449731"/>
+                <a:satOff val="5974"/>
+                <a:lumOff val="147"/>
+                <a:alphaOff val="0"/>
+                <a:tint val="96000"/>
+                <a:lumMod val="102000"/>
+              </a:schemeClr>
+            </a:gs>
+            <a:gs pos="100000">
+              <a:schemeClr val="accent5">
+                <a:hueOff val="449731"/>
+                <a:satOff val="5974"/>
+                <a:lumOff val="147"/>
+                <a:alphaOff val="0"/>
+                <a:shade val="88000"/>
+                <a:lumMod val="94000"/>
+              </a:schemeClr>
+            </a:gs>
+          </a:gsLst>
+          <a:path path="circle">
+            <a:fillToRect l="50000" t="100000" r="100000" b="50000"/>
+          </a:path>
+        </a:gradFill>
+        <a:ln w="9525" cap="rnd" cmpd="sng" algn="ctr">
+          <a:solidFill>
+            <a:schemeClr val="accent5">
+              <a:hueOff val="449731"/>
+              <a:satOff val="5974"/>
+              <a:lumOff val="147"/>
+              <a:alphaOff val="0"/>
+            </a:schemeClr>
+          </a:solidFill>
+          <a:prstDash val="solid"/>
+        </a:ln>
+        <a:effectLst>
+          <a:outerShdw blurRad="38100" dist="25400" dir="5400000" rotWithShape="0">
+            <a:srgbClr val="000000">
+              <a:alpha val="64000"/>
+            </a:srgbClr>
+          </a:outerShdw>
+        </a:effectLst>
+        <a:scene3d>
+          <a:camera prst="orthographicFront">
+            <a:rot lat="0" lon="0" rev="0"/>
+          </a:camera>
+          <a:lightRig rig="threePt" dir="tl">
+            <a:rot lat="0" lon="0" rev="1200000"/>
+          </a:lightRig>
+        </a:scene3d>
+        <a:sp3d>
+          <a:bevelT w="25400" h="12700"/>
+        </a:sp3d>
+      </dsp:spPr>
+      <dsp:style>
+        <a:lnRef idx="1">
+          <a:scrgbClr r="0" g="0" b="0"/>
+        </a:lnRef>
+        <a:fillRef idx="3">
+          <a:scrgbClr r="0" g="0" b="0"/>
+        </a:fillRef>
+        <a:effectRef idx="3">
+          <a:scrgbClr r="0" g="0" b="0"/>
+        </a:effectRef>
+        <a:fontRef idx="minor">
+          <a:schemeClr val="lt1"/>
+        </a:fontRef>
+      </dsp:style>
+    </dsp:sp>
+    <dsp:sp modelId="{2FB62A78-DA57-463E-8184-8DBFF9FC38FD}">
+      <dsp:nvSpPr>
+        <dsp:cNvPr id="0" name=""/>
+        <dsp:cNvSpPr/>
+      </dsp:nvSpPr>
+      <dsp:spPr>
+        <a:xfrm>
+          <a:off x="1806130" y="2600619"/>
+          <a:ext cx="1352620" cy="1185650"/>
+        </a:xfrm>
+        <a:prstGeom prst="rect">
+          <a:avLst/>
+        </a:prstGeom>
+        <a:noFill/>
+        <a:ln>
+          <a:noFill/>
+        </a:ln>
+        <a:effectLst/>
+      </dsp:spPr>
+      <dsp:style>
+        <a:lnRef idx="0">
+          <a:scrgbClr r="0" g="0" b="0"/>
+        </a:lnRef>
+        <a:fillRef idx="0">
+          <a:scrgbClr r="0" g="0" b="0"/>
+        </a:fillRef>
+        <a:effectRef idx="0">
+          <a:scrgbClr r="0" g="0" b="0"/>
+        </a:effectRef>
+        <a:fontRef idx="minor"/>
+      </dsp:style>
+      <dsp:txBody>
+        <a:bodyPr spcFirstLastPara="0" vert="horz" wrap="square" lIns="68580" tIns="68580" rIns="68580" bIns="68580" numCol="1" spcCol="1270" anchor="t" anchorCtr="0">
+          <a:noAutofit/>
+        </a:bodyPr>
+        <a:lstStyle/>
+        <a:p>
+          <a:pPr lvl="0" algn="l" defTabSz="800100">
+            <a:lnSpc>
+              <a:spcPct val="90000"/>
+            </a:lnSpc>
+            <a:spcBef>
+              <a:spcPct val="0"/>
+            </a:spcBef>
+            <a:spcAft>
+              <a:spcPct val="35000"/>
+            </a:spcAft>
+          </a:pPr>
+          <a:r>
+            <a:rPr lang="es-CO" sz="1800" kern="1200" dirty="0" err="1" smtClean="0"/>
+            <a:t>DiseñoTO</a:t>
+          </a:r>
+          <a:r>
+            <a:rPr lang="es-CO" sz="1800" kern="1200" dirty="0" smtClean="0"/>
+            <a:t>-BE</a:t>
+          </a:r>
+          <a:endParaRPr lang="es-CO" sz="1800" kern="1200" dirty="0"/>
+        </a:p>
+      </dsp:txBody>
+      <dsp:txXfrm>
+        <a:off x="1806130" y="2600619"/>
+        <a:ext cx="1352620" cy="1185650"/>
+      </dsp:txXfrm>
+    </dsp:sp>
+    <dsp:sp modelId="{6E663080-BFED-4893-B44D-384E85541968}">
+      <dsp:nvSpPr>
+        <dsp:cNvPr id="0" name=""/>
+        <dsp:cNvSpPr/>
+      </dsp:nvSpPr>
+      <dsp:spPr>
+        <a:xfrm>
+          <a:off x="2903538" y="2042666"/>
+          <a:ext cx="255211" cy="255211"/>
+        </a:xfrm>
+        <a:prstGeom prst="triangle">
+          <a:avLst>
+            <a:gd name="adj" fmla="val 100000"/>
+          </a:avLst>
+        </a:prstGeom>
+        <a:gradFill rotWithShape="0">
+          <a:gsLst>
+            <a:gs pos="0">
+              <a:schemeClr val="accent5">
+                <a:hueOff val="674596"/>
+                <a:satOff val="8962"/>
+                <a:lumOff val="220"/>
+                <a:alphaOff val="0"/>
+                <a:tint val="96000"/>
+                <a:lumMod val="102000"/>
+              </a:schemeClr>
+            </a:gs>
+            <a:gs pos="100000">
+              <a:schemeClr val="accent5">
+                <a:hueOff val="674596"/>
+                <a:satOff val="8962"/>
+                <a:lumOff val="220"/>
+                <a:alphaOff val="0"/>
+                <a:shade val="88000"/>
+                <a:lumMod val="94000"/>
+              </a:schemeClr>
+            </a:gs>
+          </a:gsLst>
+          <a:path path="circle">
+            <a:fillToRect l="50000" t="100000" r="100000" b="50000"/>
+          </a:path>
+        </a:gradFill>
+        <a:ln w="9525" cap="rnd" cmpd="sng" algn="ctr">
+          <a:solidFill>
+            <a:schemeClr val="accent5">
+              <a:hueOff val="674596"/>
+              <a:satOff val="8962"/>
+              <a:lumOff val="220"/>
+              <a:alphaOff val="0"/>
+            </a:schemeClr>
+          </a:solidFill>
+          <a:prstDash val="solid"/>
+        </a:ln>
+        <a:effectLst>
+          <a:outerShdw blurRad="38100" dist="25400" dir="5400000" rotWithShape="0">
+            <a:srgbClr val="000000">
+              <a:alpha val="64000"/>
+            </a:srgbClr>
+          </a:outerShdw>
+        </a:effectLst>
+        <a:scene3d>
+          <a:camera prst="orthographicFront">
+            <a:rot lat="0" lon="0" rev="0"/>
+          </a:camera>
+          <a:lightRig rig="threePt" dir="tl">
+            <a:rot lat="0" lon="0" rev="1200000"/>
+          </a:lightRig>
+        </a:scene3d>
+        <a:sp3d>
+          <a:bevelT w="25400" h="12700"/>
+        </a:sp3d>
+      </dsp:spPr>
+      <dsp:style>
+        <a:lnRef idx="1">
+          <a:scrgbClr r="0" g="0" b="0"/>
+        </a:lnRef>
+        <a:fillRef idx="3">
+          <a:scrgbClr r="0" g="0" b="0"/>
+        </a:fillRef>
+        <a:effectRef idx="3">
+          <a:scrgbClr r="0" g="0" b="0"/>
+        </a:effectRef>
+        <a:fontRef idx="minor">
+          <a:schemeClr val="lt1"/>
+        </a:fontRef>
+      </dsp:style>
+    </dsp:sp>
+    <dsp:sp modelId="{DB27EC98-AF65-4F03-96EC-BBE8E71D49A6}">
+      <dsp:nvSpPr>
+        <dsp:cNvPr id="0" name=""/>
+        <dsp:cNvSpPr/>
+      </dsp:nvSpPr>
+      <dsp:spPr>
+        <a:xfrm rot="5400000">
+          <a:off x="3612300" y="1743221"/>
+          <a:ext cx="900397" cy="1498240"/>
+        </a:xfrm>
+        <a:prstGeom prst="corner">
+          <a:avLst>
+            <a:gd name="adj1" fmla="val 16120"/>
+            <a:gd name="adj2" fmla="val 16110"/>
+          </a:avLst>
+        </a:prstGeom>
+        <a:gradFill rotWithShape="0">
+          <a:gsLst>
+            <a:gs pos="0">
+              <a:schemeClr val="accent5">
+                <a:hueOff val="899462"/>
+                <a:satOff val="11949"/>
+                <a:lumOff val="294"/>
+                <a:alphaOff val="0"/>
+                <a:tint val="96000"/>
+                <a:lumMod val="102000"/>
+              </a:schemeClr>
+            </a:gs>
+            <a:gs pos="100000">
+              <a:schemeClr val="accent5">
+                <a:hueOff val="899462"/>
+                <a:satOff val="11949"/>
+                <a:lumOff val="294"/>
+                <a:alphaOff val="0"/>
+                <a:shade val="88000"/>
+                <a:lumMod val="94000"/>
+              </a:schemeClr>
+            </a:gs>
+          </a:gsLst>
+          <a:path path="circle">
+            <a:fillToRect l="50000" t="100000" r="100000" b="50000"/>
+          </a:path>
+        </a:gradFill>
+        <a:ln w="9525" cap="rnd" cmpd="sng" algn="ctr">
+          <a:solidFill>
+            <a:schemeClr val="accent5">
+              <a:hueOff val="899462"/>
+              <a:satOff val="11949"/>
+              <a:lumOff val="294"/>
+              <a:alphaOff val="0"/>
+            </a:schemeClr>
+          </a:solidFill>
+          <a:prstDash val="solid"/>
+        </a:ln>
+        <a:effectLst>
+          <a:outerShdw blurRad="38100" dist="25400" dir="5400000" rotWithShape="0">
+            <a:srgbClr val="000000">
+              <a:alpha val="64000"/>
+            </a:srgbClr>
+          </a:outerShdw>
+        </a:effectLst>
+        <a:scene3d>
+          <a:camera prst="orthographicFront">
+            <a:rot lat="0" lon="0" rev="0"/>
+          </a:camera>
+          <a:lightRig rig="threePt" dir="tl">
+            <a:rot lat="0" lon="0" rev="1200000"/>
+          </a:lightRig>
+        </a:scene3d>
+        <a:sp3d>
+          <a:bevelT w="25400" h="12700"/>
+        </a:sp3d>
+      </dsp:spPr>
+      <dsp:style>
+        <a:lnRef idx="1">
+          <a:scrgbClr r="0" g="0" b="0"/>
+        </a:lnRef>
+        <a:fillRef idx="3">
+          <a:scrgbClr r="0" g="0" b="0"/>
+        </a:fillRef>
+        <a:effectRef idx="3">
+          <a:scrgbClr r="0" g="0" b="0"/>
+        </a:effectRef>
+        <a:fontRef idx="minor">
+          <a:schemeClr val="lt1"/>
+        </a:fontRef>
+      </dsp:style>
+    </dsp:sp>
+    <dsp:sp modelId="{05FDA98E-51F9-4FAF-8B9D-2F78074E1689}">
+      <dsp:nvSpPr>
+        <dsp:cNvPr id="0" name=""/>
+        <dsp:cNvSpPr/>
+      </dsp:nvSpPr>
+      <dsp:spPr>
+        <a:xfrm>
+          <a:off x="3462001" y="2190872"/>
+          <a:ext cx="1352620" cy="1185650"/>
+        </a:xfrm>
+        <a:prstGeom prst="rect">
+          <a:avLst/>
+        </a:prstGeom>
+        <a:noFill/>
+        <a:ln>
+          <a:noFill/>
+        </a:ln>
+        <a:effectLst/>
+      </dsp:spPr>
+      <dsp:style>
+        <a:lnRef idx="0">
+          <a:scrgbClr r="0" g="0" b="0"/>
+        </a:lnRef>
+        <a:fillRef idx="0">
+          <a:scrgbClr r="0" g="0" b="0"/>
+        </a:fillRef>
+        <a:effectRef idx="0">
+          <a:scrgbClr r="0" g="0" b="0"/>
+        </a:effectRef>
+        <a:fontRef idx="minor"/>
+      </dsp:style>
+      <dsp:txBody>
+        <a:bodyPr spcFirstLastPara="0" vert="horz" wrap="square" lIns="68580" tIns="68580" rIns="68580" bIns="68580" numCol="1" spcCol="1270" anchor="t" anchorCtr="0">
+          <a:noAutofit/>
+        </a:bodyPr>
+        <a:lstStyle/>
+        <a:p>
+          <a:pPr lvl="0" algn="l" defTabSz="800100">
+            <a:lnSpc>
+              <a:spcPct val="90000"/>
+            </a:lnSpc>
+            <a:spcBef>
+              <a:spcPct val="0"/>
+            </a:spcBef>
+            <a:spcAft>
+              <a:spcPct val="35000"/>
+            </a:spcAft>
+          </a:pPr>
+          <a:r>
+            <a:rPr lang="es-CO" sz="1800" kern="1200" dirty="0" smtClean="0"/>
+            <a:t>Análisis de brecha</a:t>
+          </a:r>
+          <a:endParaRPr lang="es-CO" sz="1800" kern="1200" dirty="0"/>
+        </a:p>
+      </dsp:txBody>
+      <dsp:txXfrm>
+        <a:off x="3462001" y="2190872"/>
+        <a:ext cx="1352620" cy="1185650"/>
+      </dsp:txXfrm>
+    </dsp:sp>
+    <dsp:sp modelId="{74281487-F8D5-4C83-AFB1-BAD6972CD372}">
+      <dsp:nvSpPr>
+        <dsp:cNvPr id="0" name=""/>
+        <dsp:cNvSpPr/>
+      </dsp:nvSpPr>
+      <dsp:spPr>
+        <a:xfrm>
+          <a:off x="4559410" y="1632919"/>
+          <a:ext cx="255211" cy="255211"/>
+        </a:xfrm>
+        <a:prstGeom prst="triangle">
+          <a:avLst>
+            <a:gd name="adj" fmla="val 100000"/>
+          </a:avLst>
+        </a:prstGeom>
+        <a:gradFill rotWithShape="0">
+          <a:gsLst>
+            <a:gs pos="0">
+              <a:schemeClr val="accent5">
+                <a:hueOff val="1124327"/>
+                <a:satOff val="14936"/>
+                <a:lumOff val="367"/>
+                <a:alphaOff val="0"/>
+                <a:tint val="96000"/>
+                <a:lumMod val="102000"/>
+              </a:schemeClr>
+            </a:gs>
+            <a:gs pos="100000">
+              <a:schemeClr val="accent5">
+                <a:hueOff val="1124327"/>
+                <a:satOff val="14936"/>
+                <a:lumOff val="367"/>
+                <a:alphaOff val="0"/>
+                <a:shade val="88000"/>
+                <a:lumMod val="94000"/>
+              </a:schemeClr>
+            </a:gs>
+          </a:gsLst>
+          <a:path path="circle">
+            <a:fillToRect l="50000" t="100000" r="100000" b="50000"/>
+          </a:path>
+        </a:gradFill>
+        <a:ln w="9525" cap="rnd" cmpd="sng" algn="ctr">
+          <a:solidFill>
+            <a:schemeClr val="accent5">
+              <a:hueOff val="1124327"/>
+              <a:satOff val="14936"/>
+              <a:lumOff val="367"/>
+              <a:alphaOff val="0"/>
+            </a:schemeClr>
+          </a:solidFill>
+          <a:prstDash val="solid"/>
+        </a:ln>
+        <a:effectLst>
+          <a:outerShdw blurRad="38100" dist="25400" dir="5400000" rotWithShape="0">
+            <a:srgbClr val="000000">
+              <a:alpha val="64000"/>
+            </a:srgbClr>
+          </a:outerShdw>
+        </a:effectLst>
+        <a:scene3d>
+          <a:camera prst="orthographicFront">
+            <a:rot lat="0" lon="0" rev="0"/>
+          </a:camera>
+          <a:lightRig rig="threePt" dir="tl">
+            <a:rot lat="0" lon="0" rev="1200000"/>
+          </a:lightRig>
+        </a:scene3d>
+        <a:sp3d>
+          <a:bevelT w="25400" h="12700"/>
+        </a:sp3d>
+      </dsp:spPr>
+      <dsp:style>
+        <a:lnRef idx="1">
+          <a:scrgbClr r="0" g="0" b="0"/>
+        </a:lnRef>
+        <a:fillRef idx="3">
+          <a:scrgbClr r="0" g="0" b="0"/>
+        </a:fillRef>
+        <a:effectRef idx="3">
+          <a:scrgbClr r="0" g="0" b="0"/>
+        </a:effectRef>
+        <a:fontRef idx="minor">
+          <a:schemeClr val="lt1"/>
+        </a:fontRef>
+      </dsp:style>
+    </dsp:sp>
+    <dsp:sp modelId="{40431084-A147-4604-86F8-E0F12BE98FC1}">
+      <dsp:nvSpPr>
+        <dsp:cNvPr id="0" name=""/>
+        <dsp:cNvSpPr/>
+      </dsp:nvSpPr>
+      <dsp:spPr>
+        <a:xfrm rot="5400000">
+          <a:off x="5268171" y="1333474"/>
+          <a:ext cx="900397" cy="1498240"/>
+        </a:xfrm>
+        <a:prstGeom prst="corner">
+          <a:avLst>
+            <a:gd name="adj1" fmla="val 16120"/>
+            <a:gd name="adj2" fmla="val 16110"/>
+          </a:avLst>
+        </a:prstGeom>
+        <a:gradFill rotWithShape="0">
+          <a:gsLst>
+            <a:gs pos="0">
+              <a:schemeClr val="accent5">
+                <a:hueOff val="1349193"/>
+                <a:satOff val="17923"/>
+                <a:lumOff val="441"/>
+                <a:alphaOff val="0"/>
+                <a:tint val="96000"/>
+                <a:lumMod val="102000"/>
+              </a:schemeClr>
+            </a:gs>
+            <a:gs pos="100000">
+              <a:schemeClr val="accent5">
+                <a:hueOff val="1349193"/>
+                <a:satOff val="17923"/>
+                <a:lumOff val="441"/>
+                <a:alphaOff val="0"/>
+                <a:shade val="88000"/>
+                <a:lumMod val="94000"/>
+              </a:schemeClr>
+            </a:gs>
+          </a:gsLst>
+          <a:path path="circle">
+            <a:fillToRect l="50000" t="100000" r="100000" b="50000"/>
+          </a:path>
+        </a:gradFill>
+        <a:ln w="9525" cap="rnd" cmpd="sng" algn="ctr">
+          <a:solidFill>
+            <a:schemeClr val="accent5">
+              <a:hueOff val="1349193"/>
+              <a:satOff val="17923"/>
+              <a:lumOff val="441"/>
+              <a:alphaOff val="0"/>
+            </a:schemeClr>
+          </a:solidFill>
+          <a:prstDash val="solid"/>
+        </a:ln>
+        <a:effectLst>
+          <a:outerShdw blurRad="38100" dist="25400" dir="5400000" rotWithShape="0">
+            <a:srgbClr val="000000">
+              <a:alpha val="64000"/>
+            </a:srgbClr>
+          </a:outerShdw>
+        </a:effectLst>
+        <a:scene3d>
+          <a:camera prst="orthographicFront">
+            <a:rot lat="0" lon="0" rev="0"/>
+          </a:camera>
+          <a:lightRig rig="threePt" dir="tl">
+            <a:rot lat="0" lon="0" rev="1200000"/>
+          </a:lightRig>
+        </a:scene3d>
+        <a:sp3d>
+          <a:bevelT w="25400" h="12700"/>
+        </a:sp3d>
+      </dsp:spPr>
+      <dsp:style>
+        <a:lnRef idx="1">
+          <a:scrgbClr r="0" g="0" b="0"/>
+        </a:lnRef>
+        <a:fillRef idx="3">
+          <a:scrgbClr r="0" g="0" b="0"/>
+        </a:fillRef>
+        <a:effectRef idx="3">
+          <a:scrgbClr r="0" g="0" b="0"/>
+        </a:effectRef>
+        <a:fontRef idx="minor">
+          <a:schemeClr val="lt1"/>
+        </a:fontRef>
+      </dsp:style>
+    </dsp:sp>
+    <dsp:sp modelId="{576DA655-EC4E-450C-B95D-CEE060BC89D1}">
+      <dsp:nvSpPr>
+        <dsp:cNvPr id="0" name=""/>
+        <dsp:cNvSpPr/>
+      </dsp:nvSpPr>
+      <dsp:spPr>
+        <a:xfrm>
+          <a:off x="5117872" y="1781125"/>
+          <a:ext cx="1352620" cy="1185650"/>
+        </a:xfrm>
+        <a:prstGeom prst="rect">
+          <a:avLst/>
+        </a:prstGeom>
+        <a:noFill/>
+        <a:ln>
+          <a:noFill/>
+        </a:ln>
+        <a:effectLst/>
+      </dsp:spPr>
+      <dsp:style>
+        <a:lnRef idx="0">
+          <a:scrgbClr r="0" g="0" b="0"/>
+        </a:lnRef>
+        <a:fillRef idx="0">
+          <a:scrgbClr r="0" g="0" b="0"/>
+        </a:fillRef>
+        <a:effectRef idx="0">
+          <a:scrgbClr r="0" g="0" b="0"/>
+        </a:effectRef>
+        <a:fontRef idx="minor"/>
+      </dsp:style>
+      <dsp:txBody>
+        <a:bodyPr spcFirstLastPara="0" vert="horz" wrap="square" lIns="68580" tIns="68580" rIns="68580" bIns="68580" numCol="1" spcCol="1270" anchor="t" anchorCtr="0">
+          <a:noAutofit/>
+        </a:bodyPr>
+        <a:lstStyle/>
+        <a:p>
+          <a:pPr lvl="0" algn="l" defTabSz="800100">
+            <a:lnSpc>
+              <a:spcPct val="90000"/>
+            </a:lnSpc>
+            <a:spcBef>
+              <a:spcPct val="0"/>
+            </a:spcBef>
+            <a:spcAft>
+              <a:spcPct val="35000"/>
+            </a:spcAft>
+          </a:pPr>
+          <a:r>
+            <a:rPr lang="es-CO" sz="1800" kern="1200" dirty="0" smtClean="0"/>
+            <a:t>Definición de proyectos (</a:t>
+          </a:r>
+          <a:r>
+            <a:rPr lang="es-CO" sz="1800" kern="1200" dirty="0" err="1" smtClean="0"/>
+            <a:t>Roadmap</a:t>
+          </a:r>
+          <a:r>
+            <a:rPr lang="es-CO" sz="1800" kern="1200" dirty="0" smtClean="0"/>
+            <a:t>)</a:t>
+          </a:r>
+        </a:p>
+      </dsp:txBody>
+      <dsp:txXfrm>
+        <a:off x="5117872" y="1781125"/>
+        <a:ext cx="1352620" cy="1185650"/>
+      </dsp:txXfrm>
+    </dsp:sp>
+    <dsp:sp modelId="{2222C03E-07B1-4750-A0C1-816A9BE7674B}">
+      <dsp:nvSpPr>
+        <dsp:cNvPr id="0" name=""/>
+        <dsp:cNvSpPr/>
+      </dsp:nvSpPr>
+      <dsp:spPr>
+        <a:xfrm>
+          <a:off x="6215281" y="1223172"/>
+          <a:ext cx="255211" cy="255211"/>
+        </a:xfrm>
+        <a:prstGeom prst="triangle">
+          <a:avLst>
+            <a:gd name="adj" fmla="val 100000"/>
+          </a:avLst>
+        </a:prstGeom>
+        <a:gradFill rotWithShape="0">
+          <a:gsLst>
+            <a:gs pos="0">
+              <a:schemeClr val="accent5">
+                <a:hueOff val="1574058"/>
+                <a:satOff val="20911"/>
+                <a:lumOff val="514"/>
+                <a:alphaOff val="0"/>
+                <a:tint val="96000"/>
+                <a:lumMod val="102000"/>
+              </a:schemeClr>
+            </a:gs>
+            <a:gs pos="100000">
+              <a:schemeClr val="accent5">
+                <a:hueOff val="1574058"/>
+                <a:satOff val="20911"/>
+                <a:lumOff val="514"/>
+                <a:alphaOff val="0"/>
+                <a:shade val="88000"/>
+                <a:lumMod val="94000"/>
+              </a:schemeClr>
+            </a:gs>
+          </a:gsLst>
+          <a:path path="circle">
+            <a:fillToRect l="50000" t="100000" r="100000" b="50000"/>
+          </a:path>
+        </a:gradFill>
+        <a:ln w="9525" cap="rnd" cmpd="sng" algn="ctr">
+          <a:solidFill>
+            <a:schemeClr val="accent5">
+              <a:hueOff val="1574058"/>
+              <a:satOff val="20911"/>
+              <a:lumOff val="514"/>
+              <a:alphaOff val="0"/>
+            </a:schemeClr>
+          </a:solidFill>
+          <a:prstDash val="solid"/>
+        </a:ln>
+        <a:effectLst>
+          <a:outerShdw blurRad="38100" dist="25400" dir="5400000" rotWithShape="0">
+            <a:srgbClr val="000000">
+              <a:alpha val="64000"/>
+            </a:srgbClr>
+          </a:outerShdw>
+        </a:effectLst>
+        <a:scene3d>
+          <a:camera prst="orthographicFront">
+            <a:rot lat="0" lon="0" rev="0"/>
+          </a:camera>
+          <a:lightRig rig="threePt" dir="tl">
+            <a:rot lat="0" lon="0" rev="1200000"/>
+          </a:lightRig>
+        </a:scene3d>
+        <a:sp3d>
+          <a:bevelT w="25400" h="12700"/>
+        </a:sp3d>
+      </dsp:spPr>
+      <dsp:style>
+        <a:lnRef idx="1">
+          <a:scrgbClr r="0" g="0" b="0"/>
+        </a:lnRef>
+        <a:fillRef idx="3">
+          <a:scrgbClr r="0" g="0" b="0"/>
+        </a:fillRef>
+        <a:effectRef idx="3">
+          <a:scrgbClr r="0" g="0" b="0"/>
+        </a:effectRef>
+        <a:fontRef idx="minor">
+          <a:schemeClr val="lt1"/>
+        </a:fontRef>
+      </dsp:style>
+    </dsp:sp>
+    <dsp:sp modelId="{6936BB9A-DE93-45F4-A533-420AA33415C4}">
+      <dsp:nvSpPr>
+        <dsp:cNvPr id="0" name=""/>
+        <dsp:cNvSpPr/>
+      </dsp:nvSpPr>
+      <dsp:spPr>
+        <a:xfrm rot="5400000">
+          <a:off x="6924042" y="923727"/>
+          <a:ext cx="900397" cy="1498240"/>
+        </a:xfrm>
+        <a:prstGeom prst="corner">
+          <a:avLst>
+            <a:gd name="adj1" fmla="val 16120"/>
+            <a:gd name="adj2" fmla="val 16110"/>
+          </a:avLst>
+        </a:prstGeom>
+        <a:gradFill rotWithShape="0">
+          <a:gsLst>
+            <a:gs pos="0">
+              <a:schemeClr val="accent5">
+                <a:hueOff val="1798923"/>
+                <a:satOff val="23898"/>
+                <a:lumOff val="588"/>
+                <a:alphaOff val="0"/>
+                <a:tint val="96000"/>
+                <a:lumMod val="102000"/>
+              </a:schemeClr>
+            </a:gs>
+            <a:gs pos="100000">
+              <a:schemeClr val="accent5">
+                <a:hueOff val="1798923"/>
+                <a:satOff val="23898"/>
+                <a:lumOff val="588"/>
+                <a:alphaOff val="0"/>
+                <a:shade val="88000"/>
+                <a:lumMod val="94000"/>
+              </a:schemeClr>
+            </a:gs>
+          </a:gsLst>
+          <a:path path="circle">
+            <a:fillToRect l="50000" t="100000" r="100000" b="50000"/>
+          </a:path>
+        </a:gradFill>
+        <a:ln w="9525" cap="rnd" cmpd="sng" algn="ctr">
+          <a:solidFill>
+            <a:schemeClr val="accent5">
+              <a:hueOff val="1798923"/>
+              <a:satOff val="23898"/>
+              <a:lumOff val="588"/>
+              <a:alphaOff val="0"/>
+            </a:schemeClr>
+          </a:solidFill>
+          <a:prstDash val="solid"/>
+        </a:ln>
+        <a:effectLst>
+          <a:outerShdw blurRad="38100" dist="25400" dir="5400000" rotWithShape="0">
+            <a:srgbClr val="000000">
+              <a:alpha val="64000"/>
+            </a:srgbClr>
+          </a:outerShdw>
+        </a:effectLst>
+        <a:scene3d>
+          <a:camera prst="orthographicFront">
+            <a:rot lat="0" lon="0" rev="0"/>
+          </a:camera>
+          <a:lightRig rig="threePt" dir="tl">
+            <a:rot lat="0" lon="0" rev="1200000"/>
+          </a:lightRig>
+        </a:scene3d>
+        <a:sp3d>
+          <a:bevelT w="25400" h="12700"/>
+        </a:sp3d>
+      </dsp:spPr>
+      <dsp:style>
+        <a:lnRef idx="1">
+          <a:scrgbClr r="0" g="0" b="0"/>
+        </a:lnRef>
+        <a:fillRef idx="3">
+          <a:scrgbClr r="0" g="0" b="0"/>
+        </a:fillRef>
+        <a:effectRef idx="3">
+          <a:scrgbClr r="0" g="0" b="0"/>
+        </a:effectRef>
+        <a:fontRef idx="minor">
+          <a:schemeClr val="lt1"/>
+        </a:fontRef>
+      </dsp:style>
+    </dsp:sp>
+    <dsp:sp modelId="{F249C281-FEF8-481D-B0F4-B8EF2414C015}">
+      <dsp:nvSpPr>
+        <dsp:cNvPr id="0" name=""/>
+        <dsp:cNvSpPr/>
+      </dsp:nvSpPr>
+      <dsp:spPr>
+        <a:xfrm>
+          <a:off x="6773744" y="1371378"/>
+          <a:ext cx="1352620" cy="1185650"/>
+        </a:xfrm>
+        <a:prstGeom prst="rect">
+          <a:avLst/>
+        </a:prstGeom>
+        <a:noFill/>
+        <a:ln>
+          <a:noFill/>
+        </a:ln>
+        <a:effectLst/>
+      </dsp:spPr>
+      <dsp:style>
+        <a:lnRef idx="0">
+          <a:scrgbClr r="0" g="0" b="0"/>
+        </a:lnRef>
+        <a:fillRef idx="0">
+          <a:scrgbClr r="0" g="0" b="0"/>
+        </a:fillRef>
+        <a:effectRef idx="0">
+          <a:scrgbClr r="0" g="0" b="0"/>
+        </a:effectRef>
+        <a:fontRef idx="minor"/>
+      </dsp:style>
+      <dsp:txBody>
+        <a:bodyPr spcFirstLastPara="0" vert="horz" wrap="square" lIns="68580" tIns="68580" rIns="68580" bIns="68580" numCol="1" spcCol="1270" anchor="t" anchorCtr="0">
+          <a:noAutofit/>
+        </a:bodyPr>
+        <a:lstStyle/>
+        <a:p>
+          <a:pPr lvl="0" algn="l" defTabSz="800100">
+            <a:lnSpc>
+              <a:spcPct val="90000"/>
+            </a:lnSpc>
+            <a:spcBef>
+              <a:spcPct val="0"/>
+            </a:spcBef>
+            <a:spcAft>
+              <a:spcPct val="35000"/>
+            </a:spcAft>
+          </a:pPr>
+          <a:r>
+            <a:rPr lang="es-CO" sz="1800" kern="1200" dirty="0" smtClean="0"/>
+            <a:t>Diseño</a:t>
+          </a:r>
+        </a:p>
+        <a:p>
+          <a:pPr lvl="0" algn="l" defTabSz="800100">
+            <a:lnSpc>
+              <a:spcPct val="90000"/>
+            </a:lnSpc>
+            <a:spcBef>
+              <a:spcPct val="0"/>
+            </a:spcBef>
+            <a:spcAft>
+              <a:spcPct val="35000"/>
+            </a:spcAft>
+          </a:pPr>
+          <a:r>
+            <a:rPr lang="es-CO" sz="1800" kern="1200" dirty="0" smtClean="0"/>
+            <a:t>Arquitectura de solución</a:t>
+          </a:r>
+        </a:p>
+      </dsp:txBody>
+      <dsp:txXfrm>
+        <a:off x="6773744" y="1371378"/>
+        <a:ext cx="1352620" cy="1185650"/>
+      </dsp:txXfrm>
+    </dsp:sp>
+  </dsp:spTree>
+</dsp:drawing>
+</file>
+
+<file path=ppt/diagrams/drawing3.xml><?xml version="1.0" encoding="utf-8"?>
+<dsp:drawing xmlns:dgm="http://schemas.openxmlformats.org/drawingml/2006/diagram" xmlns:dsp="http://schemas.microsoft.com/office/drawing/2008/diagram" xmlns:a="http://schemas.openxmlformats.org/drawingml/2006/main">
+  <dsp:spTree>
+    <dsp:nvGrpSpPr>
+      <dsp:cNvPr id="0" name=""/>
+      <dsp:cNvGrpSpPr/>
+    </dsp:nvGrpSpPr>
+    <dsp:grpSpPr/>
+    <dsp:sp modelId="{BE94EA48-EDD7-479B-8AA0-84D22D63CF3A}">
+      <dsp:nvSpPr>
+        <dsp:cNvPr id="0" name=""/>
+        <dsp:cNvSpPr/>
+      </dsp:nvSpPr>
+      <dsp:spPr>
+        <a:xfrm>
+          <a:off x="685100" y="2159821"/>
+          <a:ext cx="1791528" cy="1791528"/>
+        </a:xfrm>
+        <a:prstGeom prst="donut">
+          <a:avLst>
+            <a:gd name="adj" fmla="val 20000"/>
+          </a:avLst>
+        </a:prstGeom>
+        <a:gradFill rotWithShape="0">
+          <a:gsLst>
+            <a:gs pos="0">
+              <a:schemeClr val="accent1">
+                <a:shade val="60000"/>
+                <a:hueOff val="0"/>
+                <a:satOff val="0"/>
+                <a:lumOff val="0"/>
+                <a:alphaOff val="0"/>
+                <a:tint val="96000"/>
+                <a:lumMod val="102000"/>
+              </a:schemeClr>
+            </a:gs>
+            <a:gs pos="100000">
+              <a:schemeClr val="accent1">
+                <a:shade val="60000"/>
+                <a:hueOff val="0"/>
+                <a:satOff val="0"/>
+                <a:lumOff val="0"/>
+                <a:alphaOff val="0"/>
+                <a:shade val="88000"/>
+                <a:lumMod val="94000"/>
+              </a:schemeClr>
+            </a:gs>
+          </a:gsLst>
+          <a:path path="circle">
+            <a:fillToRect l="50000" t="100000" r="100000" b="50000"/>
+          </a:path>
+        </a:gradFill>
+        <a:ln>
+          <a:noFill/>
+        </a:ln>
+        <a:effectLst>
+          <a:reflection blurRad="12700" stA="26000" endPos="32000" dist="12700" dir="5400000" sy="-100000" rotWithShape="0"/>
+        </a:effectLst>
+      </dsp:spPr>
+      <dsp:style>
+        <a:lnRef idx="0">
+          <a:scrgbClr r="0" g="0" b="0"/>
+        </a:lnRef>
+        <a:fillRef idx="3">
+          <a:scrgbClr r="0" g="0" b="0"/>
+        </a:fillRef>
+        <a:effectRef idx="2">
+          <a:scrgbClr r="0" g="0" b="0"/>
+        </a:effectRef>
+        <a:fontRef idx="minor">
+          <a:schemeClr val="lt1"/>
+        </a:fontRef>
+      </dsp:style>
+    </dsp:sp>
+    <dsp:sp modelId="{43BF2806-F1C0-4A44-AFCE-F0F72CF6E199}">
+      <dsp:nvSpPr>
+        <dsp:cNvPr id="0" name=""/>
+        <dsp:cNvSpPr/>
+      </dsp:nvSpPr>
+      <dsp:spPr>
+        <a:xfrm rot="17700000">
+          <a:off x="1316354" y="699360"/>
+          <a:ext cx="2227069" cy="1073275"/>
+        </a:xfrm>
+        <a:prstGeom prst="rect">
+          <a:avLst/>
+        </a:prstGeom>
+        <a:noFill/>
+        <a:ln>
+          <a:noFill/>
+        </a:ln>
+        <a:effectLst/>
+      </dsp:spPr>
+      <dsp:style>
+        <a:lnRef idx="0">
+          <a:scrgbClr r="0" g="0" b="0"/>
+        </a:lnRef>
+        <a:fillRef idx="0">
+          <a:scrgbClr r="0" g="0" b="0"/>
+        </a:fillRef>
+        <a:effectRef idx="0">
+          <a:scrgbClr r="0" g="0" b="0"/>
+        </a:effectRef>
+        <a:fontRef idx="minor"/>
+      </dsp:style>
+      <dsp:txBody>
+        <a:bodyPr spcFirstLastPara="0" vert="horz" wrap="square" lIns="60960" tIns="0" rIns="0" bIns="0" numCol="1" spcCol="1270" anchor="ctr" anchorCtr="0">
+          <a:noAutofit/>
+        </a:bodyPr>
+        <a:lstStyle/>
+        <a:p>
+          <a:pPr lvl="0" algn="l" defTabSz="1066800">
+            <a:lnSpc>
+              <a:spcPct val="90000"/>
+            </a:lnSpc>
+            <a:spcBef>
+              <a:spcPct val="0"/>
+            </a:spcBef>
+            <a:spcAft>
+              <a:spcPct val="35000"/>
+            </a:spcAft>
+          </a:pPr>
+          <a:r>
+            <a:rPr lang="es-CO" sz="2400" kern="1200" dirty="0" smtClean="0"/>
+            <a:t>26 Julio 2013</a:t>
+          </a:r>
+          <a:endParaRPr lang="es-CO" sz="2400" kern="1200" dirty="0"/>
+        </a:p>
+      </dsp:txBody>
+      <dsp:txXfrm>
+        <a:off x="1316354" y="699360"/>
+        <a:ext cx="2227069" cy="1073275"/>
+      </dsp:txXfrm>
+    </dsp:sp>
+    <dsp:sp modelId="{61CB9A04-D54E-41A5-B655-532DC4F7EB11}">
+      <dsp:nvSpPr>
+        <dsp:cNvPr id="0" name=""/>
+        <dsp:cNvSpPr/>
+      </dsp:nvSpPr>
+      <dsp:spPr>
+        <a:xfrm>
+          <a:off x="2611573" y="2590627"/>
+          <a:ext cx="929916" cy="929916"/>
+        </a:xfrm>
+        <a:prstGeom prst="ellipse">
+          <a:avLst/>
+        </a:prstGeom>
+        <a:gradFill rotWithShape="0">
+          <a:gsLst>
+            <a:gs pos="0">
+              <a:schemeClr val="accent1">
+                <a:shade val="50000"/>
+                <a:hueOff val="0"/>
+                <a:satOff val="0"/>
+                <a:lumOff val="0"/>
+                <a:alphaOff val="0"/>
+                <a:tint val="96000"/>
+                <a:lumMod val="102000"/>
+              </a:schemeClr>
+            </a:gs>
+            <a:gs pos="100000">
+              <a:schemeClr val="accent1">
+                <a:shade val="50000"/>
+                <a:hueOff val="0"/>
+                <a:satOff val="0"/>
+                <a:lumOff val="0"/>
+                <a:alphaOff val="0"/>
+                <a:shade val="88000"/>
+                <a:lumMod val="94000"/>
+              </a:schemeClr>
+            </a:gs>
+          </a:gsLst>
+          <a:path path="circle">
+            <a:fillToRect l="50000" t="100000" r="100000" b="50000"/>
+          </a:path>
+        </a:gradFill>
+        <a:ln>
+          <a:noFill/>
+        </a:ln>
+        <a:effectLst>
+          <a:reflection blurRad="12700" stA="26000" endPos="32000" dist="12700" dir="5400000" sy="-100000" rotWithShape="0"/>
+        </a:effectLst>
+      </dsp:spPr>
+      <dsp:style>
+        <a:lnRef idx="0">
+          <a:scrgbClr r="0" g="0" b="0"/>
+        </a:lnRef>
+        <a:fillRef idx="3">
+          <a:scrgbClr r="0" g="0" b="0"/>
+        </a:fillRef>
+        <a:effectRef idx="2">
+          <a:scrgbClr r="0" g="0" b="0"/>
+        </a:effectRef>
+        <a:fontRef idx="minor">
+          <a:schemeClr val="lt1"/>
+        </a:fontRef>
+      </dsp:style>
+    </dsp:sp>
+    <dsp:sp modelId="{7B7928D1-5F7C-48EA-A2FA-80FA8EAB0207}">
+      <dsp:nvSpPr>
+        <dsp:cNvPr id="0" name=""/>
+        <dsp:cNvSpPr/>
+      </dsp:nvSpPr>
+      <dsp:spPr>
+        <a:xfrm rot="17700000">
+          <a:off x="1510214" y="3884925"/>
+          <a:ext cx="1926519" cy="928895"/>
+        </a:xfrm>
+        <a:prstGeom prst="rect">
+          <a:avLst/>
+        </a:prstGeom>
+        <a:noFill/>
+        <a:ln>
+          <a:noFill/>
+        </a:ln>
+        <a:effectLst/>
+      </dsp:spPr>
+      <dsp:style>
+        <a:lnRef idx="0">
+          <a:scrgbClr r="0" g="0" b="0"/>
+        </a:lnRef>
+        <a:fillRef idx="0">
+          <a:scrgbClr r="0" g="0" b="0"/>
+        </a:fillRef>
+        <a:effectRef idx="0">
+          <a:scrgbClr r="0" g="0" b="0"/>
+        </a:effectRef>
+        <a:fontRef idx="minor"/>
+      </dsp:style>
+      <dsp:txBody>
+        <a:bodyPr spcFirstLastPara="0" vert="horz" wrap="square" lIns="0" tIns="0" rIns="50800" bIns="0" numCol="1" spcCol="1270" anchor="ctr" anchorCtr="0">
+          <a:noAutofit/>
+        </a:bodyPr>
+        <a:lstStyle/>
+        <a:p>
+          <a:pPr lvl="0" algn="r" defTabSz="889000">
+            <a:lnSpc>
+              <a:spcPct val="90000"/>
+            </a:lnSpc>
+            <a:spcBef>
+              <a:spcPct val="0"/>
+            </a:spcBef>
+            <a:spcAft>
+              <a:spcPct val="35000"/>
+            </a:spcAft>
+          </a:pPr>
+          <a:r>
+            <a:rPr lang="es-CO" sz="2000" kern="1200" dirty="0" smtClean="0"/>
+            <a:t>16 Semanas</a:t>
+          </a:r>
+          <a:endParaRPr lang="es-CO" sz="2000" kern="1200" dirty="0"/>
+        </a:p>
+      </dsp:txBody>
+      <dsp:txXfrm>
+        <a:off x="1510214" y="3884925"/>
+        <a:ext cx="1926519" cy="928895"/>
+      </dsp:txXfrm>
+    </dsp:sp>
+    <dsp:sp modelId="{2DC8E875-7D58-4F99-842C-E6B60FE39627}">
+      <dsp:nvSpPr>
+        <dsp:cNvPr id="0" name=""/>
+        <dsp:cNvSpPr/>
+      </dsp:nvSpPr>
+      <dsp:spPr>
+        <a:xfrm rot="17700000">
+          <a:off x="2716329" y="1297351"/>
+          <a:ext cx="1926519" cy="928895"/>
+        </a:xfrm>
+        <a:prstGeom prst="rect">
+          <a:avLst/>
+        </a:prstGeom>
+        <a:noFill/>
+        <a:ln>
+          <a:noFill/>
+        </a:ln>
+        <a:effectLst/>
+      </dsp:spPr>
+      <dsp:style>
+        <a:lnRef idx="0">
+          <a:scrgbClr r="0" g="0" b="0"/>
+        </a:lnRef>
+        <a:fillRef idx="0">
+          <a:scrgbClr r="0" g="0" b="0"/>
+        </a:fillRef>
+        <a:effectRef idx="0">
+          <a:scrgbClr r="0" g="0" b="0"/>
+        </a:effectRef>
+        <a:fontRef idx="minor"/>
+      </dsp:style>
+    </dsp:sp>
+    <dsp:sp modelId="{BFEE6E04-4F28-4FAD-8574-E768B560E677}">
+      <dsp:nvSpPr>
+        <dsp:cNvPr id="0" name=""/>
+        <dsp:cNvSpPr/>
+      </dsp:nvSpPr>
+      <dsp:spPr>
+        <a:xfrm>
+          <a:off x="3453557" y="2567184"/>
+          <a:ext cx="929916" cy="929916"/>
+        </a:xfrm>
+        <a:prstGeom prst="ellipse">
+          <a:avLst/>
+        </a:prstGeom>
+        <a:gradFill rotWithShape="0">
+          <a:gsLst>
+            <a:gs pos="0">
+              <a:schemeClr val="accent1">
+                <a:shade val="50000"/>
+                <a:hueOff val="0"/>
+                <a:satOff val="-39208"/>
+                <a:lumOff val="48369"/>
+                <a:alphaOff val="0"/>
+                <a:tint val="96000"/>
+                <a:lumMod val="102000"/>
+              </a:schemeClr>
+            </a:gs>
+            <a:gs pos="100000">
+              <a:schemeClr val="accent1">
+                <a:shade val="50000"/>
+                <a:hueOff val="0"/>
+                <a:satOff val="-39208"/>
+                <a:lumOff val="48369"/>
+                <a:alphaOff val="0"/>
+                <a:shade val="88000"/>
+                <a:lumMod val="94000"/>
+              </a:schemeClr>
+            </a:gs>
+          </a:gsLst>
+          <a:path path="circle">
+            <a:fillToRect l="50000" t="100000" r="100000" b="50000"/>
+          </a:path>
+        </a:gradFill>
+        <a:ln>
+          <a:noFill/>
+        </a:ln>
+        <a:effectLst>
+          <a:reflection blurRad="12700" stA="26000" endPos="32000" dist="12700" dir="5400000" sy="-100000" rotWithShape="0"/>
+        </a:effectLst>
+      </dsp:spPr>
+      <dsp:style>
+        <a:lnRef idx="0">
+          <a:scrgbClr r="0" g="0" b="0"/>
+        </a:lnRef>
+        <a:fillRef idx="3">
+          <a:scrgbClr r="0" g="0" b="0"/>
+        </a:fillRef>
+        <a:effectRef idx="2">
+          <a:scrgbClr r="0" g="0" b="0"/>
+        </a:effectRef>
+        <a:fontRef idx="minor">
+          <a:schemeClr val="lt1"/>
+        </a:fontRef>
+      </dsp:style>
+    </dsp:sp>
+    <dsp:sp modelId="{DBBAE0E8-8BAE-4644-8CB3-E2B447BF7A0E}">
+      <dsp:nvSpPr>
+        <dsp:cNvPr id="0" name=""/>
+        <dsp:cNvSpPr/>
+      </dsp:nvSpPr>
+      <dsp:spPr>
+        <a:xfrm rot="17700000">
+          <a:off x="3395553" y="1774759"/>
+          <a:ext cx="1926519" cy="928895"/>
+        </a:xfrm>
+        <a:prstGeom prst="rect">
+          <a:avLst/>
+        </a:prstGeom>
+        <a:noFill/>
+        <a:ln>
+          <a:noFill/>
+        </a:ln>
+        <a:effectLst/>
+      </dsp:spPr>
+      <dsp:style>
+        <a:lnRef idx="0">
+          <a:scrgbClr r="0" g="0" b="0"/>
+        </a:lnRef>
+        <a:fillRef idx="0">
+          <a:scrgbClr r="0" g="0" b="0"/>
+        </a:fillRef>
+        <a:effectRef idx="0">
+          <a:scrgbClr r="0" g="0" b="0"/>
+        </a:effectRef>
+        <a:fontRef idx="minor"/>
+      </dsp:style>
+      <dsp:txBody>
+        <a:bodyPr spcFirstLastPara="0" vert="horz" wrap="square" lIns="0" tIns="0" rIns="60960" bIns="0" numCol="1" spcCol="1270" anchor="ctr" anchorCtr="0">
+          <a:noAutofit/>
+        </a:bodyPr>
+        <a:lstStyle/>
+        <a:p>
+          <a:pPr lvl="0" algn="r" defTabSz="1066800">
+            <a:lnSpc>
+              <a:spcPct val="90000"/>
+            </a:lnSpc>
+            <a:spcBef>
+              <a:spcPct val="0"/>
+            </a:spcBef>
+            <a:spcAft>
+              <a:spcPct val="35000"/>
+            </a:spcAft>
+          </a:pPr>
+          <a:r>
+            <a:rPr lang="es-CO" sz="2400" kern="1200" dirty="0" smtClean="0"/>
+            <a:t>480 horas</a:t>
+          </a:r>
+          <a:endParaRPr lang="es-CO" sz="2400" kern="1200" dirty="0"/>
+        </a:p>
+      </dsp:txBody>
+      <dsp:txXfrm>
+        <a:off x="3395553" y="1774759"/>
+        <a:ext cx="1926519" cy="928895"/>
+      </dsp:txXfrm>
+    </dsp:sp>
+    <dsp:sp modelId="{DD9747A6-BF8F-4A63-9E4E-AA6E614FACB2}">
+      <dsp:nvSpPr>
+        <dsp:cNvPr id="0" name=""/>
+        <dsp:cNvSpPr/>
+      </dsp:nvSpPr>
+      <dsp:spPr>
+        <a:xfrm rot="17700000">
+          <a:off x="3781047" y="1297351"/>
+          <a:ext cx="1926519" cy="928895"/>
+        </a:xfrm>
+        <a:prstGeom prst="rect">
+          <a:avLst/>
+        </a:prstGeom>
+        <a:noFill/>
+        <a:ln>
+          <a:noFill/>
+        </a:ln>
+        <a:effectLst/>
+      </dsp:spPr>
+      <dsp:style>
+        <a:lnRef idx="0">
+          <a:scrgbClr r="0" g="0" b="0"/>
+        </a:lnRef>
+        <a:fillRef idx="0">
+          <a:scrgbClr r="0" g="0" b="0"/>
+        </a:fillRef>
+        <a:effectRef idx="0">
+          <a:scrgbClr r="0" g="0" b="0"/>
+        </a:effectRef>
+        <a:fontRef idx="minor"/>
+      </dsp:style>
+    </dsp:sp>
+    <dsp:sp modelId="{C6CF8707-D1D1-4FA8-9757-839E00FCF767}">
+      <dsp:nvSpPr>
+        <dsp:cNvPr id="0" name=""/>
+        <dsp:cNvSpPr/>
+      </dsp:nvSpPr>
+      <dsp:spPr>
+        <a:xfrm>
+          <a:off x="4577030" y="2171538"/>
+          <a:ext cx="1791528" cy="1791528"/>
+        </a:xfrm>
+        <a:prstGeom prst="donut">
+          <a:avLst>
+            <a:gd name="adj" fmla="val 20000"/>
+          </a:avLst>
+        </a:prstGeom>
+        <a:gradFill rotWithShape="0">
+          <a:gsLst>
+            <a:gs pos="0">
+              <a:schemeClr val="accent1">
+                <a:shade val="60000"/>
+                <a:hueOff val="0"/>
+                <a:satOff val="0"/>
+                <a:lumOff val="0"/>
+                <a:alphaOff val="0"/>
+                <a:tint val="96000"/>
+                <a:lumMod val="102000"/>
+              </a:schemeClr>
+            </a:gs>
+            <a:gs pos="100000">
+              <a:schemeClr val="accent1">
+                <a:shade val="60000"/>
+                <a:hueOff val="0"/>
+                <a:satOff val="0"/>
+                <a:lumOff val="0"/>
+                <a:alphaOff val="0"/>
+                <a:shade val="88000"/>
+                <a:lumMod val="94000"/>
+              </a:schemeClr>
+            </a:gs>
+          </a:gsLst>
+          <a:path path="circle">
+            <a:fillToRect l="50000" t="100000" r="100000" b="50000"/>
+          </a:path>
+        </a:gradFill>
+        <a:ln>
+          <a:noFill/>
+        </a:ln>
+        <a:effectLst>
+          <a:reflection blurRad="12700" stA="26000" endPos="32000" dist="12700" dir="5400000" sy="-100000" rotWithShape="0"/>
+        </a:effectLst>
+      </dsp:spPr>
+      <dsp:style>
+        <a:lnRef idx="0">
+          <a:scrgbClr r="0" g="0" b="0"/>
+        </a:lnRef>
+        <a:fillRef idx="3">
+          <a:scrgbClr r="0" g="0" b="0"/>
+        </a:fillRef>
+        <a:effectRef idx="2">
+          <a:scrgbClr r="0" g="0" b="0"/>
+        </a:effectRef>
+        <a:fontRef idx="minor">
+          <a:schemeClr val="lt1"/>
+        </a:fontRef>
+      </dsp:style>
+    </dsp:sp>
+    <dsp:sp modelId="{1C92C585-9ADA-41CB-9620-FBEF8B32443B}">
+      <dsp:nvSpPr>
+        <dsp:cNvPr id="0" name=""/>
+        <dsp:cNvSpPr/>
+      </dsp:nvSpPr>
+      <dsp:spPr>
+        <a:xfrm rot="17700000">
+          <a:off x="5606861" y="738689"/>
+          <a:ext cx="2227069" cy="1073275"/>
+        </a:xfrm>
+        <a:prstGeom prst="rect">
+          <a:avLst/>
+        </a:prstGeom>
+        <a:noFill/>
+        <a:ln>
+          <a:noFill/>
+        </a:ln>
+        <a:effectLst/>
+      </dsp:spPr>
+      <dsp:style>
+        <a:lnRef idx="0">
+          <a:scrgbClr r="0" g="0" b="0"/>
+        </a:lnRef>
+        <a:fillRef idx="0">
+          <a:scrgbClr r="0" g="0" b="0"/>
+        </a:fillRef>
+        <a:effectRef idx="0">
+          <a:scrgbClr r="0" g="0" b="0"/>
+        </a:effectRef>
+        <a:fontRef idx="minor"/>
+      </dsp:style>
+      <dsp:txBody>
+        <a:bodyPr spcFirstLastPara="0" vert="horz" wrap="square" lIns="60960" tIns="0" rIns="0" bIns="0" numCol="1" spcCol="1270" anchor="ctr" anchorCtr="0">
+          <a:noAutofit/>
+        </a:bodyPr>
+        <a:lstStyle/>
+        <a:p>
+          <a:pPr lvl="0" algn="l" defTabSz="1066800">
+            <a:lnSpc>
+              <a:spcPct val="90000"/>
+            </a:lnSpc>
+            <a:spcBef>
+              <a:spcPct val="0"/>
+            </a:spcBef>
+            <a:spcAft>
+              <a:spcPct val="35000"/>
+            </a:spcAft>
+          </a:pPr>
+          <a:r>
+            <a:rPr lang="es-CO" sz="2400" kern="1200" dirty="0" smtClean="0"/>
+            <a:t>16 Noviembre 2013</a:t>
+          </a:r>
+          <a:endParaRPr lang="es-CO" sz="2400" kern="1200" dirty="0"/>
+        </a:p>
+      </dsp:txBody>
+      <dsp:txXfrm>
+        <a:off x="5606861" y="738689"/>
+        <a:ext cx="2227069" cy="1073275"/>
+      </dsp:txXfrm>
+    </dsp:sp>
+  </dsp:spTree>
+</dsp:drawing>
+</file>
+
 <file path=ppt/diagrams/layout1.xml><?xml version="1.0" encoding="utf-8"?>
 <dgm:layoutDef xmlns:dgm="http://schemas.openxmlformats.org/drawingml/2006/diagram" xmlns:a="http://schemas.openxmlformats.org/drawingml/2006/main" uniqueId="urn:microsoft.com/office/officeart/2005/8/layout/radial5">
   <dgm:title val=""/>
@@ -2473,6 +6959,753 @@
 </dgm:layoutDef>
 </file>
 
+<file path=ppt/diagrams/layout2.xml><?xml version="1.0" encoding="utf-8"?>
+<dgm:layoutDef xmlns:dgm="http://schemas.openxmlformats.org/drawingml/2006/diagram" xmlns:a="http://schemas.openxmlformats.org/drawingml/2006/main" uniqueId="urn:microsoft.com/office/officeart/2009/3/layout/StepUpProcess">
+  <dgm:title val=""/>
+  <dgm:desc val=""/>
+  <dgm:catLst>
+    <dgm:cat type="process" pri="1300"/>
+  </dgm:catLst>
+  <dgm:sampData>
+    <dgm:dataModel>
+      <dgm:ptLst>
+        <dgm:pt modelId="0" type="doc"/>
+        <dgm:pt modelId="10">
+          <dgm:prSet phldr="1"/>
+        </dgm:pt>
+        <dgm:pt modelId="20">
+          <dgm:prSet phldr="1"/>
+        </dgm:pt>
+        <dgm:pt modelId="30">
+          <dgm:prSet phldr="1"/>
+        </dgm:pt>
+      </dgm:ptLst>
+      <dgm:cxnLst>
+        <dgm:cxn modelId="60" srcId="0" destId="10" srcOrd="0" destOrd="0"/>
+        <dgm:cxn modelId="70" srcId="0" destId="20" srcOrd="1" destOrd="0"/>
+        <dgm:cxn modelId="80" srcId="0" destId="30" srcOrd="2" destOrd="0"/>
+      </dgm:cxnLst>
+      <dgm:bg/>
+      <dgm:whole/>
+    </dgm:dataModel>
+  </dgm:sampData>
+  <dgm:styleData>
+    <dgm:dataModel>
+      <dgm:ptLst>
+        <dgm:pt modelId="0" type="doc"/>
+        <dgm:pt modelId="10">
+          <dgm:prSet phldr="1"/>
+        </dgm:pt>
+        <dgm:pt modelId="20">
+          <dgm:prSet phldr="1"/>
+        </dgm:pt>
+      </dgm:ptLst>
+      <dgm:cxnLst>
+        <dgm:cxn modelId="60" srcId="0" destId="10" srcOrd="0" destOrd="0"/>
+        <dgm:cxn modelId="70" srcId="0" destId="20" srcOrd="1" destOrd="0"/>
+      </dgm:cxnLst>
+      <dgm:bg/>
+      <dgm:whole/>
+    </dgm:dataModel>
+  </dgm:styleData>
+  <dgm:clrData>
+    <dgm:dataModel>
+      <dgm:ptLst>
+        <dgm:pt modelId="0" type="doc"/>
+        <dgm:pt modelId="10">
+          <dgm:prSet phldr="1"/>
+        </dgm:pt>
+        <dgm:pt modelId="20">
+          <dgm:prSet phldr="1"/>
+        </dgm:pt>
+        <dgm:pt modelId="30">
+          <dgm:prSet phldr="1"/>
+        </dgm:pt>
+        <dgm:pt modelId="40">
+          <dgm:prSet phldr="1"/>
+        </dgm:pt>
+      </dgm:ptLst>
+      <dgm:cxnLst>
+        <dgm:cxn modelId="60" srcId="0" destId="10" srcOrd="0" destOrd="0"/>
+        <dgm:cxn modelId="70" srcId="0" destId="20" srcOrd="1" destOrd="0"/>
+        <dgm:cxn modelId="80" srcId="0" destId="30" srcOrd="2" destOrd="0"/>
+        <dgm:cxn modelId="90" srcId="0" destId="40" srcOrd="3" destOrd="0"/>
+      </dgm:cxnLst>
+      <dgm:bg/>
+      <dgm:whole/>
+    </dgm:dataModel>
+  </dgm:clrData>
+  <dgm:layoutNode name="rootnode">
+    <dgm:varLst>
+      <dgm:chMax/>
+      <dgm:chPref/>
+      <dgm:dir/>
+      <dgm:animLvl val="lvl"/>
+    </dgm:varLst>
+    <dgm:choose name="Name0">
+      <dgm:if name="Name1" func="var" arg="dir" op="equ" val="norm">
+        <dgm:alg type="snake">
+          <dgm:param type="grDir" val="bL"/>
+          <dgm:param type="flowDir" val="row"/>
+          <dgm:param type="off" val="off"/>
+          <dgm:param type="bkpt" val="fixed"/>
+          <dgm:param type="bkPtFixedVal" val="1"/>
+        </dgm:alg>
+      </dgm:if>
+      <dgm:else name="Name2">
+        <dgm:alg type="snake">
+          <dgm:param type="grDir" val="bR"/>
+          <dgm:param type="flowDir" val="row"/>
+          <dgm:param type="off" val="off"/>
+          <dgm:param type="bkpt" val="fixed"/>
+          <dgm:param type="bkPtFixedVal" val="1"/>
+        </dgm:alg>
+      </dgm:else>
+    </dgm:choose>
+    <dgm:shape xmlns:r="http://schemas.openxmlformats.org/officeDocument/2006/relationships" r:blip="">
+      <dgm:adjLst/>
+    </dgm:shape>
+    <dgm:constrLst>
+      <dgm:constr type="alignOff" forName="rootnode" val="1"/>
+      <dgm:constr type="primFontSz" for="des" ptType="node" op="equ" val="65"/>
+      <dgm:constr type="w" for="ch" forName="composite" refType="w"/>
+      <dgm:constr type="h" for="ch" forName="composite" refType="h"/>
+      <dgm:constr type="sp" refType="h" refFor="ch" refForName="composite" op="equ" fact="-0.765"/>
+      <dgm:constr type="w" for="ch" forName="sibTrans" refType="w" fact="0.103"/>
+      <dgm:constr type="h" for="ch" forName="sibTrans" refType="h" fact="0.103"/>
+    </dgm:constrLst>
+    <dgm:forEach name="nodesForEach" axis="ch" ptType="node">
+      <dgm:layoutNode name="composite">
+        <dgm:alg type="composite">
+          <dgm:param type="ar" val="0.861"/>
+        </dgm:alg>
+        <dgm:shape xmlns:r="http://schemas.openxmlformats.org/officeDocument/2006/relationships" r:blip="">
+          <dgm:adjLst/>
+        </dgm:shape>
+        <dgm:choose name="Name3">
+          <dgm:if name="Name4" func="var" arg="dir" op="equ" val="norm">
+            <dgm:constrLst>
+              <dgm:constr type="l" for="ch" forName="LShape" refType="w" fact="0"/>
+              <dgm:constr type="t" for="ch" forName="LShape" refType="h" fact="0.2347"/>
+              <dgm:constr type="w" for="ch" forName="LShape" refType="w" fact="0.998"/>
+              <dgm:constr type="h" for="ch" forName="LShape" refType="h" fact="0.5164"/>
+              <dgm:constr type="r" for="ch" forName="ParentText" refType="w"/>
+              <dgm:constr type="t" for="ch" forName="ParentText" refType="h" fact="0.32"/>
+              <dgm:constr type="w" for="ch" forName="ParentText" refType="w" fact="0.901"/>
+              <dgm:constr type="h" for="ch" forName="ParentText" refType="h" fact="0.68"/>
+              <dgm:constr type="l" for="ch" forName="Triangle" refType="w" fact="0.83"/>
+              <dgm:constr type="t" for="ch" forName="Triangle" refType="h" fact="0"/>
+              <dgm:constr type="w" for="ch" forName="Triangle" refType="w" fact="0.17"/>
+              <dgm:constr type="h" for="ch" forName="Triangle" refType="w" refFor="ch" refForName="Triangle"/>
+            </dgm:constrLst>
+          </dgm:if>
+          <dgm:else name="Name5">
+            <dgm:constrLst>
+              <dgm:constr type="l" for="ch" forName="LShape" refType="w" fact="0.002"/>
+              <dgm:constr type="t" for="ch" forName="LShape" refType="h" fact="0.2347"/>
+              <dgm:constr type="w" for="ch" forName="LShape" refType="w"/>
+              <dgm:constr type="h" for="ch" forName="LShape" refType="h" fact="0.5164"/>
+              <dgm:constr type="l" for="ch" forName="ParentText" refType="w" fact="0"/>
+              <dgm:constr type="t" for="ch" forName="ParentText" refType="h" fact="0.32"/>
+              <dgm:constr type="w" for="ch" forName="ParentText" refType="w" fact="0.902"/>
+              <dgm:constr type="h" for="ch" forName="ParentText" refType="h" fact="0.68"/>
+              <dgm:constr type="l" for="ch" forName="Triangle" refType="w" fact="0"/>
+              <dgm:constr type="t" for="ch" forName="Triangle" refType="h" fact="0"/>
+              <dgm:constr type="w" for="ch" forName="Triangle" refType="w" fact="0.17"/>
+              <dgm:constr type="h" for="ch" forName="Triangle" refType="w" refFor="ch" refForName="Triangle"/>
+            </dgm:constrLst>
+          </dgm:else>
+        </dgm:choose>
+        <dgm:layoutNode name="LShape" styleLbl="alignNode1">
+          <dgm:alg type="sp"/>
+          <dgm:choose name="Name6">
+            <dgm:if name="Name7" func="var" arg="dir" op="equ" val="norm">
+              <dgm:shape xmlns:r="http://schemas.openxmlformats.org/officeDocument/2006/relationships" rot="90" type="corner" r:blip="">
+                <dgm:adjLst>
+                  <dgm:adj idx="1" val="0.1612"/>
+                  <dgm:adj idx="2" val="0.1611"/>
+                </dgm:adjLst>
+              </dgm:shape>
+            </dgm:if>
+            <dgm:else name="Name8">
+              <dgm:shape xmlns:r="http://schemas.openxmlformats.org/officeDocument/2006/relationships" rot="180" type="corner" r:blip="">
+                <dgm:adjLst>
+                  <dgm:adj idx="1" val="0.1612"/>
+                  <dgm:adj idx="2" val="0.1611"/>
+                </dgm:adjLst>
+              </dgm:shape>
+            </dgm:else>
+          </dgm:choose>
+          <dgm:presOf/>
+        </dgm:layoutNode>
+        <dgm:layoutNode name="ParentText" styleLbl="revTx">
+          <dgm:varLst>
+            <dgm:chMax val="0"/>
+            <dgm:chPref val="0"/>
+            <dgm:bulletEnabled val="1"/>
+          </dgm:varLst>
+          <dgm:alg type="tx">
+            <dgm:param type="parTxLTRAlign" val="l"/>
+            <dgm:param type="txAnchorVert" val="t"/>
+          </dgm:alg>
+          <dgm:shape xmlns:r="http://schemas.openxmlformats.org/officeDocument/2006/relationships" type="rect" r:blip="">
+            <dgm:adjLst/>
+          </dgm:shape>
+          <dgm:presOf axis="desOrSelf" ptType="node"/>
+          <dgm:constrLst>
+            <dgm:constr type="lMarg" refType="primFontSz" fact="0.3"/>
+            <dgm:constr type="rMarg" refType="primFontSz" fact="0.3"/>
+            <dgm:constr type="tMarg" refType="primFontSz" fact="0.3"/>
+            <dgm:constr type="bMarg" refType="primFontSz" fact="0.3"/>
+          </dgm:constrLst>
+          <dgm:ruleLst>
+            <dgm:rule type="primFontSz" val="5" fact="NaN" max="NaN"/>
+          </dgm:ruleLst>
+        </dgm:layoutNode>
+        <dgm:choose name="Name9">
+          <dgm:if name="Name10" axis="followSib" ptType="node" func="cnt" op="gte" val="1">
+            <dgm:layoutNode name="Triangle" styleLbl="alignNode1">
+              <dgm:alg type="sp"/>
+              <dgm:choose name="Name11">
+                <dgm:if name="Name12" func="var" arg="dir" op="equ" val="norm">
+                  <dgm:shape xmlns:r="http://schemas.openxmlformats.org/officeDocument/2006/relationships" type="triangle" r:blip="">
+                    <dgm:adjLst>
+                      <dgm:adj idx="1" val="1"/>
+                    </dgm:adjLst>
+                  </dgm:shape>
+                </dgm:if>
+                <dgm:else name="Name13">
+                  <dgm:shape xmlns:r="http://schemas.openxmlformats.org/officeDocument/2006/relationships" rot="90" type="triangle" r:blip="">
+                    <dgm:adjLst>
+                      <dgm:adj idx="1" val="1"/>
+                    </dgm:adjLst>
+                  </dgm:shape>
+                </dgm:else>
+              </dgm:choose>
+              <dgm:presOf/>
+            </dgm:layoutNode>
+          </dgm:if>
+          <dgm:else name="Name14"/>
+        </dgm:choose>
+      </dgm:layoutNode>
+      <dgm:forEach name="sibTransForEach" axis="followSib" ptType="sibTrans" cnt="1">
+        <dgm:layoutNode name="sibTrans">
+          <dgm:alg type="composite">
+            <dgm:param type="ar" val="0.861"/>
+          </dgm:alg>
+          <dgm:constrLst>
+            <dgm:constr type="w" for="ch" forName="space" refType="w"/>
+            <dgm:constr type="h" for="ch" forName="space" refType="w"/>
+          </dgm:constrLst>
+          <dgm:layoutNode name="space" styleLbl="alignNode1">
+            <dgm:alg type="sp"/>
+            <dgm:shape xmlns:r="http://schemas.openxmlformats.org/officeDocument/2006/relationships" r:blip="">
+              <dgm:adjLst/>
+            </dgm:shape>
+            <dgm:presOf/>
+          </dgm:layoutNode>
+        </dgm:layoutNode>
+      </dgm:forEach>
+    </dgm:forEach>
+  </dgm:layoutNode>
+</dgm:layoutDef>
+</file>
+
+<file path=ppt/diagrams/layout3.xml><?xml version="1.0" encoding="utf-8"?>
+<dgm:layoutDef xmlns:dgm="http://schemas.openxmlformats.org/drawingml/2006/diagram" xmlns:a="http://schemas.openxmlformats.org/drawingml/2006/main" uniqueId="urn:microsoft.com/office/officeart/2008/layout/CircleAccentTimeline">
+  <dgm:title val=""/>
+  <dgm:desc val=""/>
+  <dgm:catLst>
+    <dgm:cat type="process" pri="7500"/>
+  </dgm:catLst>
+  <dgm:sampData>
+    <dgm:dataModel>
+      <dgm:ptLst>
+        <dgm:pt modelId="0" type="doc"/>
+        <dgm:pt modelId="1">
+          <dgm:prSet phldr="1"/>
+        </dgm:pt>
+        <dgm:pt modelId="11">
+          <dgm:prSet phldr="1"/>
+        </dgm:pt>
+        <dgm:pt modelId="12">
+          <dgm:prSet phldr="1"/>
+        </dgm:pt>
+        <dgm:pt modelId="2">
+          <dgm:prSet phldr="1"/>
+        </dgm:pt>
+        <dgm:pt modelId="21">
+          <dgm:prSet phldr="1"/>
+        </dgm:pt>
+        <dgm:pt modelId="22">
+          <dgm:prSet phldr="1"/>
+        </dgm:pt>
+      </dgm:ptLst>
+      <dgm:cxnLst>
+        <dgm:cxn modelId="4" srcId="0" destId="1" srcOrd="0" destOrd="0"/>
+        <dgm:cxn modelId="41" srcId="1" destId="11" srcOrd="0" destOrd="0"/>
+        <dgm:cxn modelId="42" srcId="1" destId="12" srcOrd="1" destOrd="0"/>
+        <dgm:cxn modelId="5" srcId="0" destId="2" srcOrd="0" destOrd="0"/>
+        <dgm:cxn modelId="51" srcId="2" destId="21" srcOrd="0" destOrd="0"/>
+        <dgm:cxn modelId="52" srcId="2" destId="22" srcOrd="1" destOrd="0"/>
+      </dgm:cxnLst>
+      <dgm:bg/>
+      <dgm:whole/>
+    </dgm:dataModel>
+  </dgm:sampData>
+  <dgm:styleData>
+    <dgm:dataModel>
+      <dgm:ptLst>
+        <dgm:pt modelId="0" type="doc"/>
+        <dgm:pt modelId="1">
+          <dgm:prSet phldr="1"/>
+        </dgm:pt>
+        <dgm:pt modelId="11">
+          <dgm:prSet phldr="1"/>
+        </dgm:pt>
+        <dgm:pt modelId="2">
+          <dgm:prSet phldr="1"/>
+        </dgm:pt>
+        <dgm:pt modelId="21">
+          <dgm:prSet phldr="1"/>
+        </dgm:pt>
+      </dgm:ptLst>
+      <dgm:cxnLst>
+        <dgm:cxn modelId="4" srcId="0" destId="1" srcOrd="0" destOrd="0"/>
+        <dgm:cxn modelId="41" srcId="1" destId="11" srcOrd="0" destOrd="0"/>
+        <dgm:cxn modelId="5" srcId="0" destId="2" srcOrd="0" destOrd="0"/>
+        <dgm:cxn modelId="51" srcId="2" destId="21" srcOrd="0" destOrd="0"/>
+      </dgm:cxnLst>
+      <dgm:bg/>
+      <dgm:whole/>
+    </dgm:dataModel>
+  </dgm:styleData>
+  <dgm:clrData>
+    <dgm:dataModel>
+      <dgm:ptLst>
+        <dgm:pt modelId="0" type="doc"/>
+        <dgm:pt modelId="1">
+          <dgm:prSet phldr="1"/>
+        </dgm:pt>
+        <dgm:pt modelId="11">
+          <dgm:prSet phldr="1"/>
+        </dgm:pt>
+        <dgm:pt modelId="2">
+          <dgm:prSet phldr="1"/>
+        </dgm:pt>
+        <dgm:pt modelId="21">
+          <dgm:prSet phldr="1"/>
+        </dgm:pt>
+      </dgm:ptLst>
+      <dgm:cxnLst>
+        <dgm:cxn modelId="4" srcId="0" destId="1" srcOrd="0" destOrd="0"/>
+        <dgm:cxn modelId="41" srcId="1" destId="11" srcOrd="0" destOrd="0"/>
+        <dgm:cxn modelId="5" srcId="0" destId="2" srcOrd="0" destOrd="0"/>
+        <dgm:cxn modelId="51" srcId="2" destId="21" srcOrd="0" destOrd="0"/>
+      </dgm:cxnLst>
+      <dgm:bg/>
+      <dgm:whole/>
+    </dgm:dataModel>
+  </dgm:clrData>
+  <dgm:layoutNode name="Name0">
+    <dgm:varLst>
+      <dgm:dir/>
+    </dgm:varLst>
+    <dgm:choose name="Name1">
+      <dgm:if name="Name2" func="var" arg="dir" op="equ" val="norm">
+        <dgm:alg type="lin">
+          <dgm:param type="fallback" val="2D"/>
+          <dgm:param type="nodeVertAlign" val="b"/>
+        </dgm:alg>
+      </dgm:if>
+      <dgm:else name="Name3">
+        <dgm:alg type="lin">
+          <dgm:param type="fallback" val="2D"/>
+          <dgm:param type="nodeVertAlign" val="b"/>
+          <dgm:param type="linDir" val="fromR"/>
+        </dgm:alg>
+      </dgm:else>
+    </dgm:choose>
+    <dgm:shape xmlns:r="http://schemas.openxmlformats.org/officeDocument/2006/relationships" r:blip="">
+      <dgm:adjLst/>
+    </dgm:shape>
+    <dgm:constrLst>
+      <dgm:constr type="h" for="ch" forName="parComposite" refType="h"/>
+      <dgm:constr type="w" for="ch" forName="parComposite" refType="h" refFor="ch" refForName="parComposite" fact="0.4986"/>
+      <dgm:constr type="h" for="ch" forName="desComposite" refType="h" fact="0.8722"/>
+      <dgm:constr type="w" for="ch" forName="desComposite" refType="h" refFor="ch" refForName="desComposite" fact="0.6056"/>
+      <dgm:constr type="w" for="ch" forName="parBackupNorm" refType="w" refFor="ch" refForName="parComposite" fact="-0.3369"/>
+      <dgm:constr type="w" for="ch" forName="parBackupRTL" refType="w" refFor="ch" refForName="parComposite" fact="-0.3369"/>
+      <dgm:constr type="w" for="ch" forName="parBackupRev" refType="w" refFor="ch" refForName="parComposite" fact="0"/>
+      <dgm:constr type="w" for="ch" forName="desBackupLeftNorm" refType="w" refFor="ch" refForName="desComposite" fact="-0.3376"/>
+      <dgm:constr type="w" for="ch" forName="desBackupLeftRev" refType="w" refFor="ch" refForName="desComposite" fact="-0.3376"/>
+      <dgm:constr type="w" for="ch" forName="desBackupRightNorm" refType="w" refFor="ch" refForName="desComposite" fact="-0.3376"/>
+      <dgm:constr type="w" for="ch" forName="desBackupRightRev" refType="w" refFor="ch" refForName="desComposite" fact="-0.3376"/>
+      <dgm:constr type="w" for="ch" forName="parSpace" refType="w" refFor="ch" refForName="parComposite" fact="0.05"/>
+      <dgm:constr type="w" for="ch" forName="desSpace" refType="w" refFor="ch" refForName="parComposite" fact="0.05"/>
+      <dgm:constr type="primFontSz" for="des" forName="parTx" op="equ" val="65"/>
+      <dgm:constr type="primFontSz" for="des" forName="chTx" refType="primFontSz" refFor="des" refForName="parTx" op="lte" val="65"/>
+      <dgm:constr type="primFontSz" for="des" forName="desTx" refType="primFontSz" refFor="des" refForName="chTx" op="lte" val="65"/>
+      <dgm:constr type="primFontSz" for="des" forName="desTx" refType="primFontSz" refFor="des" refForName="parTx" op="lte"/>
+    </dgm:constrLst>
+    <dgm:forEach name="Name4" axis="ch" ptType="node">
+      <dgm:layoutNode name="parComposite">
+        <dgm:alg type="composite"/>
+        <dgm:shape xmlns:r="http://schemas.openxmlformats.org/officeDocument/2006/relationships" r:blip="">
+          <dgm:adjLst/>
+        </dgm:shape>
+        <dgm:choose name="Name5">
+          <dgm:if name="Name6" func="var" arg="dir" op="equ" val="norm">
+            <dgm:constrLst>
+              <dgm:constr type="l" for="ch" forName="parBigCircle"/>
+              <dgm:constr type="ctrY" for="ch" forName="parBigCircle" refType="h" fact="0.5639"/>
+              <dgm:constr type="w" for="ch" forName="parBigCircle" refType="w" fact="0.6631"/>
+              <dgm:constr type="h" for="ch" forName="parBigCircle" refType="w" refFor="ch" refForName="parBigCircle"/>
+              <dgm:constr type="r" for="ch" forName="parTx" refType="w"/>
+              <dgm:constr type="t" for="ch" forName="parTx"/>
+              <dgm:constr type="w" for="ch" forName="parTx" refType="w" fact="0.7084"/>
+              <dgm:constr type="h" for="ch" forName="parTx" refType="h" fact="0.4562"/>
+              <dgm:constr type="t" for="ch" forName="bSpace" refType="ctrY" refFor="ch" refForName="parBigCircle"/>
+              <dgm:constr type="b" for="ch" forName="bSpace" refType="h"/>
+              <dgm:constr type="l" for="ch" forName="bSpace"/>
+              <dgm:constr type="w" for="ch" forName="bSpace" val="1"/>
+            </dgm:constrLst>
+          </dgm:if>
+          <dgm:else name="Name7">
+            <dgm:constrLst>
+              <dgm:constr type="r" for="ch" forName="parBigCircle" refType="w"/>
+              <dgm:constr type="ctrY" for="ch" forName="parBigCircle" refType="h" fact="0.5639"/>
+              <dgm:constr type="w" for="ch" forName="parBigCircle" refType="w" fact="0.6631"/>
+              <dgm:constr type="h" for="ch" forName="parBigCircle" refType="w" refFor="ch" refForName="parBigCircle"/>
+              <dgm:constr type="l" for="ch" forName="parTx" fact="0"/>
+              <dgm:constr type="t" for="ch" forName="parTx"/>
+              <dgm:constr type="w" for="ch" forName="parTx" refType="w" fact="0.7084"/>
+              <dgm:constr type="h" for="ch" forName="parTx" refType="h" fact="0.4562"/>
+              <dgm:constr type="t" for="ch" forName="bSpace" refType="ctrY" refFor="ch" refForName="parBigCircle"/>
+              <dgm:constr type="b" for="ch" forName="bSpace" refType="h"/>
+              <dgm:constr type="r" for="ch" forName="bSpace"/>
+              <dgm:constr type="w" for="ch" forName="bSpace" val="1"/>
+            </dgm:constrLst>
+          </dgm:else>
+        </dgm:choose>
+        <dgm:layoutNode name="parBigCircle" styleLbl="node0">
+          <dgm:alg type="sp"/>
+          <dgm:shape xmlns:r="http://schemas.openxmlformats.org/officeDocument/2006/relationships" type="donut" r:blip="">
+            <dgm:adjLst>
+              <dgm:adj idx="1" val="0.2"/>
+            </dgm:adjLst>
+          </dgm:shape>
+          <dgm:presOf/>
+          <dgm:constrLst>
+            <dgm:constr type="h" refType="w" op="equ"/>
+          </dgm:constrLst>
+        </dgm:layoutNode>
+        <dgm:layoutNode name="parTx" styleLbl="revTx">
+          <dgm:choose name="Name8">
+            <dgm:if name="Name9" func="var" arg="dir" op="equ" val="norm">
+              <dgm:alg type="tx">
+                <dgm:param type="autoTxRot" val="grav"/>
+                <dgm:param type="parTxLTRAlign" val="l"/>
+              </dgm:alg>
+              <dgm:shape xmlns:r="http://schemas.openxmlformats.org/officeDocument/2006/relationships" rot="295" type="rect" r:blip="">
+                <dgm:adjLst/>
+              </dgm:shape>
+              <dgm:presOf axis="self" ptType="node"/>
+              <dgm:constrLst>
+                <dgm:constr type="lMarg" refType="primFontSz" fact="0.2"/>
+                <dgm:constr type="rMarg"/>
+                <dgm:constr type="tMarg"/>
+                <dgm:constr type="bMarg"/>
+              </dgm:constrLst>
+            </dgm:if>
+            <dgm:else name="Name10">
+              <dgm:alg type="tx">
+                <dgm:param type="autoTxRot" val="grav"/>
+                <dgm:param type="parTxLTRAlign" val="r"/>
+              </dgm:alg>
+              <dgm:shape xmlns:r="http://schemas.openxmlformats.org/officeDocument/2006/relationships" rot="65" type="rect" r:blip="">
+                <dgm:adjLst/>
+              </dgm:shape>
+              <dgm:presOf axis="self" ptType="node"/>
+              <dgm:constrLst>
+                <dgm:constr type="lMarg"/>
+                <dgm:constr type="rMarg" refType="primFontSz" fact="0.2"/>
+                <dgm:constr type="tMarg"/>
+                <dgm:constr type="bMarg"/>
+              </dgm:constrLst>
+            </dgm:else>
+          </dgm:choose>
+          <dgm:ruleLst>
+            <dgm:rule type="primFontSz" val="5" fact="NaN" max="NaN"/>
+          </dgm:ruleLst>
+        </dgm:layoutNode>
+        <dgm:layoutNode name="bSpace">
+          <dgm:alg type="sp"/>
+          <dgm:shape xmlns:r="http://schemas.openxmlformats.org/officeDocument/2006/relationships" r:blip="">
+            <dgm:adjLst/>
+          </dgm:shape>
+          <dgm:presOf/>
+        </dgm:layoutNode>
+      </dgm:layoutNode>
+      <dgm:choose name="Name11">
+        <dgm:if name="Name12" func="var" arg="dir" op="equ" val="norm">
+          <dgm:layoutNode name="parBackupNorm">
+            <dgm:alg type="sp"/>
+            <dgm:shape xmlns:r="http://schemas.openxmlformats.org/officeDocument/2006/relationships" r:blip="">
+              <dgm:adjLst/>
+            </dgm:shape>
+            <dgm:presOf/>
+          </dgm:layoutNode>
+        </dgm:if>
+        <dgm:else name="Name13">
+          <dgm:layoutNode name="parBackupRTL">
+            <dgm:alg type="sp"/>
+            <dgm:shape xmlns:r="http://schemas.openxmlformats.org/officeDocument/2006/relationships" r:blip="">
+              <dgm:adjLst/>
+            </dgm:shape>
+            <dgm:presOf/>
+          </dgm:layoutNode>
+        </dgm:else>
+      </dgm:choose>
+      <dgm:forEach name="Name14" axis="followSib" ptType="sibTrans" hideLastTrans="0" cnt="1">
+        <dgm:layoutNode name="parSpace">
+          <dgm:alg type="sp"/>
+          <dgm:shape xmlns:r="http://schemas.openxmlformats.org/officeDocument/2006/relationships" r:blip="">
+            <dgm:adjLst/>
+          </dgm:shape>
+          <dgm:presOf/>
+        </dgm:layoutNode>
+      </dgm:forEach>
+      <dgm:forEach name="Name15" axis="ch" ptType="node">
+        <dgm:choose name="Name16">
+          <dgm:if name="Name17" func="var" arg="dir" op="equ" val="norm">
+            <dgm:layoutNode name="desBackupLeftNorm">
+              <dgm:alg type="sp"/>
+              <dgm:shape xmlns:r="http://schemas.openxmlformats.org/officeDocument/2006/relationships" r:blip="">
+                <dgm:adjLst/>
+              </dgm:shape>
+              <dgm:presOf/>
+            </dgm:layoutNode>
+          </dgm:if>
+          <dgm:else name="Name18">
+            <dgm:choose name="Name19">
+              <dgm:if name="Name20" axis="self" ptType="node" func="pos" op="equ" val="1">
+                <dgm:layoutNode name="desBackupRightRev">
+                  <dgm:alg type="sp"/>
+                  <dgm:shape xmlns:r="http://schemas.openxmlformats.org/officeDocument/2006/relationships" r:blip="">
+                    <dgm:adjLst/>
+                  </dgm:shape>
+                  <dgm:presOf/>
+                </dgm:layoutNode>
+              </dgm:if>
+              <dgm:else name="Name21"/>
+            </dgm:choose>
+          </dgm:else>
+        </dgm:choose>
+        <dgm:layoutNode name="desComposite">
+          <dgm:alg type="composite"/>
+          <dgm:shape xmlns:r="http://schemas.openxmlformats.org/officeDocument/2006/relationships" r:blip="">
+            <dgm:adjLst/>
+          </dgm:shape>
+          <dgm:choose name="Name22">
+            <dgm:if name="Name23" func="var" arg="dir" op="equ" val="norm">
+              <dgm:constrLst>
+                <dgm:constr type="ctrX" for="ch" forName="desCircle" refType="w" fact="0.5"/>
+                <dgm:constr type="ctrY" for="ch" forName="desCircle" refType="h" fact="0.5"/>
+                <dgm:constr type="w" for="ch" forName="desCircle" refType="w" fact="0.3249"/>
+                <dgm:constr type="h" for="ch" forName="desCircle" refType="w" refFor="ch" refForName="desCircle"/>
+                <dgm:constr type="l" for="ch" forName="chTx"/>
+                <dgm:constr type="b" for="ch" forName="chTx" refType="h"/>
+                <dgm:constr type="w" for="ch" forName="chTx" refType="w" fact="0.5786"/>
+                <dgm:constr type="h" for="ch" forName="chTx" refType="h" fact="0.4525"/>
+                <dgm:constr type="r" for="ch" forName="desTx" refType="w"/>
+                <dgm:constr type="t" for="ch" forName="desTx"/>
+                <dgm:constr type="w" for="ch" forName="desTx" refType="w" fact="0.5786"/>
+                <dgm:constr type="h" for="ch" forName="desTx" refType="h" fact="0.4525"/>
+              </dgm:constrLst>
+            </dgm:if>
+            <dgm:else name="Name24">
+              <dgm:constrLst>
+                <dgm:constr type="ctrX" for="ch" forName="desCircle" refType="w" fact="0.5"/>
+                <dgm:constr type="ctrY" for="ch" forName="desCircle" refType="h" fact="0.5"/>
+                <dgm:constr type="w" for="ch" forName="desCircle" refType="w" fact="0.3249"/>
+                <dgm:constr type="h" for="ch" forName="desCircle" refType="w" refFor="ch" refForName="desCircle"/>
+                <dgm:constr type="r" for="ch" forName="chTx" refType="w"/>
+                <dgm:constr type="b" for="ch" forName="chTx" refType="h"/>
+                <dgm:constr type="w" for="ch" forName="chTx" refType="w" fact="0.5786"/>
+                <dgm:constr type="h" for="ch" forName="chTx" refType="h" fact="0.4525"/>
+                <dgm:constr type="l" for="ch" forName="desTx"/>
+                <dgm:constr type="t" for="ch" forName="desTx"/>
+                <dgm:constr type="w" for="ch" forName="desTx" refType="w" fact="0.5786"/>
+                <dgm:constr type="h" for="ch" forName="desTx" refType="h" fact="0.4525"/>
+              </dgm:constrLst>
+            </dgm:else>
+          </dgm:choose>
+          <dgm:layoutNode name="desCircle" styleLbl="node1">
+            <dgm:alg type="sp"/>
+            <dgm:shape xmlns:r="http://schemas.openxmlformats.org/officeDocument/2006/relationships" type="ellipse" r:blip="">
+              <dgm:adjLst/>
+            </dgm:shape>
+            <dgm:presOf/>
+            <dgm:constrLst>
+              <dgm:constr type="h" refType="w" op="equ"/>
+            </dgm:constrLst>
+          </dgm:layoutNode>
+          <dgm:layoutNode name="chTx" styleLbl="revTx">
+            <dgm:choose name="Name25">
+              <dgm:if name="Name26" func="var" arg="dir" op="equ" val="norm">
+                <dgm:alg type="tx">
+                  <dgm:param type="autoTxRot" val="grav"/>
+                  <dgm:param type="parTxLTRAlign" val="r"/>
+                  <dgm:param type="txAnchorVert" val="mid"/>
+                  <dgm:param type="txAnchorVertCh" val="mid"/>
+                </dgm:alg>
+                <dgm:shape xmlns:r="http://schemas.openxmlformats.org/officeDocument/2006/relationships" rot="295" type="rect" r:blip="">
+                  <dgm:adjLst/>
+                </dgm:shape>
+                <dgm:presOf axis="self" ptType="node"/>
+              </dgm:if>
+              <dgm:else name="Name27">
+                <dgm:alg type="tx">
+                  <dgm:param type="autoTxRot" val="grav"/>
+                  <dgm:param type="parTxLTRAlign" val="l"/>
+                  <dgm:param type="txAnchorVert" val="mid"/>
+                  <dgm:param type="txAnchorVertCh" val="mid"/>
+                </dgm:alg>
+                <dgm:shape xmlns:r="http://schemas.openxmlformats.org/officeDocument/2006/relationships" rot="65" type="rect" r:blip="">
+                  <dgm:adjLst/>
+                </dgm:shape>
+                <dgm:presOf axis="self" ptType="node"/>
+              </dgm:else>
+            </dgm:choose>
+            <dgm:choose name="Name28">
+              <dgm:if name="Name29" func="var" arg="dir" op="equ" val="norm">
+                <dgm:constrLst>
+                  <dgm:constr type="lMarg"/>
+                  <dgm:constr type="rMarg" refType="primFontSz" fact="0.2"/>
+                  <dgm:constr type="tMarg"/>
+                  <dgm:constr type="bMarg"/>
+                </dgm:constrLst>
+              </dgm:if>
+              <dgm:else name="Name30">
+                <dgm:constrLst>
+                  <dgm:constr type="rMarg"/>
+                  <dgm:constr type="lMarg" refType="primFontSz" fact="0.2"/>
+                  <dgm:constr type="tMarg"/>
+                  <dgm:constr type="bMarg"/>
+                </dgm:constrLst>
+              </dgm:else>
+            </dgm:choose>
+            <dgm:ruleLst>
+              <dgm:rule type="primFontSz" val="5" fact="NaN" max="NaN"/>
+            </dgm:ruleLst>
+          </dgm:layoutNode>
+          <dgm:layoutNode name="desTx" styleLbl="revTx">
+            <dgm:varLst>
+              <dgm:bulletEnabled val="1"/>
+            </dgm:varLst>
+            <dgm:choose name="Name31">
+              <dgm:if name="Name32" func="var" arg="dir" op="equ" val="norm">
+                <dgm:alg type="tx">
+                  <dgm:param type="autoTxRot" val="grav"/>
+                  <dgm:param type="parTxLTRAlign" val="l"/>
+                  <dgm:param type="shpTxLTRAlignCh" val="l"/>
+                  <dgm:param type="stBulletLvl" val="1"/>
+                  <dgm:param type="txAnchorVert" val="mid"/>
+                </dgm:alg>
+                <dgm:shape xmlns:r="http://schemas.openxmlformats.org/officeDocument/2006/relationships" rot="295" type="rect" r:blip="">
+                  <dgm:adjLst/>
+                </dgm:shape>
+                <dgm:presOf axis="des" ptType="node"/>
+              </dgm:if>
+              <dgm:else name="Name33">
+                <dgm:alg type="tx">
+                  <dgm:param type="autoTxRot" val="grav"/>
+                  <dgm:param type="parTxLTRAlign" val="r"/>
+                  <dgm:param type="shpTxLTRAlignCh" val="r"/>
+                  <dgm:param type="stBulletLvl" val="1"/>
+                  <dgm:param type="txAnchorVert" val="mid"/>
+                </dgm:alg>
+                <dgm:shape xmlns:r="http://schemas.openxmlformats.org/officeDocument/2006/relationships" rot="65" type="rect" r:blip="">
+                  <dgm:adjLst/>
+                </dgm:shape>
+                <dgm:presOf axis="des" ptType="node"/>
+              </dgm:else>
+            </dgm:choose>
+            <dgm:choose name="Name34">
+              <dgm:if name="Name35" func="var" arg="dir" op="equ" val="norm">
+                <dgm:constrLst>
+                  <dgm:constr type="rMarg"/>
+                  <dgm:constr type="lMarg" refType="primFontSz" fact="0.2"/>
+                  <dgm:constr type="tMarg"/>
+                  <dgm:constr type="bMarg"/>
+                </dgm:constrLst>
+              </dgm:if>
+              <dgm:else name="Name36">
+                <dgm:constrLst>
+                  <dgm:constr type="lMarg"/>
+                  <dgm:constr type="rMarg" refType="primFontSz" fact="0.2"/>
+                  <dgm:constr type="tMarg"/>
+                  <dgm:constr type="bMarg"/>
+                </dgm:constrLst>
+              </dgm:else>
+            </dgm:choose>
+            <dgm:ruleLst>
+              <dgm:rule type="primFontSz" val="5" fact="NaN" max="NaN"/>
+            </dgm:ruleLst>
+          </dgm:layoutNode>
+        </dgm:layoutNode>
+        <dgm:layoutNode name="desBackupRightNorm">
+          <dgm:alg type="sp"/>
+          <dgm:shape xmlns:r="http://schemas.openxmlformats.org/officeDocument/2006/relationships" r:blip="">
+            <dgm:adjLst/>
+          </dgm:shape>
+          <dgm:presOf/>
+        </dgm:layoutNode>
+        <dgm:choose name="Name37">
+          <dgm:if name="Name38" func="var" arg="dir" op="neq" val="norm">
+            <dgm:choose name="Name39">
+              <dgm:if name="Name40" axis="self" ptType="node" func="revPos" op="neq" val="1">
+                <dgm:layoutNode name="desBackupLeftRev">
+                  <dgm:alg type="sp"/>
+                  <dgm:shape xmlns:r="http://schemas.openxmlformats.org/officeDocument/2006/relationships" r:blip="">
+                    <dgm:adjLst/>
+                  </dgm:shape>
+                  <dgm:presOf/>
+                </dgm:layoutNode>
+              </dgm:if>
+              <dgm:else name="Name41"/>
+            </dgm:choose>
+          </dgm:if>
+          <dgm:else name="Name42"/>
+        </dgm:choose>
+        <dgm:forEach name="Name43" axis="followSib" ptType="sibTrans" hideLastTrans="0" cnt="1">
+          <dgm:layoutNode name="desSpace">
+            <dgm:alg type="sp"/>
+            <dgm:shape xmlns:r="http://schemas.openxmlformats.org/officeDocument/2006/relationships" r:blip="">
+              <dgm:adjLst/>
+            </dgm:shape>
+            <dgm:presOf/>
+          </dgm:layoutNode>
+        </dgm:forEach>
+      </dgm:forEach>
+      <dgm:choose name="Name44">
+        <dgm:if name="Name45" func="var" arg="dir" op="neq" val="norm">
+          <dgm:layoutNode name="parBackupRev">
+            <dgm:alg type="sp"/>
+            <dgm:shape xmlns:r="http://schemas.openxmlformats.org/officeDocument/2006/relationships" r:blip="">
+              <dgm:adjLst/>
+            </dgm:shape>
+            <dgm:presOf/>
+          </dgm:layoutNode>
+        </dgm:if>
+        <dgm:else name="Name46"/>
+      </dgm:choose>
+    </dgm:forEach>
+  </dgm:layoutNode>
+</dgm:layoutDef>
+</file>
+
 <file path=ppt/diagrams/quickStyle1.xml><?xml version="1.0" encoding="utf-8"?>
 <dgm:styleDef xmlns:dgm="http://schemas.openxmlformats.org/drawingml/2006/diagram" xmlns:a="http://schemas.openxmlformats.org/drawingml/2006/main" uniqueId="urn:microsoft.com/office/officeart/2009/2/quickstyle/3d8">
   <dgm:title val=""/>
@@ -3680,6 +8913,2074 @@
       <a:fontRef idx="minor">
         <a:schemeClr val="lt1"/>
       </a:fontRef>
+    </dgm:style>
+  </dgm:styleLbl>
+  <dgm:styleLbl name="revTx">
+    <dgm:scene3d>
+      <a:camera prst="orthographicFront"/>
+      <a:lightRig rig="threePt" dir="t"/>
+    </dgm:scene3d>
+    <dgm:sp3d/>
+    <dgm:txPr/>
+    <dgm:style>
+      <a:lnRef idx="0">
+        <a:scrgbClr r="0" g="0" b="0"/>
+      </a:lnRef>
+      <a:fillRef idx="0">
+        <a:scrgbClr r="0" g="0" b="0"/>
+      </a:fillRef>
+      <a:effectRef idx="0">
+        <a:scrgbClr r="0" g="0" b="0"/>
+      </a:effectRef>
+      <a:fontRef idx="minor"/>
+    </dgm:style>
+  </dgm:styleLbl>
+</dgm:styleDef>
+</file>
+
+<file path=ppt/diagrams/quickStyle2.xml><?xml version="1.0" encoding="utf-8"?>
+<dgm:styleDef xmlns:dgm="http://schemas.openxmlformats.org/drawingml/2006/diagram" xmlns:a="http://schemas.openxmlformats.org/drawingml/2006/main" uniqueId="urn:microsoft.com/office/officeart/2005/8/quickstyle/simple5">
+  <dgm:title val=""/>
+  <dgm:desc val=""/>
+  <dgm:catLst>
+    <dgm:cat type="simple" pri="10500"/>
+  </dgm:catLst>
+  <dgm:scene3d>
+    <a:camera prst="orthographicFront"/>
+    <a:lightRig rig="threePt" dir="t"/>
+  </dgm:scene3d>
+  <dgm:styleLbl name="node0">
+    <dgm:scene3d>
+      <a:camera prst="orthographicFront"/>
+      <a:lightRig rig="threePt" dir="t"/>
+    </dgm:scene3d>
+    <dgm:sp3d/>
+    <dgm:txPr/>
+    <dgm:style>
+      <a:lnRef idx="0">
+        <a:scrgbClr r="0" g="0" b="0"/>
+      </a:lnRef>
+      <a:fillRef idx="3">
+        <a:scrgbClr r="0" g="0" b="0"/>
+      </a:fillRef>
+      <a:effectRef idx="3">
+        <a:scrgbClr r="0" g="0" b="0"/>
+      </a:effectRef>
+      <a:fontRef idx="minor">
+        <a:schemeClr val="lt1"/>
+      </a:fontRef>
+    </dgm:style>
+  </dgm:styleLbl>
+  <dgm:styleLbl name="lnNode1">
+    <dgm:scene3d>
+      <a:camera prst="orthographicFront"/>
+      <a:lightRig rig="threePt" dir="t"/>
+    </dgm:scene3d>
+    <dgm:sp3d/>
+    <dgm:txPr/>
+    <dgm:style>
+      <a:lnRef idx="0">
+        <a:scrgbClr r="0" g="0" b="0"/>
+      </a:lnRef>
+      <a:fillRef idx="3">
+        <a:scrgbClr r="0" g="0" b="0"/>
+      </a:fillRef>
+      <a:effectRef idx="3">
+        <a:scrgbClr r="0" g="0" b="0"/>
+      </a:effectRef>
+      <a:fontRef idx="minor">
+        <a:schemeClr val="lt1"/>
+      </a:fontRef>
+    </dgm:style>
+  </dgm:styleLbl>
+  <dgm:styleLbl name="vennNode1">
+    <dgm:scene3d>
+      <a:camera prst="orthographicFront"/>
+      <a:lightRig rig="threePt" dir="t"/>
+    </dgm:scene3d>
+    <dgm:sp3d/>
+    <dgm:txPr/>
+    <dgm:style>
+      <a:lnRef idx="0">
+        <a:scrgbClr r="0" g="0" b="0"/>
+      </a:lnRef>
+      <a:fillRef idx="3">
+        <a:scrgbClr r="0" g="0" b="0"/>
+      </a:fillRef>
+      <a:effectRef idx="3">
+        <a:scrgbClr r="0" g="0" b="0"/>
+      </a:effectRef>
+      <a:fontRef idx="minor">
+        <a:schemeClr val="tx1"/>
+      </a:fontRef>
+    </dgm:style>
+  </dgm:styleLbl>
+  <dgm:styleLbl name="alignNode1">
+    <dgm:scene3d>
+      <a:camera prst="orthographicFront"/>
+      <a:lightRig rig="threePt" dir="t"/>
+    </dgm:scene3d>
+    <dgm:sp3d/>
+    <dgm:txPr/>
+    <dgm:style>
+      <a:lnRef idx="1">
+        <a:scrgbClr r="0" g="0" b="0"/>
+      </a:lnRef>
+      <a:fillRef idx="3">
+        <a:scrgbClr r="0" g="0" b="0"/>
+      </a:fillRef>
+      <a:effectRef idx="3">
+        <a:scrgbClr r="0" g="0" b="0"/>
+      </a:effectRef>
+      <a:fontRef idx="minor">
+        <a:schemeClr val="lt1"/>
+      </a:fontRef>
+    </dgm:style>
+  </dgm:styleLbl>
+  <dgm:styleLbl name="node1">
+    <dgm:scene3d>
+      <a:camera prst="orthographicFront"/>
+      <a:lightRig rig="threePt" dir="t"/>
+    </dgm:scene3d>
+    <dgm:sp3d/>
+    <dgm:txPr/>
+    <dgm:style>
+      <a:lnRef idx="0">
+        <a:scrgbClr r="0" g="0" b="0"/>
+      </a:lnRef>
+      <a:fillRef idx="3">
+        <a:scrgbClr r="0" g="0" b="0"/>
+      </a:fillRef>
+      <a:effectRef idx="3">
+        <a:scrgbClr r="0" g="0" b="0"/>
+      </a:effectRef>
+      <a:fontRef idx="minor">
+        <a:schemeClr val="lt1"/>
+      </a:fontRef>
+    </dgm:style>
+  </dgm:styleLbl>
+  <dgm:styleLbl name="node2">
+    <dgm:scene3d>
+      <a:camera prst="orthographicFront"/>
+      <a:lightRig rig="threePt" dir="t"/>
+    </dgm:scene3d>
+    <dgm:sp3d/>
+    <dgm:txPr/>
+    <dgm:style>
+      <a:lnRef idx="0">
+        <a:scrgbClr r="0" g="0" b="0"/>
+      </a:lnRef>
+      <a:fillRef idx="3">
+        <a:scrgbClr r="0" g="0" b="0"/>
+      </a:fillRef>
+      <a:effectRef idx="3">
+        <a:scrgbClr r="0" g="0" b="0"/>
+      </a:effectRef>
+      <a:fontRef idx="minor">
+        <a:schemeClr val="lt1"/>
+      </a:fontRef>
+    </dgm:style>
+  </dgm:styleLbl>
+  <dgm:styleLbl name="node3">
+    <dgm:scene3d>
+      <a:camera prst="orthographicFront"/>
+      <a:lightRig rig="threePt" dir="t"/>
+    </dgm:scene3d>
+    <dgm:sp3d/>
+    <dgm:txPr/>
+    <dgm:style>
+      <a:lnRef idx="0">
+        <a:scrgbClr r="0" g="0" b="0"/>
+      </a:lnRef>
+      <a:fillRef idx="3">
+        <a:scrgbClr r="0" g="0" b="0"/>
+      </a:fillRef>
+      <a:effectRef idx="3">
+        <a:scrgbClr r="0" g="0" b="0"/>
+      </a:effectRef>
+      <a:fontRef idx="minor">
+        <a:schemeClr val="lt1"/>
+      </a:fontRef>
+    </dgm:style>
+  </dgm:styleLbl>
+  <dgm:styleLbl name="node4">
+    <dgm:scene3d>
+      <a:camera prst="orthographicFront"/>
+      <a:lightRig rig="threePt" dir="t"/>
+    </dgm:scene3d>
+    <dgm:sp3d/>
+    <dgm:txPr/>
+    <dgm:style>
+      <a:lnRef idx="0">
+        <a:scrgbClr r="0" g="0" b="0"/>
+      </a:lnRef>
+      <a:fillRef idx="3">
+        <a:scrgbClr r="0" g="0" b="0"/>
+      </a:fillRef>
+      <a:effectRef idx="3">
+        <a:scrgbClr r="0" g="0" b="0"/>
+      </a:effectRef>
+      <a:fontRef idx="minor">
+        <a:schemeClr val="lt1"/>
+      </a:fontRef>
+    </dgm:style>
+  </dgm:styleLbl>
+  <dgm:styleLbl name="fgImgPlace1">
+    <dgm:scene3d>
+      <a:camera prst="orthographicFront"/>
+      <a:lightRig rig="threePt" dir="t"/>
+    </dgm:scene3d>
+    <dgm:sp3d/>
+    <dgm:txPr/>
+    <dgm:style>
+      <a:lnRef idx="0">
+        <a:scrgbClr r="0" g="0" b="0"/>
+      </a:lnRef>
+      <a:fillRef idx="1">
+        <a:scrgbClr r="0" g="0" b="0"/>
+      </a:fillRef>
+      <a:effectRef idx="3">
+        <a:scrgbClr r="0" g="0" b="0"/>
+      </a:effectRef>
+      <a:fontRef idx="minor"/>
+    </dgm:style>
+  </dgm:styleLbl>
+  <dgm:styleLbl name="alignImgPlace1">
+    <dgm:scene3d>
+      <a:camera prst="orthographicFront"/>
+      <a:lightRig rig="threePt" dir="t"/>
+    </dgm:scene3d>
+    <dgm:sp3d/>
+    <dgm:txPr/>
+    <dgm:style>
+      <a:lnRef idx="0">
+        <a:scrgbClr r="0" g="0" b="0"/>
+      </a:lnRef>
+      <a:fillRef idx="1">
+        <a:scrgbClr r="0" g="0" b="0"/>
+      </a:fillRef>
+      <a:effectRef idx="3">
+        <a:scrgbClr r="0" g="0" b="0"/>
+      </a:effectRef>
+      <a:fontRef idx="minor"/>
+    </dgm:style>
+  </dgm:styleLbl>
+  <dgm:styleLbl name="bgImgPlace1">
+    <dgm:scene3d>
+      <a:camera prst="orthographicFront"/>
+      <a:lightRig rig="threePt" dir="t"/>
+    </dgm:scene3d>
+    <dgm:sp3d/>
+    <dgm:txPr/>
+    <dgm:style>
+      <a:lnRef idx="0">
+        <a:scrgbClr r="0" g="0" b="0"/>
+      </a:lnRef>
+      <a:fillRef idx="1">
+        <a:scrgbClr r="0" g="0" b="0"/>
+      </a:fillRef>
+      <a:effectRef idx="3">
+        <a:scrgbClr r="0" g="0" b="0"/>
+      </a:effectRef>
+      <a:fontRef idx="minor"/>
+    </dgm:style>
+  </dgm:styleLbl>
+  <dgm:styleLbl name="sibTrans2D1">
+    <dgm:scene3d>
+      <a:camera prst="orthographicFront"/>
+      <a:lightRig rig="threePt" dir="t"/>
+    </dgm:scene3d>
+    <dgm:sp3d/>
+    <dgm:txPr/>
+    <dgm:style>
+      <a:lnRef idx="0">
+        <a:scrgbClr r="0" g="0" b="0"/>
+      </a:lnRef>
+      <a:fillRef idx="3">
+        <a:scrgbClr r="0" g="0" b="0"/>
+      </a:fillRef>
+      <a:effectRef idx="3">
+        <a:scrgbClr r="0" g="0" b="0"/>
+      </a:effectRef>
+      <a:fontRef idx="minor">
+        <a:schemeClr val="lt1"/>
+      </a:fontRef>
+    </dgm:style>
+  </dgm:styleLbl>
+  <dgm:styleLbl name="fgSibTrans2D1">
+    <dgm:scene3d>
+      <a:camera prst="orthographicFront"/>
+      <a:lightRig rig="threePt" dir="t"/>
+    </dgm:scene3d>
+    <dgm:sp3d/>
+    <dgm:txPr/>
+    <dgm:style>
+      <a:lnRef idx="0">
+        <a:scrgbClr r="0" g="0" b="0"/>
+      </a:lnRef>
+      <a:fillRef idx="3">
+        <a:scrgbClr r="0" g="0" b="0"/>
+      </a:fillRef>
+      <a:effectRef idx="3">
+        <a:scrgbClr r="0" g="0" b="0"/>
+      </a:effectRef>
+      <a:fontRef idx="minor">
+        <a:schemeClr val="lt1"/>
+      </a:fontRef>
+    </dgm:style>
+  </dgm:styleLbl>
+  <dgm:styleLbl name="bgSibTrans2D1">
+    <dgm:scene3d>
+      <a:camera prst="orthographicFront"/>
+      <a:lightRig rig="threePt" dir="t"/>
+    </dgm:scene3d>
+    <dgm:sp3d/>
+    <dgm:txPr/>
+    <dgm:style>
+      <a:lnRef idx="0">
+        <a:scrgbClr r="0" g="0" b="0"/>
+      </a:lnRef>
+      <a:fillRef idx="3">
+        <a:scrgbClr r="0" g="0" b="0"/>
+      </a:fillRef>
+      <a:effectRef idx="3">
+        <a:scrgbClr r="0" g="0" b="0"/>
+      </a:effectRef>
+      <a:fontRef idx="minor">
+        <a:schemeClr val="lt1"/>
+      </a:fontRef>
+    </dgm:style>
+  </dgm:styleLbl>
+  <dgm:styleLbl name="sibTrans1D1">
+    <dgm:scene3d>
+      <a:camera prst="orthographicFront"/>
+      <a:lightRig rig="threePt" dir="t"/>
+    </dgm:scene3d>
+    <dgm:sp3d/>
+    <dgm:txPr/>
+    <dgm:style>
+      <a:lnRef idx="1">
+        <a:scrgbClr r="0" g="0" b="0"/>
+      </a:lnRef>
+      <a:fillRef idx="0">
+        <a:scrgbClr r="0" g="0" b="0"/>
+      </a:fillRef>
+      <a:effectRef idx="0">
+        <a:scrgbClr r="0" g="0" b="0"/>
+      </a:effectRef>
+      <a:fontRef idx="minor"/>
+    </dgm:style>
+  </dgm:styleLbl>
+  <dgm:styleLbl name="callout">
+    <dgm:scene3d>
+      <a:camera prst="orthographicFront"/>
+      <a:lightRig rig="threePt" dir="t"/>
+    </dgm:scene3d>
+    <dgm:sp3d/>
+    <dgm:txPr/>
+    <dgm:style>
+      <a:lnRef idx="1">
+        <a:scrgbClr r="0" g="0" b="0"/>
+      </a:lnRef>
+      <a:fillRef idx="0">
+        <a:scrgbClr r="0" g="0" b="0"/>
+      </a:fillRef>
+      <a:effectRef idx="1">
+        <a:scrgbClr r="0" g="0" b="0"/>
+      </a:effectRef>
+      <a:fontRef idx="minor"/>
+    </dgm:style>
+  </dgm:styleLbl>
+  <dgm:styleLbl name="asst0">
+    <dgm:scene3d>
+      <a:camera prst="orthographicFront"/>
+      <a:lightRig rig="threePt" dir="t"/>
+    </dgm:scene3d>
+    <dgm:sp3d/>
+    <dgm:txPr/>
+    <dgm:style>
+      <a:lnRef idx="0">
+        <a:scrgbClr r="0" g="0" b="0"/>
+      </a:lnRef>
+      <a:fillRef idx="3">
+        <a:scrgbClr r="0" g="0" b="0"/>
+      </a:fillRef>
+      <a:effectRef idx="3">
+        <a:scrgbClr r="0" g="0" b="0"/>
+      </a:effectRef>
+      <a:fontRef idx="minor">
+        <a:schemeClr val="lt1"/>
+      </a:fontRef>
+    </dgm:style>
+  </dgm:styleLbl>
+  <dgm:styleLbl name="asst1">
+    <dgm:scene3d>
+      <a:camera prst="orthographicFront"/>
+      <a:lightRig rig="threePt" dir="t"/>
+    </dgm:scene3d>
+    <dgm:sp3d/>
+    <dgm:txPr/>
+    <dgm:style>
+      <a:lnRef idx="0">
+        <a:scrgbClr r="0" g="0" b="0"/>
+      </a:lnRef>
+      <a:fillRef idx="3">
+        <a:scrgbClr r="0" g="0" b="0"/>
+      </a:fillRef>
+      <a:effectRef idx="3">
+        <a:scrgbClr r="0" g="0" b="0"/>
+      </a:effectRef>
+      <a:fontRef idx="minor">
+        <a:schemeClr val="lt1"/>
+      </a:fontRef>
+    </dgm:style>
+  </dgm:styleLbl>
+  <dgm:styleLbl name="asst2">
+    <dgm:scene3d>
+      <a:camera prst="orthographicFront"/>
+      <a:lightRig rig="threePt" dir="t"/>
+    </dgm:scene3d>
+    <dgm:sp3d/>
+    <dgm:txPr/>
+    <dgm:style>
+      <a:lnRef idx="0">
+        <a:scrgbClr r="0" g="0" b="0"/>
+      </a:lnRef>
+      <a:fillRef idx="3">
+        <a:scrgbClr r="0" g="0" b="0"/>
+      </a:fillRef>
+      <a:effectRef idx="3">
+        <a:scrgbClr r="0" g="0" b="0"/>
+      </a:effectRef>
+      <a:fontRef idx="minor">
+        <a:schemeClr val="lt1"/>
+      </a:fontRef>
+    </dgm:style>
+  </dgm:styleLbl>
+  <dgm:styleLbl name="asst3">
+    <dgm:scene3d>
+      <a:camera prst="orthographicFront"/>
+      <a:lightRig rig="threePt" dir="t"/>
+    </dgm:scene3d>
+    <dgm:sp3d/>
+    <dgm:txPr/>
+    <dgm:style>
+      <a:lnRef idx="0">
+        <a:scrgbClr r="0" g="0" b="0"/>
+      </a:lnRef>
+      <a:fillRef idx="3">
+        <a:scrgbClr r="0" g="0" b="0"/>
+      </a:fillRef>
+      <a:effectRef idx="3">
+        <a:scrgbClr r="0" g="0" b="0"/>
+      </a:effectRef>
+      <a:fontRef idx="minor">
+        <a:schemeClr val="lt1"/>
+      </a:fontRef>
+    </dgm:style>
+  </dgm:styleLbl>
+  <dgm:styleLbl name="asst4">
+    <dgm:scene3d>
+      <a:camera prst="orthographicFront"/>
+      <a:lightRig rig="threePt" dir="t"/>
+    </dgm:scene3d>
+    <dgm:sp3d/>
+    <dgm:txPr/>
+    <dgm:style>
+      <a:lnRef idx="0">
+        <a:scrgbClr r="0" g="0" b="0"/>
+      </a:lnRef>
+      <a:fillRef idx="3">
+        <a:scrgbClr r="0" g="0" b="0"/>
+      </a:fillRef>
+      <a:effectRef idx="3">
+        <a:scrgbClr r="0" g="0" b="0"/>
+      </a:effectRef>
+      <a:fontRef idx="minor">
+        <a:schemeClr val="lt1"/>
+      </a:fontRef>
+    </dgm:style>
+  </dgm:styleLbl>
+  <dgm:styleLbl name="parChTrans2D1">
+    <dgm:scene3d>
+      <a:camera prst="orthographicFront"/>
+      <a:lightRig rig="threePt" dir="t"/>
+    </dgm:scene3d>
+    <dgm:sp3d/>
+    <dgm:txPr/>
+    <dgm:style>
+      <a:lnRef idx="0">
+        <a:scrgbClr r="0" g="0" b="0"/>
+      </a:lnRef>
+      <a:fillRef idx="3">
+        <a:scrgbClr r="0" g="0" b="0"/>
+      </a:fillRef>
+      <a:effectRef idx="3">
+        <a:scrgbClr r="0" g="0" b="0"/>
+      </a:effectRef>
+      <a:fontRef idx="minor">
+        <a:schemeClr val="lt1"/>
+      </a:fontRef>
+    </dgm:style>
+  </dgm:styleLbl>
+  <dgm:styleLbl name="parChTrans2D2">
+    <dgm:scene3d>
+      <a:camera prst="orthographicFront"/>
+      <a:lightRig rig="threePt" dir="t"/>
+    </dgm:scene3d>
+    <dgm:sp3d/>
+    <dgm:txPr/>
+    <dgm:style>
+      <a:lnRef idx="0">
+        <a:scrgbClr r="0" g="0" b="0"/>
+      </a:lnRef>
+      <a:fillRef idx="3">
+        <a:scrgbClr r="0" g="0" b="0"/>
+      </a:fillRef>
+      <a:effectRef idx="3">
+        <a:scrgbClr r="0" g="0" b="0"/>
+      </a:effectRef>
+      <a:fontRef idx="minor">
+        <a:schemeClr val="lt1"/>
+      </a:fontRef>
+    </dgm:style>
+  </dgm:styleLbl>
+  <dgm:styleLbl name="parChTrans2D3">
+    <dgm:scene3d>
+      <a:camera prst="orthographicFront"/>
+      <a:lightRig rig="threePt" dir="t"/>
+    </dgm:scene3d>
+    <dgm:sp3d/>
+    <dgm:txPr/>
+    <dgm:style>
+      <a:lnRef idx="0">
+        <a:scrgbClr r="0" g="0" b="0"/>
+      </a:lnRef>
+      <a:fillRef idx="3">
+        <a:scrgbClr r="0" g="0" b="0"/>
+      </a:fillRef>
+      <a:effectRef idx="3">
+        <a:scrgbClr r="0" g="0" b="0"/>
+      </a:effectRef>
+      <a:fontRef idx="minor">
+        <a:schemeClr val="lt1"/>
+      </a:fontRef>
+    </dgm:style>
+  </dgm:styleLbl>
+  <dgm:styleLbl name="parChTrans2D4">
+    <dgm:scene3d>
+      <a:camera prst="orthographicFront"/>
+      <a:lightRig rig="threePt" dir="t"/>
+    </dgm:scene3d>
+    <dgm:sp3d/>
+    <dgm:txPr/>
+    <dgm:style>
+      <a:lnRef idx="0">
+        <a:scrgbClr r="0" g="0" b="0"/>
+      </a:lnRef>
+      <a:fillRef idx="3">
+        <a:scrgbClr r="0" g="0" b="0"/>
+      </a:fillRef>
+      <a:effectRef idx="3">
+        <a:scrgbClr r="0" g="0" b="0"/>
+      </a:effectRef>
+      <a:fontRef idx="minor">
+        <a:schemeClr val="lt1"/>
+      </a:fontRef>
+    </dgm:style>
+  </dgm:styleLbl>
+  <dgm:styleLbl name="parChTrans1D1">
+    <dgm:scene3d>
+      <a:camera prst="orthographicFront"/>
+      <a:lightRig rig="threePt" dir="t"/>
+    </dgm:scene3d>
+    <dgm:sp3d/>
+    <dgm:txPr/>
+    <dgm:style>
+      <a:lnRef idx="2">
+        <a:scrgbClr r="0" g="0" b="0"/>
+      </a:lnRef>
+      <a:fillRef idx="0">
+        <a:scrgbClr r="0" g="0" b="0"/>
+      </a:fillRef>
+      <a:effectRef idx="0">
+        <a:scrgbClr r="0" g="0" b="0"/>
+      </a:effectRef>
+      <a:fontRef idx="minor"/>
+    </dgm:style>
+  </dgm:styleLbl>
+  <dgm:styleLbl name="parChTrans1D2">
+    <dgm:scene3d>
+      <a:camera prst="orthographicFront"/>
+      <a:lightRig rig="threePt" dir="t"/>
+    </dgm:scene3d>
+    <dgm:sp3d/>
+    <dgm:txPr/>
+    <dgm:style>
+      <a:lnRef idx="2">
+        <a:scrgbClr r="0" g="0" b="0"/>
+      </a:lnRef>
+      <a:fillRef idx="0">
+        <a:scrgbClr r="0" g="0" b="0"/>
+      </a:fillRef>
+      <a:effectRef idx="0">
+        <a:scrgbClr r="0" g="0" b="0"/>
+      </a:effectRef>
+      <a:fontRef idx="minor"/>
+    </dgm:style>
+  </dgm:styleLbl>
+  <dgm:styleLbl name="parChTrans1D3">
+    <dgm:scene3d>
+      <a:camera prst="orthographicFront"/>
+      <a:lightRig rig="threePt" dir="t"/>
+    </dgm:scene3d>
+    <dgm:sp3d/>
+    <dgm:txPr/>
+    <dgm:style>
+      <a:lnRef idx="2">
+        <a:scrgbClr r="0" g="0" b="0"/>
+      </a:lnRef>
+      <a:fillRef idx="0">
+        <a:scrgbClr r="0" g="0" b="0"/>
+      </a:fillRef>
+      <a:effectRef idx="0">
+        <a:scrgbClr r="0" g="0" b="0"/>
+      </a:effectRef>
+      <a:fontRef idx="minor"/>
+    </dgm:style>
+  </dgm:styleLbl>
+  <dgm:styleLbl name="parChTrans1D4">
+    <dgm:scene3d>
+      <a:camera prst="orthographicFront"/>
+      <a:lightRig rig="threePt" dir="t"/>
+    </dgm:scene3d>
+    <dgm:sp3d/>
+    <dgm:txPr/>
+    <dgm:style>
+      <a:lnRef idx="2">
+        <a:scrgbClr r="0" g="0" b="0"/>
+      </a:lnRef>
+      <a:fillRef idx="0">
+        <a:scrgbClr r="0" g="0" b="0"/>
+      </a:fillRef>
+      <a:effectRef idx="0">
+        <a:scrgbClr r="0" g="0" b="0"/>
+      </a:effectRef>
+      <a:fontRef idx="minor"/>
+    </dgm:style>
+  </dgm:styleLbl>
+  <dgm:styleLbl name="fgAcc1">
+    <dgm:scene3d>
+      <a:camera prst="orthographicFront"/>
+      <a:lightRig rig="threePt" dir="t"/>
+    </dgm:scene3d>
+    <dgm:sp3d/>
+    <dgm:txPr/>
+    <dgm:style>
+      <a:lnRef idx="1">
+        <a:scrgbClr r="0" g="0" b="0"/>
+      </a:lnRef>
+      <a:fillRef idx="1">
+        <a:scrgbClr r="0" g="0" b="0"/>
+      </a:fillRef>
+      <a:effectRef idx="2">
+        <a:scrgbClr r="0" g="0" b="0"/>
+      </a:effectRef>
+      <a:fontRef idx="minor"/>
+    </dgm:style>
+  </dgm:styleLbl>
+  <dgm:styleLbl name="conFgAcc1">
+    <dgm:scene3d>
+      <a:camera prst="orthographicFront"/>
+      <a:lightRig rig="threePt" dir="t"/>
+    </dgm:scene3d>
+    <dgm:sp3d/>
+    <dgm:txPr/>
+    <dgm:style>
+      <a:lnRef idx="1">
+        <a:scrgbClr r="0" g="0" b="0"/>
+      </a:lnRef>
+      <a:fillRef idx="1">
+        <a:scrgbClr r="0" g="0" b="0"/>
+      </a:fillRef>
+      <a:effectRef idx="2">
+        <a:scrgbClr r="0" g="0" b="0"/>
+      </a:effectRef>
+      <a:fontRef idx="minor"/>
+    </dgm:style>
+  </dgm:styleLbl>
+  <dgm:styleLbl name="alignAcc1">
+    <dgm:scene3d>
+      <a:camera prst="orthographicFront"/>
+      <a:lightRig rig="threePt" dir="t"/>
+    </dgm:scene3d>
+    <dgm:sp3d/>
+    <dgm:txPr/>
+    <dgm:style>
+      <a:lnRef idx="1">
+        <a:scrgbClr r="0" g="0" b="0"/>
+      </a:lnRef>
+      <a:fillRef idx="1">
+        <a:scrgbClr r="0" g="0" b="0"/>
+      </a:fillRef>
+      <a:effectRef idx="2">
+        <a:scrgbClr r="0" g="0" b="0"/>
+      </a:effectRef>
+      <a:fontRef idx="minor"/>
+    </dgm:style>
+  </dgm:styleLbl>
+  <dgm:styleLbl name="trAlignAcc1">
+    <dgm:scene3d>
+      <a:camera prst="orthographicFront"/>
+      <a:lightRig rig="threePt" dir="t"/>
+    </dgm:scene3d>
+    <dgm:sp3d/>
+    <dgm:txPr/>
+    <dgm:style>
+      <a:lnRef idx="1">
+        <a:scrgbClr r="0" g="0" b="0"/>
+      </a:lnRef>
+      <a:fillRef idx="1">
+        <a:scrgbClr r="0" g="0" b="0"/>
+      </a:fillRef>
+      <a:effectRef idx="0">
+        <a:scrgbClr r="0" g="0" b="0"/>
+      </a:effectRef>
+      <a:fontRef idx="minor"/>
+    </dgm:style>
+  </dgm:styleLbl>
+  <dgm:styleLbl name="bgAcc1">
+    <dgm:scene3d>
+      <a:camera prst="orthographicFront"/>
+      <a:lightRig rig="threePt" dir="t"/>
+    </dgm:scene3d>
+    <dgm:sp3d/>
+    <dgm:txPr/>
+    <dgm:style>
+      <a:lnRef idx="1">
+        <a:scrgbClr r="0" g="0" b="0"/>
+      </a:lnRef>
+      <a:fillRef idx="1">
+        <a:scrgbClr r="0" g="0" b="0"/>
+      </a:fillRef>
+      <a:effectRef idx="2">
+        <a:scrgbClr r="0" g="0" b="0"/>
+      </a:effectRef>
+      <a:fontRef idx="minor"/>
+    </dgm:style>
+  </dgm:styleLbl>
+  <dgm:styleLbl name="solidFgAcc1">
+    <dgm:scene3d>
+      <a:camera prst="orthographicFront"/>
+      <a:lightRig rig="threePt" dir="t"/>
+    </dgm:scene3d>
+    <dgm:sp3d/>
+    <dgm:txPr/>
+    <dgm:style>
+      <a:lnRef idx="1">
+        <a:scrgbClr r="0" g="0" b="0"/>
+      </a:lnRef>
+      <a:fillRef idx="1">
+        <a:scrgbClr r="0" g="0" b="0"/>
+      </a:fillRef>
+      <a:effectRef idx="2">
+        <a:scrgbClr r="0" g="0" b="0"/>
+      </a:effectRef>
+      <a:fontRef idx="minor"/>
+    </dgm:style>
+  </dgm:styleLbl>
+  <dgm:styleLbl name="solidAlignAcc1">
+    <dgm:scene3d>
+      <a:camera prst="orthographicFront"/>
+      <a:lightRig rig="threePt" dir="t"/>
+    </dgm:scene3d>
+    <dgm:sp3d/>
+    <dgm:txPr/>
+    <dgm:style>
+      <a:lnRef idx="1">
+        <a:scrgbClr r="0" g="0" b="0"/>
+      </a:lnRef>
+      <a:fillRef idx="1">
+        <a:scrgbClr r="0" g="0" b="0"/>
+      </a:fillRef>
+      <a:effectRef idx="3">
+        <a:scrgbClr r="0" g="0" b="0"/>
+      </a:effectRef>
+      <a:fontRef idx="minor"/>
+    </dgm:style>
+  </dgm:styleLbl>
+  <dgm:styleLbl name="solidBgAcc1">
+    <dgm:scene3d>
+      <a:camera prst="orthographicFront"/>
+      <a:lightRig rig="threePt" dir="t"/>
+    </dgm:scene3d>
+    <dgm:sp3d/>
+    <dgm:txPr/>
+    <dgm:style>
+      <a:lnRef idx="1">
+        <a:scrgbClr r="0" g="0" b="0"/>
+      </a:lnRef>
+      <a:fillRef idx="1">
+        <a:scrgbClr r="0" g="0" b="0"/>
+      </a:fillRef>
+      <a:effectRef idx="3">
+        <a:scrgbClr r="0" g="0" b="0"/>
+      </a:effectRef>
+      <a:fontRef idx="minor"/>
+    </dgm:style>
+  </dgm:styleLbl>
+  <dgm:styleLbl name="fgAccFollowNode1">
+    <dgm:scene3d>
+      <a:camera prst="orthographicFront"/>
+      <a:lightRig rig="threePt" dir="t"/>
+    </dgm:scene3d>
+    <dgm:sp3d/>
+    <dgm:txPr/>
+    <dgm:style>
+      <a:lnRef idx="1">
+        <a:scrgbClr r="0" g="0" b="0"/>
+      </a:lnRef>
+      <a:fillRef idx="1">
+        <a:scrgbClr r="0" g="0" b="0"/>
+      </a:fillRef>
+      <a:effectRef idx="2">
+        <a:scrgbClr r="0" g="0" b="0"/>
+      </a:effectRef>
+      <a:fontRef idx="minor"/>
+    </dgm:style>
+  </dgm:styleLbl>
+  <dgm:styleLbl name="alignAccFollowNode1">
+    <dgm:scene3d>
+      <a:camera prst="orthographicFront"/>
+      <a:lightRig rig="threePt" dir="t"/>
+    </dgm:scene3d>
+    <dgm:sp3d/>
+    <dgm:txPr/>
+    <dgm:style>
+      <a:lnRef idx="1">
+        <a:scrgbClr r="0" g="0" b="0"/>
+      </a:lnRef>
+      <a:fillRef idx="1">
+        <a:scrgbClr r="0" g="0" b="0"/>
+      </a:fillRef>
+      <a:effectRef idx="2">
+        <a:scrgbClr r="0" g="0" b="0"/>
+      </a:effectRef>
+      <a:fontRef idx="minor"/>
+    </dgm:style>
+  </dgm:styleLbl>
+  <dgm:styleLbl name="bgAccFollowNode1">
+    <dgm:scene3d>
+      <a:camera prst="orthographicFront"/>
+      <a:lightRig rig="threePt" dir="t"/>
+    </dgm:scene3d>
+    <dgm:sp3d/>
+    <dgm:txPr/>
+    <dgm:style>
+      <a:lnRef idx="1">
+        <a:scrgbClr r="0" g="0" b="0"/>
+      </a:lnRef>
+      <a:fillRef idx="1">
+        <a:scrgbClr r="0" g="0" b="0"/>
+      </a:fillRef>
+      <a:effectRef idx="2">
+        <a:scrgbClr r="0" g="0" b="0"/>
+      </a:effectRef>
+      <a:fontRef idx="minor"/>
+    </dgm:style>
+  </dgm:styleLbl>
+  <dgm:styleLbl name="fgAcc0">
+    <dgm:scene3d>
+      <a:camera prst="orthographicFront"/>
+      <a:lightRig rig="threePt" dir="t"/>
+    </dgm:scene3d>
+    <dgm:sp3d/>
+    <dgm:txPr/>
+    <dgm:style>
+      <a:lnRef idx="1">
+        <a:scrgbClr r="0" g="0" b="0"/>
+      </a:lnRef>
+      <a:fillRef idx="1">
+        <a:scrgbClr r="0" g="0" b="0"/>
+      </a:fillRef>
+      <a:effectRef idx="2">
+        <a:scrgbClr r="0" g="0" b="0"/>
+      </a:effectRef>
+      <a:fontRef idx="minor"/>
+    </dgm:style>
+  </dgm:styleLbl>
+  <dgm:styleLbl name="fgAcc2">
+    <dgm:scene3d>
+      <a:camera prst="orthographicFront"/>
+      <a:lightRig rig="threePt" dir="t"/>
+    </dgm:scene3d>
+    <dgm:sp3d/>
+    <dgm:txPr/>
+    <dgm:style>
+      <a:lnRef idx="1">
+        <a:scrgbClr r="0" g="0" b="0"/>
+      </a:lnRef>
+      <a:fillRef idx="1">
+        <a:scrgbClr r="0" g="0" b="0"/>
+      </a:fillRef>
+      <a:effectRef idx="2">
+        <a:scrgbClr r="0" g="0" b="0"/>
+      </a:effectRef>
+      <a:fontRef idx="minor"/>
+    </dgm:style>
+  </dgm:styleLbl>
+  <dgm:styleLbl name="fgAcc3">
+    <dgm:scene3d>
+      <a:camera prst="orthographicFront"/>
+      <a:lightRig rig="threePt" dir="t"/>
+    </dgm:scene3d>
+    <dgm:sp3d/>
+    <dgm:txPr/>
+    <dgm:style>
+      <a:lnRef idx="1">
+        <a:scrgbClr r="0" g="0" b="0"/>
+      </a:lnRef>
+      <a:fillRef idx="1">
+        <a:scrgbClr r="0" g="0" b="0"/>
+      </a:fillRef>
+      <a:effectRef idx="2">
+        <a:scrgbClr r="0" g="0" b="0"/>
+      </a:effectRef>
+      <a:fontRef idx="minor"/>
+    </dgm:style>
+  </dgm:styleLbl>
+  <dgm:styleLbl name="fgAcc4">
+    <dgm:scene3d>
+      <a:camera prst="orthographicFront"/>
+      <a:lightRig rig="threePt" dir="t"/>
+    </dgm:scene3d>
+    <dgm:sp3d/>
+    <dgm:txPr/>
+    <dgm:style>
+      <a:lnRef idx="1">
+        <a:scrgbClr r="0" g="0" b="0"/>
+      </a:lnRef>
+      <a:fillRef idx="1">
+        <a:scrgbClr r="0" g="0" b="0"/>
+      </a:fillRef>
+      <a:effectRef idx="2">
+        <a:scrgbClr r="0" g="0" b="0"/>
+      </a:effectRef>
+      <a:fontRef idx="minor"/>
+    </dgm:style>
+  </dgm:styleLbl>
+  <dgm:styleLbl name="bgShp">
+    <dgm:scene3d>
+      <a:camera prst="orthographicFront"/>
+      <a:lightRig rig="threePt" dir="t"/>
+    </dgm:scene3d>
+    <dgm:sp3d/>
+    <dgm:txPr/>
+    <dgm:style>
+      <a:lnRef idx="0">
+        <a:scrgbClr r="0" g="0" b="0"/>
+      </a:lnRef>
+      <a:fillRef idx="1">
+        <a:scrgbClr r="0" g="0" b="0"/>
+      </a:fillRef>
+      <a:effectRef idx="2">
+        <a:scrgbClr r="0" g="0" b="0"/>
+      </a:effectRef>
+      <a:fontRef idx="minor"/>
+    </dgm:style>
+  </dgm:styleLbl>
+  <dgm:styleLbl name="dkBgShp">
+    <dgm:scene3d>
+      <a:camera prst="orthographicFront"/>
+      <a:lightRig rig="threePt" dir="t"/>
+    </dgm:scene3d>
+    <dgm:sp3d/>
+    <dgm:txPr/>
+    <dgm:style>
+      <a:lnRef idx="0">
+        <a:scrgbClr r="0" g="0" b="0"/>
+      </a:lnRef>
+      <a:fillRef idx="1">
+        <a:scrgbClr r="0" g="0" b="0"/>
+      </a:fillRef>
+      <a:effectRef idx="3">
+        <a:scrgbClr r="0" g="0" b="0"/>
+      </a:effectRef>
+      <a:fontRef idx="minor"/>
+    </dgm:style>
+  </dgm:styleLbl>
+  <dgm:styleLbl name="trBgShp">
+    <dgm:scene3d>
+      <a:camera prst="orthographicFront"/>
+      <a:lightRig rig="threePt" dir="t"/>
+    </dgm:scene3d>
+    <dgm:sp3d/>
+    <dgm:txPr/>
+    <dgm:style>
+      <a:lnRef idx="0">
+        <a:scrgbClr r="0" g="0" b="0"/>
+      </a:lnRef>
+      <a:fillRef idx="1">
+        <a:scrgbClr r="0" g="0" b="0"/>
+      </a:fillRef>
+      <a:effectRef idx="0">
+        <a:scrgbClr r="0" g="0" b="0"/>
+      </a:effectRef>
+      <a:fontRef idx="minor"/>
+    </dgm:style>
+  </dgm:styleLbl>
+  <dgm:styleLbl name="fgShp">
+    <dgm:scene3d>
+      <a:camera prst="orthographicFront"/>
+      <a:lightRig rig="threePt" dir="t"/>
+    </dgm:scene3d>
+    <dgm:sp3d/>
+    <dgm:txPr/>
+    <dgm:style>
+      <a:lnRef idx="0">
+        <a:scrgbClr r="0" g="0" b="0"/>
+      </a:lnRef>
+      <a:fillRef idx="3">
+        <a:scrgbClr r="0" g="0" b="0"/>
+      </a:fillRef>
+      <a:effectRef idx="3">
+        <a:scrgbClr r="0" g="0" b="0"/>
+      </a:effectRef>
+      <a:fontRef idx="minor"/>
+    </dgm:style>
+  </dgm:styleLbl>
+  <dgm:styleLbl name="revTx">
+    <dgm:scene3d>
+      <a:camera prst="orthographicFront"/>
+      <a:lightRig rig="threePt" dir="t"/>
+    </dgm:scene3d>
+    <dgm:sp3d/>
+    <dgm:txPr/>
+    <dgm:style>
+      <a:lnRef idx="0">
+        <a:scrgbClr r="0" g="0" b="0"/>
+      </a:lnRef>
+      <a:fillRef idx="0">
+        <a:scrgbClr r="0" g="0" b="0"/>
+      </a:fillRef>
+      <a:effectRef idx="0">
+        <a:scrgbClr r="0" g="0" b="0"/>
+      </a:effectRef>
+      <a:fontRef idx="minor"/>
+    </dgm:style>
+  </dgm:styleLbl>
+</dgm:styleDef>
+</file>
+
+<file path=ppt/diagrams/quickStyle3.xml><?xml version="1.0" encoding="utf-8"?>
+<dgm:styleDef xmlns:dgm="http://schemas.openxmlformats.org/drawingml/2006/diagram" xmlns:a="http://schemas.openxmlformats.org/drawingml/2006/main" uniqueId="urn:microsoft.com/office/officeart/2005/8/quickstyle/simple4">
+  <dgm:title val=""/>
+  <dgm:desc val=""/>
+  <dgm:catLst>
+    <dgm:cat type="simple" pri="10400"/>
+  </dgm:catLst>
+  <dgm:scene3d>
+    <a:camera prst="orthographicFront"/>
+    <a:lightRig rig="threePt" dir="t"/>
+  </dgm:scene3d>
+  <dgm:styleLbl name="node0">
+    <dgm:scene3d>
+      <a:camera prst="orthographicFront"/>
+      <a:lightRig rig="threePt" dir="t"/>
+    </dgm:scene3d>
+    <dgm:sp3d/>
+    <dgm:txPr/>
+    <dgm:style>
+      <a:lnRef idx="0">
+        <a:scrgbClr r="0" g="0" b="0"/>
+      </a:lnRef>
+      <a:fillRef idx="3">
+        <a:scrgbClr r="0" g="0" b="0"/>
+      </a:fillRef>
+      <a:effectRef idx="2">
+        <a:scrgbClr r="0" g="0" b="0"/>
+      </a:effectRef>
+      <a:fontRef idx="minor">
+        <a:schemeClr val="lt1"/>
+      </a:fontRef>
+    </dgm:style>
+  </dgm:styleLbl>
+  <dgm:styleLbl name="lnNode1">
+    <dgm:scene3d>
+      <a:camera prst="orthographicFront"/>
+      <a:lightRig rig="threePt" dir="t"/>
+    </dgm:scene3d>
+    <dgm:sp3d/>
+    <dgm:txPr/>
+    <dgm:style>
+      <a:lnRef idx="1">
+        <a:scrgbClr r="0" g="0" b="0"/>
+      </a:lnRef>
+      <a:fillRef idx="3">
+        <a:scrgbClr r="0" g="0" b="0"/>
+      </a:fillRef>
+      <a:effectRef idx="2">
+        <a:scrgbClr r="0" g="0" b="0"/>
+      </a:effectRef>
+      <a:fontRef idx="minor">
+        <a:schemeClr val="lt1"/>
+      </a:fontRef>
+    </dgm:style>
+  </dgm:styleLbl>
+  <dgm:styleLbl name="vennNode1">
+    <dgm:scene3d>
+      <a:camera prst="orthographicFront"/>
+      <a:lightRig rig="threePt" dir="t"/>
+    </dgm:scene3d>
+    <dgm:sp3d/>
+    <dgm:txPr/>
+    <dgm:style>
+      <a:lnRef idx="0">
+        <a:scrgbClr r="0" g="0" b="0"/>
+      </a:lnRef>
+      <a:fillRef idx="3">
+        <a:scrgbClr r="0" g="0" b="0"/>
+      </a:fillRef>
+      <a:effectRef idx="0">
+        <a:scrgbClr r="0" g="0" b="0"/>
+      </a:effectRef>
+      <a:fontRef idx="minor">
+        <a:schemeClr val="tx1"/>
+      </a:fontRef>
+    </dgm:style>
+  </dgm:styleLbl>
+  <dgm:styleLbl name="alignNode1">
+    <dgm:scene3d>
+      <a:camera prst="orthographicFront"/>
+      <a:lightRig rig="threePt" dir="t"/>
+    </dgm:scene3d>
+    <dgm:sp3d/>
+    <dgm:txPr/>
+    <dgm:style>
+      <a:lnRef idx="1">
+        <a:scrgbClr r="0" g="0" b="0"/>
+      </a:lnRef>
+      <a:fillRef idx="3">
+        <a:scrgbClr r="0" g="0" b="0"/>
+      </a:fillRef>
+      <a:effectRef idx="2">
+        <a:scrgbClr r="0" g="0" b="0"/>
+      </a:effectRef>
+      <a:fontRef idx="minor">
+        <a:schemeClr val="lt1"/>
+      </a:fontRef>
+    </dgm:style>
+  </dgm:styleLbl>
+  <dgm:styleLbl name="node1">
+    <dgm:scene3d>
+      <a:camera prst="orthographicFront"/>
+      <a:lightRig rig="threePt" dir="t"/>
+    </dgm:scene3d>
+    <dgm:sp3d/>
+    <dgm:txPr/>
+    <dgm:style>
+      <a:lnRef idx="0">
+        <a:scrgbClr r="0" g="0" b="0"/>
+      </a:lnRef>
+      <a:fillRef idx="3">
+        <a:scrgbClr r="0" g="0" b="0"/>
+      </a:fillRef>
+      <a:effectRef idx="2">
+        <a:scrgbClr r="0" g="0" b="0"/>
+      </a:effectRef>
+      <a:fontRef idx="minor">
+        <a:schemeClr val="lt1"/>
+      </a:fontRef>
+    </dgm:style>
+  </dgm:styleLbl>
+  <dgm:styleLbl name="node2">
+    <dgm:scene3d>
+      <a:camera prst="orthographicFront"/>
+      <a:lightRig rig="threePt" dir="t"/>
+    </dgm:scene3d>
+    <dgm:sp3d/>
+    <dgm:txPr/>
+    <dgm:style>
+      <a:lnRef idx="0">
+        <a:scrgbClr r="0" g="0" b="0"/>
+      </a:lnRef>
+      <a:fillRef idx="3">
+        <a:scrgbClr r="0" g="0" b="0"/>
+      </a:fillRef>
+      <a:effectRef idx="2">
+        <a:scrgbClr r="0" g="0" b="0"/>
+      </a:effectRef>
+      <a:fontRef idx="minor">
+        <a:schemeClr val="lt1"/>
+      </a:fontRef>
+    </dgm:style>
+  </dgm:styleLbl>
+  <dgm:styleLbl name="node3">
+    <dgm:scene3d>
+      <a:camera prst="orthographicFront"/>
+      <a:lightRig rig="threePt" dir="t"/>
+    </dgm:scene3d>
+    <dgm:sp3d/>
+    <dgm:txPr/>
+    <dgm:style>
+      <a:lnRef idx="0">
+        <a:scrgbClr r="0" g="0" b="0"/>
+      </a:lnRef>
+      <a:fillRef idx="3">
+        <a:scrgbClr r="0" g="0" b="0"/>
+      </a:fillRef>
+      <a:effectRef idx="2">
+        <a:scrgbClr r="0" g="0" b="0"/>
+      </a:effectRef>
+      <a:fontRef idx="minor">
+        <a:schemeClr val="lt1"/>
+      </a:fontRef>
+    </dgm:style>
+  </dgm:styleLbl>
+  <dgm:styleLbl name="node4">
+    <dgm:scene3d>
+      <a:camera prst="orthographicFront"/>
+      <a:lightRig rig="threePt" dir="t"/>
+    </dgm:scene3d>
+    <dgm:sp3d/>
+    <dgm:txPr/>
+    <dgm:style>
+      <a:lnRef idx="0">
+        <a:scrgbClr r="0" g="0" b="0"/>
+      </a:lnRef>
+      <a:fillRef idx="3">
+        <a:scrgbClr r="0" g="0" b="0"/>
+      </a:fillRef>
+      <a:effectRef idx="2">
+        <a:scrgbClr r="0" g="0" b="0"/>
+      </a:effectRef>
+      <a:fontRef idx="minor">
+        <a:schemeClr val="lt1"/>
+      </a:fontRef>
+    </dgm:style>
+  </dgm:styleLbl>
+  <dgm:styleLbl name="fgImgPlace1">
+    <dgm:scene3d>
+      <a:camera prst="orthographicFront"/>
+      <a:lightRig rig="threePt" dir="t"/>
+    </dgm:scene3d>
+    <dgm:sp3d/>
+    <dgm:txPr/>
+    <dgm:style>
+      <a:lnRef idx="0">
+        <a:scrgbClr r="0" g="0" b="0"/>
+      </a:lnRef>
+      <a:fillRef idx="1">
+        <a:scrgbClr r="0" g="0" b="0"/>
+      </a:fillRef>
+      <a:effectRef idx="2">
+        <a:scrgbClr r="0" g="0" b="0"/>
+      </a:effectRef>
+      <a:fontRef idx="minor"/>
+    </dgm:style>
+  </dgm:styleLbl>
+  <dgm:styleLbl name="alignImgPlace1">
+    <dgm:scene3d>
+      <a:camera prst="orthographicFront"/>
+      <a:lightRig rig="threePt" dir="t"/>
+    </dgm:scene3d>
+    <dgm:sp3d/>
+    <dgm:txPr/>
+    <dgm:style>
+      <a:lnRef idx="0">
+        <a:scrgbClr r="0" g="0" b="0"/>
+      </a:lnRef>
+      <a:fillRef idx="1">
+        <a:scrgbClr r="0" g="0" b="0"/>
+      </a:fillRef>
+      <a:effectRef idx="2">
+        <a:scrgbClr r="0" g="0" b="0"/>
+      </a:effectRef>
+      <a:fontRef idx="minor"/>
+    </dgm:style>
+  </dgm:styleLbl>
+  <dgm:styleLbl name="bgImgPlace1">
+    <dgm:scene3d>
+      <a:camera prst="orthographicFront"/>
+      <a:lightRig rig="threePt" dir="t"/>
+    </dgm:scene3d>
+    <dgm:sp3d/>
+    <dgm:txPr/>
+    <dgm:style>
+      <a:lnRef idx="0">
+        <a:scrgbClr r="0" g="0" b="0"/>
+      </a:lnRef>
+      <a:fillRef idx="1">
+        <a:scrgbClr r="0" g="0" b="0"/>
+      </a:fillRef>
+      <a:effectRef idx="2">
+        <a:scrgbClr r="0" g="0" b="0"/>
+      </a:effectRef>
+      <a:fontRef idx="minor"/>
+    </dgm:style>
+  </dgm:styleLbl>
+  <dgm:styleLbl name="sibTrans2D1">
+    <dgm:scene3d>
+      <a:camera prst="orthographicFront"/>
+      <a:lightRig rig="threePt" dir="t"/>
+    </dgm:scene3d>
+    <dgm:sp3d/>
+    <dgm:txPr/>
+    <dgm:style>
+      <a:lnRef idx="0">
+        <a:scrgbClr r="0" g="0" b="0"/>
+      </a:lnRef>
+      <a:fillRef idx="3">
+        <a:scrgbClr r="0" g="0" b="0"/>
+      </a:fillRef>
+      <a:effectRef idx="2">
+        <a:scrgbClr r="0" g="0" b="0"/>
+      </a:effectRef>
+      <a:fontRef idx="minor">
+        <a:schemeClr val="lt1"/>
+      </a:fontRef>
+    </dgm:style>
+  </dgm:styleLbl>
+  <dgm:styleLbl name="fgSibTrans2D1">
+    <dgm:scene3d>
+      <a:camera prst="orthographicFront"/>
+      <a:lightRig rig="threePt" dir="t"/>
+    </dgm:scene3d>
+    <dgm:sp3d/>
+    <dgm:txPr/>
+    <dgm:style>
+      <a:lnRef idx="0">
+        <a:scrgbClr r="0" g="0" b="0"/>
+      </a:lnRef>
+      <a:fillRef idx="3">
+        <a:scrgbClr r="0" g="0" b="0"/>
+      </a:fillRef>
+      <a:effectRef idx="2">
+        <a:scrgbClr r="0" g="0" b="0"/>
+      </a:effectRef>
+      <a:fontRef idx="minor">
+        <a:schemeClr val="lt1"/>
+      </a:fontRef>
+    </dgm:style>
+  </dgm:styleLbl>
+  <dgm:styleLbl name="bgSibTrans2D1">
+    <dgm:scene3d>
+      <a:camera prst="orthographicFront"/>
+      <a:lightRig rig="threePt" dir="t"/>
+    </dgm:scene3d>
+    <dgm:sp3d/>
+    <dgm:txPr/>
+    <dgm:style>
+      <a:lnRef idx="0">
+        <a:scrgbClr r="0" g="0" b="0"/>
+      </a:lnRef>
+      <a:fillRef idx="3">
+        <a:scrgbClr r="0" g="0" b="0"/>
+      </a:fillRef>
+      <a:effectRef idx="2">
+        <a:scrgbClr r="0" g="0" b="0"/>
+      </a:effectRef>
+      <a:fontRef idx="minor">
+        <a:schemeClr val="lt1"/>
+      </a:fontRef>
+    </dgm:style>
+  </dgm:styleLbl>
+  <dgm:styleLbl name="sibTrans1D1">
+    <dgm:scene3d>
+      <a:camera prst="orthographicFront"/>
+      <a:lightRig rig="threePt" dir="t"/>
+    </dgm:scene3d>
+    <dgm:sp3d/>
+    <dgm:txPr/>
+    <dgm:style>
+      <a:lnRef idx="1">
+        <a:scrgbClr r="0" g="0" b="0"/>
+      </a:lnRef>
+      <a:fillRef idx="0">
+        <a:scrgbClr r="0" g="0" b="0"/>
+      </a:fillRef>
+      <a:effectRef idx="0">
+        <a:scrgbClr r="0" g="0" b="0"/>
+      </a:effectRef>
+      <a:fontRef idx="minor"/>
+    </dgm:style>
+  </dgm:styleLbl>
+  <dgm:styleLbl name="callout">
+    <dgm:scene3d>
+      <a:camera prst="orthographicFront"/>
+      <a:lightRig rig="threePt" dir="t"/>
+    </dgm:scene3d>
+    <dgm:sp3d/>
+    <dgm:txPr/>
+    <dgm:style>
+      <a:lnRef idx="2">
+        <a:scrgbClr r="0" g="0" b="0"/>
+      </a:lnRef>
+      <a:fillRef idx="1">
+        <a:scrgbClr r="0" g="0" b="0"/>
+      </a:fillRef>
+      <a:effectRef idx="1">
+        <a:scrgbClr r="0" g="0" b="0"/>
+      </a:effectRef>
+      <a:fontRef idx="minor"/>
+    </dgm:style>
+  </dgm:styleLbl>
+  <dgm:styleLbl name="asst0">
+    <dgm:scene3d>
+      <a:camera prst="orthographicFront"/>
+      <a:lightRig rig="threePt" dir="t"/>
+    </dgm:scene3d>
+    <dgm:sp3d/>
+    <dgm:txPr/>
+    <dgm:style>
+      <a:lnRef idx="0">
+        <a:scrgbClr r="0" g="0" b="0"/>
+      </a:lnRef>
+      <a:fillRef idx="3">
+        <a:scrgbClr r="0" g="0" b="0"/>
+      </a:fillRef>
+      <a:effectRef idx="2">
+        <a:scrgbClr r="0" g="0" b="0"/>
+      </a:effectRef>
+      <a:fontRef idx="minor">
+        <a:schemeClr val="lt1"/>
+      </a:fontRef>
+    </dgm:style>
+  </dgm:styleLbl>
+  <dgm:styleLbl name="asst1">
+    <dgm:scene3d>
+      <a:camera prst="orthographicFront"/>
+      <a:lightRig rig="threePt" dir="t"/>
+    </dgm:scene3d>
+    <dgm:sp3d/>
+    <dgm:txPr/>
+    <dgm:style>
+      <a:lnRef idx="0">
+        <a:scrgbClr r="0" g="0" b="0"/>
+      </a:lnRef>
+      <a:fillRef idx="3">
+        <a:scrgbClr r="0" g="0" b="0"/>
+      </a:fillRef>
+      <a:effectRef idx="2">
+        <a:scrgbClr r="0" g="0" b="0"/>
+      </a:effectRef>
+      <a:fontRef idx="minor">
+        <a:schemeClr val="lt1"/>
+      </a:fontRef>
+    </dgm:style>
+  </dgm:styleLbl>
+  <dgm:styleLbl name="asst2">
+    <dgm:scene3d>
+      <a:camera prst="orthographicFront"/>
+      <a:lightRig rig="threePt" dir="t"/>
+    </dgm:scene3d>
+    <dgm:sp3d/>
+    <dgm:txPr/>
+    <dgm:style>
+      <a:lnRef idx="0">
+        <a:scrgbClr r="0" g="0" b="0"/>
+      </a:lnRef>
+      <a:fillRef idx="3">
+        <a:scrgbClr r="0" g="0" b="0"/>
+      </a:fillRef>
+      <a:effectRef idx="2">
+        <a:scrgbClr r="0" g="0" b="0"/>
+      </a:effectRef>
+      <a:fontRef idx="minor">
+        <a:schemeClr val="lt1"/>
+      </a:fontRef>
+    </dgm:style>
+  </dgm:styleLbl>
+  <dgm:styleLbl name="asst3">
+    <dgm:scene3d>
+      <a:camera prst="orthographicFront"/>
+      <a:lightRig rig="threePt" dir="t"/>
+    </dgm:scene3d>
+    <dgm:sp3d/>
+    <dgm:txPr/>
+    <dgm:style>
+      <a:lnRef idx="0">
+        <a:scrgbClr r="0" g="0" b="0"/>
+      </a:lnRef>
+      <a:fillRef idx="3">
+        <a:scrgbClr r="0" g="0" b="0"/>
+      </a:fillRef>
+      <a:effectRef idx="2">
+        <a:scrgbClr r="0" g="0" b="0"/>
+      </a:effectRef>
+      <a:fontRef idx="minor">
+        <a:schemeClr val="lt1"/>
+      </a:fontRef>
+    </dgm:style>
+  </dgm:styleLbl>
+  <dgm:styleLbl name="asst4">
+    <dgm:scene3d>
+      <a:camera prst="orthographicFront"/>
+      <a:lightRig rig="threePt" dir="t"/>
+    </dgm:scene3d>
+    <dgm:sp3d/>
+    <dgm:txPr/>
+    <dgm:style>
+      <a:lnRef idx="0">
+        <a:scrgbClr r="0" g="0" b="0"/>
+      </a:lnRef>
+      <a:fillRef idx="3">
+        <a:scrgbClr r="0" g="0" b="0"/>
+      </a:fillRef>
+      <a:effectRef idx="2">
+        <a:scrgbClr r="0" g="0" b="0"/>
+      </a:effectRef>
+      <a:fontRef idx="minor">
+        <a:schemeClr val="lt1"/>
+      </a:fontRef>
+    </dgm:style>
+  </dgm:styleLbl>
+  <dgm:styleLbl name="parChTrans2D1">
+    <dgm:scene3d>
+      <a:camera prst="orthographicFront"/>
+      <a:lightRig rig="threePt" dir="t"/>
+    </dgm:scene3d>
+    <dgm:sp3d/>
+    <dgm:txPr/>
+    <dgm:style>
+      <a:lnRef idx="0">
+        <a:scrgbClr r="0" g="0" b="0"/>
+      </a:lnRef>
+      <a:fillRef idx="3">
+        <a:scrgbClr r="0" g="0" b="0"/>
+      </a:fillRef>
+      <a:effectRef idx="2">
+        <a:scrgbClr r="0" g="0" b="0"/>
+      </a:effectRef>
+      <a:fontRef idx="minor">
+        <a:schemeClr val="lt1"/>
+      </a:fontRef>
+    </dgm:style>
+  </dgm:styleLbl>
+  <dgm:styleLbl name="parChTrans2D2">
+    <dgm:scene3d>
+      <a:camera prst="orthographicFront"/>
+      <a:lightRig rig="threePt" dir="t"/>
+    </dgm:scene3d>
+    <dgm:sp3d/>
+    <dgm:txPr/>
+    <dgm:style>
+      <a:lnRef idx="0">
+        <a:scrgbClr r="0" g="0" b="0"/>
+      </a:lnRef>
+      <a:fillRef idx="3">
+        <a:scrgbClr r="0" g="0" b="0"/>
+      </a:fillRef>
+      <a:effectRef idx="2">
+        <a:scrgbClr r="0" g="0" b="0"/>
+      </a:effectRef>
+      <a:fontRef idx="minor">
+        <a:schemeClr val="lt1"/>
+      </a:fontRef>
+    </dgm:style>
+  </dgm:styleLbl>
+  <dgm:styleLbl name="parChTrans2D3">
+    <dgm:scene3d>
+      <a:camera prst="orthographicFront"/>
+      <a:lightRig rig="threePt" dir="t"/>
+    </dgm:scene3d>
+    <dgm:sp3d/>
+    <dgm:txPr/>
+    <dgm:style>
+      <a:lnRef idx="1">
+        <a:scrgbClr r="0" g="0" b="0"/>
+      </a:lnRef>
+      <a:fillRef idx="3">
+        <a:scrgbClr r="0" g="0" b="0"/>
+      </a:fillRef>
+      <a:effectRef idx="2">
+        <a:scrgbClr r="0" g="0" b="0"/>
+      </a:effectRef>
+      <a:fontRef idx="minor">
+        <a:schemeClr val="lt1"/>
+      </a:fontRef>
+    </dgm:style>
+  </dgm:styleLbl>
+  <dgm:styleLbl name="parChTrans2D4">
+    <dgm:scene3d>
+      <a:camera prst="orthographicFront"/>
+      <a:lightRig rig="threePt" dir="t"/>
+    </dgm:scene3d>
+    <dgm:sp3d/>
+    <dgm:txPr/>
+    <dgm:style>
+      <a:lnRef idx="1">
+        <a:scrgbClr r="0" g="0" b="0"/>
+      </a:lnRef>
+      <a:fillRef idx="3">
+        <a:scrgbClr r="0" g="0" b="0"/>
+      </a:fillRef>
+      <a:effectRef idx="2">
+        <a:scrgbClr r="0" g="0" b="0"/>
+      </a:effectRef>
+      <a:fontRef idx="minor">
+        <a:schemeClr val="lt1"/>
+      </a:fontRef>
+    </dgm:style>
+  </dgm:styleLbl>
+  <dgm:styleLbl name="parChTrans1D1">
+    <dgm:scene3d>
+      <a:camera prst="orthographicFront"/>
+      <a:lightRig rig="threePt" dir="t"/>
+    </dgm:scene3d>
+    <dgm:sp3d/>
+    <dgm:txPr/>
+    <dgm:style>
+      <a:lnRef idx="1">
+        <a:scrgbClr r="0" g="0" b="0"/>
+      </a:lnRef>
+      <a:fillRef idx="0">
+        <a:scrgbClr r="0" g="0" b="0"/>
+      </a:fillRef>
+      <a:effectRef idx="0">
+        <a:scrgbClr r="0" g="0" b="0"/>
+      </a:effectRef>
+      <a:fontRef idx="minor"/>
+    </dgm:style>
+  </dgm:styleLbl>
+  <dgm:styleLbl name="parChTrans1D2">
+    <dgm:scene3d>
+      <a:camera prst="orthographicFront"/>
+      <a:lightRig rig="threePt" dir="t"/>
+    </dgm:scene3d>
+    <dgm:sp3d/>
+    <dgm:txPr/>
+    <dgm:style>
+      <a:lnRef idx="1">
+        <a:scrgbClr r="0" g="0" b="0"/>
+      </a:lnRef>
+      <a:fillRef idx="0">
+        <a:scrgbClr r="0" g="0" b="0"/>
+      </a:fillRef>
+      <a:effectRef idx="0">
+        <a:scrgbClr r="0" g="0" b="0"/>
+      </a:effectRef>
+      <a:fontRef idx="minor"/>
+    </dgm:style>
+  </dgm:styleLbl>
+  <dgm:styleLbl name="parChTrans1D3">
+    <dgm:scene3d>
+      <a:camera prst="orthographicFront"/>
+      <a:lightRig rig="threePt" dir="t"/>
+    </dgm:scene3d>
+    <dgm:sp3d/>
+    <dgm:txPr/>
+    <dgm:style>
+      <a:lnRef idx="1">
+        <a:scrgbClr r="0" g="0" b="0"/>
+      </a:lnRef>
+      <a:fillRef idx="0">
+        <a:scrgbClr r="0" g="0" b="0"/>
+      </a:fillRef>
+      <a:effectRef idx="0">
+        <a:scrgbClr r="0" g="0" b="0"/>
+      </a:effectRef>
+      <a:fontRef idx="minor"/>
+    </dgm:style>
+  </dgm:styleLbl>
+  <dgm:styleLbl name="parChTrans1D4">
+    <dgm:scene3d>
+      <a:camera prst="orthographicFront"/>
+      <a:lightRig rig="threePt" dir="t"/>
+    </dgm:scene3d>
+    <dgm:sp3d/>
+    <dgm:txPr/>
+    <dgm:style>
+      <a:lnRef idx="1">
+        <a:scrgbClr r="0" g="0" b="0"/>
+      </a:lnRef>
+      <a:fillRef idx="0">
+        <a:scrgbClr r="0" g="0" b="0"/>
+      </a:fillRef>
+      <a:effectRef idx="0">
+        <a:scrgbClr r="0" g="0" b="0"/>
+      </a:effectRef>
+      <a:fontRef idx="minor"/>
+    </dgm:style>
+  </dgm:styleLbl>
+  <dgm:styleLbl name="fgAcc1">
+    <dgm:scene3d>
+      <a:camera prst="orthographicFront"/>
+      <a:lightRig rig="threePt" dir="t"/>
+    </dgm:scene3d>
+    <dgm:sp3d/>
+    <dgm:txPr/>
+    <dgm:style>
+      <a:lnRef idx="1">
+        <a:scrgbClr r="0" g="0" b="0"/>
+      </a:lnRef>
+      <a:fillRef idx="1">
+        <a:scrgbClr r="0" g="0" b="0"/>
+      </a:fillRef>
+      <a:effectRef idx="0">
+        <a:scrgbClr r="0" g="0" b="0"/>
+      </a:effectRef>
+      <a:fontRef idx="minor"/>
+    </dgm:style>
+  </dgm:styleLbl>
+  <dgm:styleLbl name="conFgAcc1">
+    <dgm:scene3d>
+      <a:camera prst="orthographicFront"/>
+      <a:lightRig rig="threePt" dir="t"/>
+    </dgm:scene3d>
+    <dgm:sp3d/>
+    <dgm:txPr/>
+    <dgm:style>
+      <a:lnRef idx="1">
+        <a:scrgbClr r="0" g="0" b="0"/>
+      </a:lnRef>
+      <a:fillRef idx="1">
+        <a:scrgbClr r="0" g="0" b="0"/>
+      </a:fillRef>
+      <a:effectRef idx="0">
+        <a:scrgbClr r="0" g="0" b="0"/>
+      </a:effectRef>
+      <a:fontRef idx="minor"/>
+    </dgm:style>
+  </dgm:styleLbl>
+  <dgm:styleLbl name="alignAcc1">
+    <dgm:scene3d>
+      <a:camera prst="orthographicFront"/>
+      <a:lightRig rig="threePt" dir="t"/>
+    </dgm:scene3d>
+    <dgm:sp3d/>
+    <dgm:txPr/>
+    <dgm:style>
+      <a:lnRef idx="1">
+        <a:scrgbClr r="0" g="0" b="0"/>
+      </a:lnRef>
+      <a:fillRef idx="1">
+        <a:scrgbClr r="0" g="0" b="0"/>
+      </a:fillRef>
+      <a:effectRef idx="0">
+        <a:scrgbClr r="0" g="0" b="0"/>
+      </a:effectRef>
+      <a:fontRef idx="minor"/>
+    </dgm:style>
+  </dgm:styleLbl>
+  <dgm:styleLbl name="trAlignAcc1">
+    <dgm:scene3d>
+      <a:camera prst="orthographicFront"/>
+      <a:lightRig rig="threePt" dir="t"/>
+    </dgm:scene3d>
+    <dgm:sp3d/>
+    <dgm:txPr/>
+    <dgm:style>
+      <a:lnRef idx="1">
+        <a:scrgbClr r="0" g="0" b="0"/>
+      </a:lnRef>
+      <a:fillRef idx="1">
+        <a:scrgbClr r="0" g="0" b="0"/>
+      </a:fillRef>
+      <a:effectRef idx="0">
+        <a:scrgbClr r="0" g="0" b="0"/>
+      </a:effectRef>
+      <a:fontRef idx="minor"/>
+    </dgm:style>
+  </dgm:styleLbl>
+  <dgm:styleLbl name="bgAcc1">
+    <dgm:scene3d>
+      <a:camera prst="orthographicFront"/>
+      <a:lightRig rig="threePt" dir="t"/>
+    </dgm:scene3d>
+    <dgm:sp3d/>
+    <dgm:txPr/>
+    <dgm:style>
+      <a:lnRef idx="1">
+        <a:scrgbClr r="0" g="0" b="0"/>
+      </a:lnRef>
+      <a:fillRef idx="1">
+        <a:scrgbClr r="0" g="0" b="0"/>
+      </a:fillRef>
+      <a:effectRef idx="0">
+        <a:scrgbClr r="0" g="0" b="0"/>
+      </a:effectRef>
+      <a:fontRef idx="minor"/>
+    </dgm:style>
+  </dgm:styleLbl>
+  <dgm:styleLbl name="solidFgAcc1">
+    <dgm:scene3d>
+      <a:camera prst="orthographicFront"/>
+      <a:lightRig rig="threePt" dir="t"/>
+    </dgm:scene3d>
+    <dgm:sp3d/>
+    <dgm:txPr/>
+    <dgm:style>
+      <a:lnRef idx="1">
+        <a:scrgbClr r="0" g="0" b="0"/>
+      </a:lnRef>
+      <a:fillRef idx="1">
+        <a:scrgbClr r="0" g="0" b="0"/>
+      </a:fillRef>
+      <a:effectRef idx="0">
+        <a:scrgbClr r="0" g="0" b="0"/>
+      </a:effectRef>
+      <a:fontRef idx="minor"/>
+    </dgm:style>
+  </dgm:styleLbl>
+  <dgm:styleLbl name="solidAlignAcc1">
+    <dgm:scene3d>
+      <a:camera prst="orthographicFront"/>
+      <a:lightRig rig="threePt" dir="t"/>
+    </dgm:scene3d>
+    <dgm:sp3d/>
+    <dgm:txPr/>
+    <dgm:style>
+      <a:lnRef idx="1">
+        <a:scrgbClr r="0" g="0" b="0"/>
+      </a:lnRef>
+      <a:fillRef idx="1">
+        <a:scrgbClr r="0" g="0" b="0"/>
+      </a:fillRef>
+      <a:effectRef idx="0">
+        <a:scrgbClr r="0" g="0" b="0"/>
+      </a:effectRef>
+      <a:fontRef idx="minor"/>
+    </dgm:style>
+  </dgm:styleLbl>
+  <dgm:styleLbl name="solidBgAcc1">
+    <dgm:scene3d>
+      <a:camera prst="orthographicFront"/>
+      <a:lightRig rig="threePt" dir="t"/>
+    </dgm:scene3d>
+    <dgm:sp3d/>
+    <dgm:txPr/>
+    <dgm:style>
+      <a:lnRef idx="1">
+        <a:scrgbClr r="0" g="0" b="0"/>
+      </a:lnRef>
+      <a:fillRef idx="1">
+        <a:scrgbClr r="0" g="0" b="0"/>
+      </a:fillRef>
+      <a:effectRef idx="0">
+        <a:scrgbClr r="0" g="0" b="0"/>
+      </a:effectRef>
+      <a:fontRef idx="minor"/>
+    </dgm:style>
+  </dgm:styleLbl>
+  <dgm:styleLbl name="fgAccFollowNode1">
+    <dgm:scene3d>
+      <a:camera prst="orthographicFront"/>
+      <a:lightRig rig="threePt" dir="t"/>
+    </dgm:scene3d>
+    <dgm:sp3d/>
+    <dgm:txPr/>
+    <dgm:style>
+      <a:lnRef idx="1">
+        <a:scrgbClr r="0" g="0" b="0"/>
+      </a:lnRef>
+      <a:fillRef idx="1">
+        <a:scrgbClr r="0" g="0" b="0"/>
+      </a:fillRef>
+      <a:effectRef idx="0">
+        <a:scrgbClr r="0" g="0" b="0"/>
+      </a:effectRef>
+      <a:fontRef idx="minor"/>
+    </dgm:style>
+  </dgm:styleLbl>
+  <dgm:styleLbl name="alignAccFollowNode1">
+    <dgm:scene3d>
+      <a:camera prst="orthographicFront"/>
+      <a:lightRig rig="threePt" dir="t"/>
+    </dgm:scene3d>
+    <dgm:sp3d/>
+    <dgm:txPr/>
+    <dgm:style>
+      <a:lnRef idx="1">
+        <a:scrgbClr r="0" g="0" b="0"/>
+      </a:lnRef>
+      <a:fillRef idx="1">
+        <a:scrgbClr r="0" g="0" b="0"/>
+      </a:fillRef>
+      <a:effectRef idx="0">
+        <a:scrgbClr r="0" g="0" b="0"/>
+      </a:effectRef>
+      <a:fontRef idx="minor"/>
+    </dgm:style>
+  </dgm:styleLbl>
+  <dgm:styleLbl name="bgAccFollowNode1">
+    <dgm:scene3d>
+      <a:camera prst="orthographicFront"/>
+      <a:lightRig rig="threePt" dir="t"/>
+    </dgm:scene3d>
+    <dgm:sp3d/>
+    <dgm:txPr/>
+    <dgm:style>
+      <a:lnRef idx="1">
+        <a:scrgbClr r="0" g="0" b="0"/>
+      </a:lnRef>
+      <a:fillRef idx="1">
+        <a:scrgbClr r="0" g="0" b="0"/>
+      </a:fillRef>
+      <a:effectRef idx="0">
+        <a:scrgbClr r="0" g="0" b="0"/>
+      </a:effectRef>
+      <a:fontRef idx="minor"/>
+    </dgm:style>
+  </dgm:styleLbl>
+  <dgm:styleLbl name="fgAcc0">
+    <dgm:scene3d>
+      <a:camera prst="orthographicFront"/>
+      <a:lightRig rig="threePt" dir="t"/>
+    </dgm:scene3d>
+    <dgm:sp3d/>
+    <dgm:txPr/>
+    <dgm:style>
+      <a:lnRef idx="1">
+        <a:scrgbClr r="0" g="0" b="0"/>
+      </a:lnRef>
+      <a:fillRef idx="1">
+        <a:scrgbClr r="0" g="0" b="0"/>
+      </a:fillRef>
+      <a:effectRef idx="0">
+        <a:scrgbClr r="0" g="0" b="0"/>
+      </a:effectRef>
+      <a:fontRef idx="minor"/>
+    </dgm:style>
+  </dgm:styleLbl>
+  <dgm:styleLbl name="fgAcc2">
+    <dgm:scene3d>
+      <a:camera prst="orthographicFront"/>
+      <a:lightRig rig="threePt" dir="t"/>
+    </dgm:scene3d>
+    <dgm:sp3d/>
+    <dgm:txPr/>
+    <dgm:style>
+      <a:lnRef idx="1">
+        <a:scrgbClr r="0" g="0" b="0"/>
+      </a:lnRef>
+      <a:fillRef idx="1">
+        <a:scrgbClr r="0" g="0" b="0"/>
+      </a:fillRef>
+      <a:effectRef idx="0">
+        <a:scrgbClr r="0" g="0" b="0"/>
+      </a:effectRef>
+      <a:fontRef idx="minor"/>
+    </dgm:style>
+  </dgm:styleLbl>
+  <dgm:styleLbl name="fgAcc3">
+    <dgm:scene3d>
+      <a:camera prst="orthographicFront"/>
+      <a:lightRig rig="threePt" dir="t"/>
+    </dgm:scene3d>
+    <dgm:sp3d/>
+    <dgm:txPr/>
+    <dgm:style>
+      <a:lnRef idx="1">
+        <a:scrgbClr r="0" g="0" b="0"/>
+      </a:lnRef>
+      <a:fillRef idx="1">
+        <a:scrgbClr r="0" g="0" b="0"/>
+      </a:fillRef>
+      <a:effectRef idx="0">
+        <a:scrgbClr r="0" g="0" b="0"/>
+      </a:effectRef>
+      <a:fontRef idx="minor"/>
+    </dgm:style>
+  </dgm:styleLbl>
+  <dgm:styleLbl name="fgAcc4">
+    <dgm:scene3d>
+      <a:camera prst="orthographicFront"/>
+      <a:lightRig rig="threePt" dir="t"/>
+    </dgm:scene3d>
+    <dgm:sp3d/>
+    <dgm:txPr/>
+    <dgm:style>
+      <a:lnRef idx="1">
+        <a:scrgbClr r="0" g="0" b="0"/>
+      </a:lnRef>
+      <a:fillRef idx="1">
+        <a:scrgbClr r="0" g="0" b="0"/>
+      </a:fillRef>
+      <a:effectRef idx="0">
+        <a:scrgbClr r="0" g="0" b="0"/>
+      </a:effectRef>
+      <a:fontRef idx="minor"/>
+    </dgm:style>
+  </dgm:styleLbl>
+  <dgm:styleLbl name="bgShp">
+    <dgm:scene3d>
+      <a:camera prst="orthographicFront"/>
+      <a:lightRig rig="threePt" dir="t"/>
+    </dgm:scene3d>
+    <dgm:sp3d/>
+    <dgm:txPr/>
+    <dgm:style>
+      <a:lnRef idx="0">
+        <a:scrgbClr r="0" g="0" b="0"/>
+      </a:lnRef>
+      <a:fillRef idx="1">
+        <a:scrgbClr r="0" g="0" b="0"/>
+      </a:fillRef>
+      <a:effectRef idx="2">
+        <a:scrgbClr r="0" g="0" b="0"/>
+      </a:effectRef>
+      <a:fontRef idx="minor"/>
+    </dgm:style>
+  </dgm:styleLbl>
+  <dgm:styleLbl name="dkBgShp">
+    <dgm:scene3d>
+      <a:camera prst="orthographicFront"/>
+      <a:lightRig rig="threePt" dir="t"/>
+    </dgm:scene3d>
+    <dgm:sp3d/>
+    <dgm:txPr/>
+    <dgm:style>
+      <a:lnRef idx="0">
+        <a:scrgbClr r="0" g="0" b="0"/>
+      </a:lnRef>
+      <a:fillRef idx="1">
+        <a:scrgbClr r="0" g="0" b="0"/>
+      </a:fillRef>
+      <a:effectRef idx="2">
+        <a:scrgbClr r="0" g="0" b="0"/>
+      </a:effectRef>
+      <a:fontRef idx="minor"/>
+    </dgm:style>
+  </dgm:styleLbl>
+  <dgm:styleLbl name="trBgShp">
+    <dgm:scene3d>
+      <a:camera prst="orthographicFront"/>
+      <a:lightRig rig="threePt" dir="t"/>
+    </dgm:scene3d>
+    <dgm:sp3d/>
+    <dgm:txPr/>
+    <dgm:style>
+      <a:lnRef idx="0">
+        <a:scrgbClr r="0" g="0" b="0"/>
+      </a:lnRef>
+      <a:fillRef idx="1">
+        <a:scrgbClr r="0" g="0" b="0"/>
+      </a:fillRef>
+      <a:effectRef idx="0">
+        <a:scrgbClr r="0" g="0" b="0"/>
+      </a:effectRef>
+      <a:fontRef idx="minor"/>
+    </dgm:style>
+  </dgm:styleLbl>
+  <dgm:styleLbl name="fgShp">
+    <dgm:scene3d>
+      <a:camera prst="orthographicFront"/>
+      <a:lightRig rig="threePt" dir="t"/>
+    </dgm:scene3d>
+    <dgm:sp3d/>
+    <dgm:txPr/>
+    <dgm:style>
+      <a:lnRef idx="0">
+        <a:scrgbClr r="0" g="0" b="0"/>
+      </a:lnRef>
+      <a:fillRef idx="3">
+        <a:scrgbClr r="0" g="0" b="0"/>
+      </a:fillRef>
+      <a:effectRef idx="2">
+        <a:scrgbClr r="0" g="0" b="0"/>
+      </a:effectRef>
+      <a:fontRef idx="minor"/>
     </dgm:style>
   </dgm:styleLbl>
   <dgm:styleLbl name="revTx">
@@ -9936,10 +17237,992 @@
           <a:chExt cx="0" cy="0"/>
         </a:xfrm>
       </p:grpSpPr>
+      <p:graphicFrame>
+        <p:nvGraphicFramePr>
+          <p:cNvPr id="2" name="1 Diagrama"/>
+          <p:cNvGraphicFramePr/>
+          <p:nvPr>
+            <p:extLst>
+              <p:ext uri="{D42A27DB-BD31-4B8C-83A1-F6EECF244321}">
+                <p14:modId xmlns:p14="http://schemas.microsoft.com/office/powerpoint/2010/main" val="712747758"/>
+              </p:ext>
+            </p:extLst>
+          </p:nvPr>
+        </p:nvGraphicFramePr>
+        <p:xfrm>
+          <a:off x="2465754" y="1439333"/>
+          <a:ext cx="8128000" cy="5418667"/>
+        </p:xfrm>
+        <a:graphic>
+          <a:graphicData uri="http://schemas.openxmlformats.org/drawingml/2006/diagram">
+            <dgm:relIds xmlns:dgm="http://schemas.openxmlformats.org/drawingml/2006/diagram" xmlns:r="http://schemas.openxmlformats.org/officeDocument/2006/relationships" r:dm="rId2" r:lo="rId3" r:qs="rId4" r:cs="rId5"/>
+          </a:graphicData>
+        </a:graphic>
+      </p:graphicFrame>
+      <p:sp>
+        <p:nvSpPr>
+          <p:cNvPr id="3" name="2 Título"/>
+          <p:cNvSpPr>
+            <a:spLocks noGrp="1"/>
+          </p:cNvSpPr>
+          <p:nvPr>
+            <p:ph type="title"/>
+          </p:nvPr>
+        </p:nvSpPr>
+        <p:spPr>
+          <a:xfrm>
+            <a:off x="1449142" y="99648"/>
+            <a:ext cx="10018713" cy="1752599"/>
+          </a:xfrm>
+        </p:spPr>
+        <p:txBody>
+          <a:bodyPr/>
+          <a:lstStyle/>
+          <a:p>
+            <a:r>
+              <a:rPr lang="es-CO" b="1" dirty="0" smtClean="0">
+                <a:effectLst>
+                  <a:outerShdw blurRad="38100" dist="38100" dir="2700000" algn="tl">
+                    <a:srgbClr val="000000">
+                      <a:alpha val="43137"/>
+                    </a:srgbClr>
+                  </a:outerShdw>
+                </a:effectLst>
+              </a:rPr>
+              <a:t>Marco metodológico</a:t>
+            </a:r>
+            <a:r>
+              <a:rPr lang="es-CO" dirty="0" smtClean="0"/>
+              <a:t/>
+            </a:r>
+            <a:br>
+              <a:rPr lang="es-CO" dirty="0" smtClean="0"/>
+            </a:br>
+            <a:endParaRPr lang="es-CO" dirty="0"/>
+          </a:p>
+        </p:txBody>
+      </p:sp>
+      <p:pic>
+        <p:nvPicPr>
+          <p:cNvPr id="4" name="3 Imagen"/>
+          <p:cNvPicPr>
+            <a:picLocks noChangeAspect="1"/>
+          </p:cNvPicPr>
+          <p:nvPr/>
+        </p:nvPicPr>
+        <p:blipFill>
+          <a:blip r:embed="rId7" cstate="print">
+            <a:extLst>
+              <a:ext uri="{BEBA8EAE-BF5A-486C-A8C5-ECC9F3942E4B}">
+                <a14:imgProps xmlns:a14="http://schemas.microsoft.com/office/drawing/2010/main">
+                  <a14:imgLayer r:embed="rId8">
+                    <a14:imgEffect>
+                      <a14:backgroundRemoval t="11453" b="88547" l="4607" r="97313"/>
+                    </a14:imgEffect>
+                  </a14:imgLayer>
+                </a14:imgProps>
+              </a:ext>
+              <a:ext uri="{28A0092B-C50C-407E-A947-70E740481C1C}">
+                <a14:useLocalDpi xmlns:a14="http://schemas.microsoft.com/office/drawing/2010/main" val="0"/>
+              </a:ext>
+            </a:extLst>
+          </a:blip>
+          <a:stretch>
+            <a:fillRect/>
+          </a:stretch>
+        </p:blipFill>
+        <p:spPr>
+          <a:xfrm>
+            <a:off x="8985555" y="1154897"/>
+            <a:ext cx="2163091" cy="1488479"/>
+          </a:xfrm>
+          <a:prstGeom prst="rect">
+            <a:avLst/>
+          </a:prstGeom>
+        </p:spPr>
+      </p:pic>
+      <p:pic>
+        <p:nvPicPr>
+          <p:cNvPr id="5" name="4 Imagen"/>
+          <p:cNvPicPr>
+            <a:picLocks noChangeAspect="1"/>
+          </p:cNvPicPr>
+          <p:nvPr/>
+        </p:nvPicPr>
+        <p:blipFill>
+          <a:blip r:embed="rId9">
+            <a:extLst>
+              <a:ext uri="{BEBA8EAE-BF5A-486C-A8C5-ECC9F3942E4B}">
+                <a14:imgProps xmlns:a14="http://schemas.microsoft.com/office/drawing/2010/main">
+                  <a14:imgLayer r:embed="rId10">
+                    <a14:imgEffect>
+                      <a14:backgroundRemoval t="4000" b="93333" l="9778" r="89778"/>
+                    </a14:imgEffect>
+                    <a14:imgEffect>
+                      <a14:artisticMarker/>
+                    </a14:imgEffect>
+                  </a14:imgLayer>
+                </a14:imgProps>
+              </a:ext>
+              <a:ext uri="{28A0092B-C50C-407E-A947-70E740481C1C}">
+                <a14:useLocalDpi xmlns:a14="http://schemas.microsoft.com/office/drawing/2010/main" val="0"/>
+              </a:ext>
+            </a:extLst>
+          </a:blip>
+          <a:stretch>
+            <a:fillRect/>
+          </a:stretch>
+        </p:blipFill>
+        <p:spPr>
+          <a:xfrm>
+            <a:off x="2488771" y="4974064"/>
+            <a:ext cx="1626029" cy="1626029"/>
+          </a:xfrm>
+          <a:prstGeom prst="rect">
+            <a:avLst/>
+          </a:prstGeom>
+        </p:spPr>
+      </p:pic>
+      <p:sp>
+        <p:nvSpPr>
+          <p:cNvPr id="6" name="5 Rectángulo"/>
+          <p:cNvSpPr/>
+          <p:nvPr/>
+        </p:nvSpPr>
+        <p:spPr>
+          <a:xfrm>
+            <a:off x="1792484" y="2872152"/>
+            <a:ext cx="3476465" cy="461665"/>
+          </a:xfrm>
+          <a:prstGeom prst="rect">
+            <a:avLst/>
+          </a:prstGeom>
+          <a:noFill/>
+        </p:spPr>
+        <p:txBody>
+          <a:bodyPr wrap="square" lIns="91440" tIns="45720" rIns="91440" bIns="45720">
+            <a:spAutoFit/>
+          </a:bodyPr>
+          <a:lstStyle/>
+          <a:p>
+            <a:pPr algn="ctr"/>
+            <a:r>
+              <a:rPr lang="es-ES" sz="2400" b="1" dirty="0" smtClean="0">
+                <a:ln w="10541" cmpd="sng">
+                  <a:solidFill>
+                    <a:schemeClr val="accent1">
+                      <a:shade val="88000"/>
+                      <a:satMod val="110000"/>
+                    </a:schemeClr>
+                  </a:solidFill>
+                  <a:prstDash val="solid"/>
+                </a:ln>
+                <a:gradFill>
+                  <a:gsLst>
+                    <a:gs pos="0">
+                      <a:schemeClr val="accent1">
+                        <a:tint val="40000"/>
+                        <a:satMod val="250000"/>
+                      </a:schemeClr>
+                    </a:gs>
+                    <a:gs pos="9000">
+                      <a:schemeClr val="accent1">
+                        <a:tint val="52000"/>
+                        <a:satMod val="300000"/>
+                      </a:schemeClr>
+                    </a:gs>
+                    <a:gs pos="50000">
+                      <a:schemeClr val="accent1">
+                        <a:shade val="20000"/>
+                        <a:satMod val="300000"/>
+                      </a:schemeClr>
+                    </a:gs>
+                    <a:gs pos="79000">
+                      <a:schemeClr val="accent1">
+                        <a:tint val="52000"/>
+                        <a:satMod val="300000"/>
+                      </a:schemeClr>
+                    </a:gs>
+                    <a:gs pos="100000">
+                      <a:schemeClr val="accent1">
+                        <a:tint val="40000"/>
+                        <a:satMod val="250000"/>
+                      </a:schemeClr>
+                    </a:gs>
+                  </a:gsLst>
+                  <a:lin ang="5400000"/>
+                </a:gradFill>
+              </a:rPr>
+              <a:t>Líder del equipo</a:t>
+            </a:r>
+            <a:endParaRPr lang="es-ES" sz="2400" b="1" dirty="0">
+              <a:ln w="10541" cmpd="sng">
+                <a:solidFill>
+                  <a:schemeClr val="accent1">
+                    <a:shade val="88000"/>
+                    <a:satMod val="110000"/>
+                  </a:schemeClr>
+                </a:solidFill>
+                <a:prstDash val="solid"/>
+              </a:ln>
+              <a:gradFill>
+                <a:gsLst>
+                  <a:gs pos="0">
+                    <a:schemeClr val="accent1">
+                      <a:tint val="40000"/>
+                      <a:satMod val="250000"/>
+                    </a:schemeClr>
+                  </a:gs>
+                  <a:gs pos="9000">
+                    <a:schemeClr val="accent1">
+                      <a:tint val="52000"/>
+                      <a:satMod val="300000"/>
+                    </a:schemeClr>
+                  </a:gs>
+                  <a:gs pos="50000">
+                    <a:schemeClr val="accent1">
+                      <a:shade val="20000"/>
+                      <a:satMod val="300000"/>
+                    </a:schemeClr>
+                  </a:gs>
+                  <a:gs pos="79000">
+                    <a:schemeClr val="accent1">
+                      <a:tint val="52000"/>
+                      <a:satMod val="300000"/>
+                    </a:schemeClr>
+                  </a:gs>
+                  <a:gs pos="100000">
+                    <a:schemeClr val="accent1">
+                      <a:tint val="40000"/>
+                      <a:satMod val="250000"/>
+                    </a:schemeClr>
+                  </a:gs>
+                </a:gsLst>
+                <a:lin ang="5400000"/>
+              </a:gradFill>
+            </a:endParaRPr>
+          </a:p>
+        </p:txBody>
+      </p:sp>
+      <p:sp>
+        <p:nvSpPr>
+          <p:cNvPr id="7" name="6 Rectángulo"/>
+          <p:cNvSpPr/>
+          <p:nvPr/>
+        </p:nvSpPr>
+        <p:spPr>
+          <a:xfrm>
+            <a:off x="5268949" y="1788930"/>
+            <a:ext cx="3476465" cy="830997"/>
+          </a:xfrm>
+          <a:prstGeom prst="rect">
+            <a:avLst/>
+          </a:prstGeom>
+          <a:noFill/>
+        </p:spPr>
+        <p:txBody>
+          <a:bodyPr wrap="square" lIns="91440" tIns="45720" rIns="91440" bIns="45720">
+            <a:spAutoFit/>
+          </a:bodyPr>
+          <a:lstStyle/>
+          <a:p>
+            <a:pPr algn="ctr"/>
+            <a:r>
+              <a:rPr lang="es-ES" sz="2400" b="1" dirty="0" smtClean="0">
+                <a:ln w="10541" cmpd="sng">
+                  <a:solidFill>
+                    <a:schemeClr val="accent1">
+                      <a:shade val="88000"/>
+                      <a:satMod val="110000"/>
+                    </a:schemeClr>
+                  </a:solidFill>
+                  <a:prstDash val="solid"/>
+                </a:ln>
+                <a:gradFill>
+                  <a:gsLst>
+                    <a:gs pos="0">
+                      <a:schemeClr val="accent1">
+                        <a:tint val="40000"/>
+                        <a:satMod val="250000"/>
+                      </a:schemeClr>
+                    </a:gs>
+                    <a:gs pos="9000">
+                      <a:schemeClr val="accent1">
+                        <a:tint val="52000"/>
+                        <a:satMod val="300000"/>
+                      </a:schemeClr>
+                    </a:gs>
+                    <a:gs pos="50000">
+                      <a:schemeClr val="accent1">
+                        <a:shade val="20000"/>
+                        <a:satMod val="300000"/>
+                      </a:schemeClr>
+                    </a:gs>
+                    <a:gs pos="79000">
+                      <a:schemeClr val="accent1">
+                        <a:tint val="52000"/>
+                        <a:satMod val="300000"/>
+                      </a:schemeClr>
+                    </a:gs>
+                    <a:gs pos="100000">
+                      <a:schemeClr val="accent1">
+                        <a:tint val="40000"/>
+                        <a:satMod val="250000"/>
+                      </a:schemeClr>
+                    </a:gs>
+                  </a:gsLst>
+                  <a:lin ang="5400000"/>
+                </a:gradFill>
+              </a:rPr>
+              <a:t>Líderes de implementación</a:t>
+            </a:r>
+            <a:endParaRPr lang="es-ES" sz="2400" b="1" dirty="0">
+              <a:ln w="10541" cmpd="sng">
+                <a:solidFill>
+                  <a:schemeClr val="accent1">
+                    <a:shade val="88000"/>
+                    <a:satMod val="110000"/>
+                  </a:schemeClr>
+                </a:solidFill>
+                <a:prstDash val="solid"/>
+              </a:ln>
+              <a:gradFill>
+                <a:gsLst>
+                  <a:gs pos="0">
+                    <a:schemeClr val="accent1">
+                      <a:tint val="40000"/>
+                      <a:satMod val="250000"/>
+                    </a:schemeClr>
+                  </a:gs>
+                  <a:gs pos="9000">
+                    <a:schemeClr val="accent1">
+                      <a:tint val="52000"/>
+                      <a:satMod val="300000"/>
+                    </a:schemeClr>
+                  </a:gs>
+                  <a:gs pos="50000">
+                    <a:schemeClr val="accent1">
+                      <a:shade val="20000"/>
+                      <a:satMod val="300000"/>
+                    </a:schemeClr>
+                  </a:gs>
+                  <a:gs pos="79000">
+                    <a:schemeClr val="accent1">
+                      <a:tint val="52000"/>
+                      <a:satMod val="300000"/>
+                    </a:schemeClr>
+                  </a:gs>
+                  <a:gs pos="100000">
+                    <a:schemeClr val="accent1">
+                      <a:tint val="40000"/>
+                      <a:satMod val="250000"/>
+                    </a:schemeClr>
+                  </a:gs>
+                </a:gsLst>
+                <a:lin ang="5400000"/>
+              </a:gradFill>
+            </a:endParaRPr>
+          </a:p>
+        </p:txBody>
+      </p:sp>
+      <p:sp>
+        <p:nvSpPr>
+          <p:cNvPr id="8" name="7 Rectángulo"/>
+          <p:cNvSpPr/>
+          <p:nvPr/>
+        </p:nvSpPr>
+        <p:spPr>
+          <a:xfrm>
+            <a:off x="4999320" y="5001973"/>
+            <a:ext cx="3476465" cy="461665"/>
+          </a:xfrm>
+          <a:prstGeom prst="rect">
+            <a:avLst/>
+          </a:prstGeom>
+          <a:noFill/>
+        </p:spPr>
+        <p:txBody>
+          <a:bodyPr wrap="square" lIns="91440" tIns="45720" rIns="91440" bIns="45720">
+            <a:spAutoFit/>
+          </a:bodyPr>
+          <a:lstStyle/>
+          <a:p>
+            <a:pPr algn="ctr"/>
+            <a:r>
+              <a:rPr lang="es-ES" sz="2400" b="1" dirty="0" smtClean="0">
+                <a:ln w="10541" cmpd="sng">
+                  <a:solidFill>
+                    <a:schemeClr val="accent1">
+                      <a:shade val="88000"/>
+                      <a:satMod val="110000"/>
+                    </a:schemeClr>
+                  </a:solidFill>
+                  <a:prstDash val="solid"/>
+                </a:ln>
+                <a:gradFill>
+                  <a:gsLst>
+                    <a:gs pos="0">
+                      <a:schemeClr val="accent1">
+                        <a:tint val="40000"/>
+                        <a:satMod val="250000"/>
+                      </a:schemeClr>
+                    </a:gs>
+                    <a:gs pos="9000">
+                      <a:schemeClr val="accent1">
+                        <a:tint val="52000"/>
+                        <a:satMod val="300000"/>
+                      </a:schemeClr>
+                    </a:gs>
+                    <a:gs pos="50000">
+                      <a:schemeClr val="accent1">
+                        <a:shade val="20000"/>
+                        <a:satMod val="300000"/>
+                      </a:schemeClr>
+                    </a:gs>
+                    <a:gs pos="79000">
+                      <a:schemeClr val="accent1">
+                        <a:tint val="52000"/>
+                        <a:satMod val="300000"/>
+                      </a:schemeClr>
+                    </a:gs>
+                    <a:gs pos="100000">
+                      <a:schemeClr val="accent1">
+                        <a:tint val="40000"/>
+                        <a:satMod val="250000"/>
+                      </a:schemeClr>
+                    </a:gs>
+                  </a:gsLst>
+                  <a:lin ang="5400000"/>
+                </a:gradFill>
+              </a:rPr>
+              <a:t>Líder de Planeación</a:t>
+            </a:r>
+            <a:endParaRPr lang="es-ES" sz="2400" b="1" dirty="0">
+              <a:ln w="10541" cmpd="sng">
+                <a:solidFill>
+                  <a:schemeClr val="accent1">
+                    <a:shade val="88000"/>
+                    <a:satMod val="110000"/>
+                  </a:schemeClr>
+                </a:solidFill>
+                <a:prstDash val="solid"/>
+              </a:ln>
+              <a:gradFill>
+                <a:gsLst>
+                  <a:gs pos="0">
+                    <a:schemeClr val="accent1">
+                      <a:tint val="40000"/>
+                      <a:satMod val="250000"/>
+                    </a:schemeClr>
+                  </a:gs>
+                  <a:gs pos="9000">
+                    <a:schemeClr val="accent1">
+                      <a:tint val="52000"/>
+                      <a:satMod val="300000"/>
+                    </a:schemeClr>
+                  </a:gs>
+                  <a:gs pos="50000">
+                    <a:schemeClr val="accent1">
+                      <a:shade val="20000"/>
+                      <a:satMod val="300000"/>
+                    </a:schemeClr>
+                  </a:gs>
+                  <a:gs pos="79000">
+                    <a:schemeClr val="accent1">
+                      <a:tint val="52000"/>
+                      <a:satMod val="300000"/>
+                    </a:schemeClr>
+                  </a:gs>
+                  <a:gs pos="100000">
+                    <a:schemeClr val="accent1">
+                      <a:tint val="40000"/>
+                      <a:satMod val="250000"/>
+                    </a:schemeClr>
+                  </a:gs>
+                </a:gsLst>
+                <a:lin ang="5400000"/>
+              </a:gradFill>
+            </a:endParaRPr>
+          </a:p>
+        </p:txBody>
+      </p:sp>
+      <p:sp>
+        <p:nvSpPr>
+          <p:cNvPr id="9" name="8 Rectángulo"/>
+          <p:cNvSpPr/>
+          <p:nvPr/>
+        </p:nvSpPr>
+        <p:spPr>
+          <a:xfrm>
+            <a:off x="8328867" y="4396151"/>
+            <a:ext cx="3476465" cy="461665"/>
+          </a:xfrm>
+          <a:prstGeom prst="rect">
+            <a:avLst/>
+          </a:prstGeom>
+          <a:noFill/>
+        </p:spPr>
+        <p:txBody>
+          <a:bodyPr wrap="square" lIns="91440" tIns="45720" rIns="91440" bIns="45720">
+            <a:spAutoFit/>
+          </a:bodyPr>
+          <a:lstStyle/>
+          <a:p>
+            <a:pPr algn="ctr"/>
+            <a:r>
+              <a:rPr lang="es-ES" sz="2400" b="1" dirty="0" smtClean="0">
+                <a:ln w="10541" cmpd="sng">
+                  <a:solidFill>
+                    <a:schemeClr val="accent1">
+                      <a:shade val="88000"/>
+                      <a:satMod val="110000"/>
+                    </a:schemeClr>
+                  </a:solidFill>
+                  <a:prstDash val="solid"/>
+                </a:ln>
+                <a:gradFill>
+                  <a:gsLst>
+                    <a:gs pos="0">
+                      <a:schemeClr val="accent1">
+                        <a:tint val="40000"/>
+                        <a:satMod val="250000"/>
+                      </a:schemeClr>
+                    </a:gs>
+                    <a:gs pos="9000">
+                      <a:schemeClr val="accent1">
+                        <a:tint val="52000"/>
+                        <a:satMod val="300000"/>
+                      </a:schemeClr>
+                    </a:gs>
+                    <a:gs pos="50000">
+                      <a:schemeClr val="accent1">
+                        <a:shade val="20000"/>
+                        <a:satMod val="300000"/>
+                      </a:schemeClr>
+                    </a:gs>
+                    <a:gs pos="79000">
+                      <a:schemeClr val="accent1">
+                        <a:tint val="52000"/>
+                        <a:satMod val="300000"/>
+                      </a:schemeClr>
+                    </a:gs>
+                    <a:gs pos="100000">
+                      <a:schemeClr val="accent1">
+                        <a:tint val="40000"/>
+                        <a:satMod val="250000"/>
+                      </a:schemeClr>
+                    </a:gs>
+                  </a:gsLst>
+                  <a:lin ang="5400000"/>
+                </a:gradFill>
+              </a:rPr>
+              <a:t>Líder de calidad</a:t>
+            </a:r>
+            <a:endParaRPr lang="es-ES" sz="2400" b="1" dirty="0">
+              <a:ln w="10541" cmpd="sng">
+                <a:solidFill>
+                  <a:schemeClr val="accent1">
+                    <a:shade val="88000"/>
+                    <a:satMod val="110000"/>
+                  </a:schemeClr>
+                </a:solidFill>
+                <a:prstDash val="solid"/>
+              </a:ln>
+              <a:gradFill>
+                <a:gsLst>
+                  <a:gs pos="0">
+                    <a:schemeClr val="accent1">
+                      <a:tint val="40000"/>
+                      <a:satMod val="250000"/>
+                    </a:schemeClr>
+                  </a:gs>
+                  <a:gs pos="9000">
+                    <a:schemeClr val="accent1">
+                      <a:tint val="52000"/>
+                      <a:satMod val="300000"/>
+                    </a:schemeClr>
+                  </a:gs>
+                  <a:gs pos="50000">
+                    <a:schemeClr val="accent1">
+                      <a:shade val="20000"/>
+                      <a:satMod val="300000"/>
+                    </a:schemeClr>
+                  </a:gs>
+                  <a:gs pos="79000">
+                    <a:schemeClr val="accent1">
+                      <a:tint val="52000"/>
+                      <a:satMod val="300000"/>
+                    </a:schemeClr>
+                  </a:gs>
+                  <a:gs pos="100000">
+                    <a:schemeClr val="accent1">
+                      <a:tint val="40000"/>
+                      <a:satMod val="250000"/>
+                    </a:schemeClr>
+                  </a:gs>
+                </a:gsLst>
+                <a:lin ang="5400000"/>
+              </a:gradFill>
+            </a:endParaRPr>
+          </a:p>
+        </p:txBody>
+      </p:sp>
+      <p:sp>
+        <p:nvSpPr>
+          <p:cNvPr id="10" name="9 Rectángulo"/>
+          <p:cNvSpPr/>
+          <p:nvPr/>
+        </p:nvSpPr>
+        <p:spPr>
+          <a:xfrm>
+            <a:off x="1563552" y="1788930"/>
+            <a:ext cx="3476465" cy="461665"/>
+          </a:xfrm>
+          <a:prstGeom prst="rect">
+            <a:avLst/>
+          </a:prstGeom>
+          <a:noFill/>
+        </p:spPr>
+        <p:txBody>
+          <a:bodyPr wrap="square" lIns="91440" tIns="45720" rIns="91440" bIns="45720">
+            <a:spAutoFit/>
+          </a:bodyPr>
+          <a:lstStyle/>
+          <a:p>
+            <a:pPr algn="ctr"/>
+            <a:r>
+              <a:rPr lang="es-ES" sz="2400" b="1" dirty="0" smtClean="0">
+                <a:ln w="10541" cmpd="sng">
+                  <a:solidFill>
+                    <a:schemeClr val="accent1">
+                      <a:shade val="88000"/>
+                      <a:satMod val="110000"/>
+                    </a:schemeClr>
+                  </a:solidFill>
+                  <a:prstDash val="solid"/>
+                </a:ln>
+                <a:gradFill>
+                  <a:gsLst>
+                    <a:gs pos="0">
+                      <a:schemeClr val="accent1">
+                        <a:tint val="40000"/>
+                        <a:satMod val="250000"/>
+                      </a:schemeClr>
+                    </a:gs>
+                    <a:gs pos="9000">
+                      <a:schemeClr val="accent1">
+                        <a:tint val="52000"/>
+                        <a:satMod val="300000"/>
+                      </a:schemeClr>
+                    </a:gs>
+                    <a:gs pos="50000">
+                      <a:schemeClr val="accent1">
+                        <a:shade val="20000"/>
+                        <a:satMod val="300000"/>
+                      </a:schemeClr>
+                    </a:gs>
+                    <a:gs pos="79000">
+                      <a:schemeClr val="accent1">
+                        <a:tint val="52000"/>
+                        <a:satMod val="300000"/>
+                      </a:schemeClr>
+                    </a:gs>
+                    <a:gs pos="100000">
+                      <a:schemeClr val="accent1">
+                        <a:tint val="40000"/>
+                        <a:satMod val="250000"/>
+                      </a:schemeClr>
+                    </a:gs>
+                  </a:gsLst>
+                  <a:lin ang="5400000"/>
+                </a:gradFill>
+                <a:latin typeface="Calibri" pitchFamily="34" charset="0"/>
+              </a:rPr>
+              <a:t>Líder de soporte</a:t>
+            </a:r>
+            <a:endParaRPr lang="es-ES" sz="2400" b="1" dirty="0">
+              <a:ln w="10541" cmpd="sng">
+                <a:solidFill>
+                  <a:schemeClr val="accent1">
+                    <a:shade val="88000"/>
+                    <a:satMod val="110000"/>
+                  </a:schemeClr>
+                </a:solidFill>
+                <a:prstDash val="solid"/>
+              </a:ln>
+              <a:gradFill>
+                <a:gsLst>
+                  <a:gs pos="0">
+                    <a:schemeClr val="accent1">
+                      <a:tint val="40000"/>
+                      <a:satMod val="250000"/>
+                    </a:schemeClr>
+                  </a:gs>
+                  <a:gs pos="9000">
+                    <a:schemeClr val="accent1">
+                      <a:tint val="52000"/>
+                      <a:satMod val="300000"/>
+                    </a:schemeClr>
+                  </a:gs>
+                  <a:gs pos="50000">
+                    <a:schemeClr val="accent1">
+                      <a:shade val="20000"/>
+                      <a:satMod val="300000"/>
+                    </a:schemeClr>
+                  </a:gs>
+                  <a:gs pos="79000">
+                    <a:schemeClr val="accent1">
+                      <a:tint val="52000"/>
+                      <a:satMod val="300000"/>
+                    </a:schemeClr>
+                  </a:gs>
+                  <a:gs pos="100000">
+                    <a:schemeClr val="accent1">
+                      <a:tint val="40000"/>
+                      <a:satMod val="250000"/>
+                    </a:schemeClr>
+                  </a:gs>
+                </a:gsLst>
+                <a:lin ang="5400000"/>
+              </a:gradFill>
+              <a:latin typeface="Calibri" pitchFamily="34" charset="0"/>
+            </a:endParaRPr>
+          </a:p>
+        </p:txBody>
+      </p:sp>
     </p:spTree>
     <p:extLst>
       <p:ext uri="{BB962C8B-B14F-4D97-AF65-F5344CB8AC3E}">
         <p14:creationId xmlns:p14="http://schemas.microsoft.com/office/powerpoint/2010/main" val="3783583357"/>
+      </p:ext>
+    </p:extLst>
+  </p:cSld>
+  <p:clrMapOvr>
+    <a:masterClrMapping/>
+  </p:clrMapOvr>
+</p:sld>
+</file>
+
+<file path=ppt/slides/slide12.xml><?xml version="1.0" encoding="utf-8"?>
+<p:sld xmlns:a="http://schemas.openxmlformats.org/drawingml/2006/main" xmlns:r="http://schemas.openxmlformats.org/officeDocument/2006/relationships" xmlns:p="http://schemas.openxmlformats.org/presentationml/2006/main">
+  <p:cSld>
+    <p:spTree>
+      <p:nvGrpSpPr>
+        <p:cNvPr id="1" name=""/>
+        <p:cNvGrpSpPr/>
+        <p:nvPr/>
+      </p:nvGrpSpPr>
+      <p:grpSpPr>
+        <a:xfrm>
+          <a:off x="0" y="0"/>
+          <a:ext cx="0" cy="0"/>
+          <a:chOff x="0" y="0"/>
+          <a:chExt cx="0" cy="0"/>
+        </a:xfrm>
+      </p:grpSpPr>
+      <p:sp>
+        <p:nvSpPr>
+          <p:cNvPr id="2" name="1 Título"/>
+          <p:cNvSpPr>
+            <a:spLocks noGrp="1"/>
+          </p:cNvSpPr>
+          <p:nvPr>
+            <p:ph type="title"/>
+          </p:nvPr>
+        </p:nvSpPr>
+        <p:spPr>
+          <a:xfrm>
+            <a:off x="1484311" y="252050"/>
+            <a:ext cx="10018713" cy="1400908"/>
+          </a:xfrm>
+        </p:spPr>
+        <p:txBody>
+          <a:bodyPr/>
+          <a:lstStyle/>
+          <a:p>
+            <a:r>
+              <a:rPr lang="es-CO" b="1" dirty="0" smtClean="0">
+                <a:effectLst>
+                  <a:outerShdw blurRad="38100" dist="38100" dir="2700000" algn="tl">
+                    <a:srgbClr val="000000">
+                      <a:alpha val="43137"/>
+                    </a:srgbClr>
+                  </a:outerShdw>
+                </a:effectLst>
+              </a:rPr>
+              <a:t>Horizonte de tiempo</a:t>
+            </a:r>
+            <a:endParaRPr lang="es-CO" b="1" dirty="0">
+              <a:effectLst>
+                <a:outerShdw blurRad="38100" dist="38100" dir="2700000" algn="tl">
+                  <a:srgbClr val="000000">
+                    <a:alpha val="43137"/>
+                  </a:srgbClr>
+                </a:outerShdw>
+              </a:effectLst>
+            </a:endParaRPr>
+          </a:p>
+        </p:txBody>
+      </p:sp>
+      <p:graphicFrame>
+        <p:nvGraphicFramePr>
+          <p:cNvPr id="17" name="16 Diagrama"/>
+          <p:cNvGraphicFramePr/>
+          <p:nvPr>
+            <p:extLst>
+              <p:ext uri="{D42A27DB-BD31-4B8C-83A1-F6EECF244321}">
+                <p14:modId xmlns:p14="http://schemas.microsoft.com/office/powerpoint/2010/main" val="3853102749"/>
+              </p:ext>
+            </p:extLst>
+          </p:nvPr>
+        </p:nvGraphicFramePr>
+        <p:xfrm>
+          <a:off x="2770553" y="1012743"/>
+          <a:ext cx="8128000" cy="5418667"/>
+        </p:xfrm>
+        <a:graphic>
+          <a:graphicData uri="http://schemas.openxmlformats.org/drawingml/2006/diagram">
+            <dgm:relIds xmlns:dgm="http://schemas.openxmlformats.org/drawingml/2006/diagram" xmlns:r="http://schemas.openxmlformats.org/officeDocument/2006/relationships" r:dm="rId2" r:lo="rId3" r:qs="rId4" r:cs="rId5"/>
+          </a:graphicData>
+        </a:graphic>
+      </p:graphicFrame>
+    </p:spTree>
+    <p:extLst>
+      <p:ext uri="{BB962C8B-B14F-4D97-AF65-F5344CB8AC3E}">
+        <p14:creationId xmlns:p14="http://schemas.microsoft.com/office/powerpoint/2010/main" val="1909326550"/>
+      </p:ext>
+    </p:extLst>
+  </p:cSld>
+  <p:clrMapOvr>
+    <a:masterClrMapping/>
+  </p:clrMapOvr>
+</p:sld>
+</file>
+
+<file path=ppt/slides/slide13.xml><?xml version="1.0" encoding="utf-8"?>
+<p:sld xmlns:a="http://schemas.openxmlformats.org/drawingml/2006/main" xmlns:r="http://schemas.openxmlformats.org/officeDocument/2006/relationships" xmlns:p="http://schemas.openxmlformats.org/presentationml/2006/main">
+  <p:cSld>
+    <p:spTree>
+      <p:nvGrpSpPr>
+        <p:cNvPr id="1" name=""/>
+        <p:cNvGrpSpPr/>
+        <p:nvPr/>
+      </p:nvGrpSpPr>
+      <p:grpSpPr>
+        <a:xfrm>
+          <a:off x="0" y="0"/>
+          <a:ext cx="0" cy="0"/>
+          <a:chOff x="0" y="0"/>
+          <a:chExt cx="0" cy="0"/>
+        </a:xfrm>
+      </p:grpSpPr>
+      <p:pic>
+        <p:nvPicPr>
+          <p:cNvPr id="1026" name="Picture 2"/>
+          <p:cNvPicPr>
+            <a:picLocks noChangeAspect="1" noChangeArrowheads="1"/>
+          </p:cNvPicPr>
+          <p:nvPr/>
+        </p:nvPicPr>
+        <p:blipFill>
+          <a:blip r:embed="rId2">
+            <a:extLst>
+              <a:ext uri="{28A0092B-C50C-407E-A947-70E740481C1C}">
+                <a14:useLocalDpi xmlns:a14="http://schemas.microsoft.com/office/drawing/2010/main" val="0"/>
+              </a:ext>
+            </a:extLst>
+          </a:blip>
+          <a:srcRect/>
+          <a:stretch>
+            <a:fillRect/>
+          </a:stretch>
+        </p:blipFill>
+        <p:spPr bwMode="auto">
+          <a:xfrm>
+            <a:off x="1899138" y="468923"/>
+            <a:ext cx="8897816" cy="5275385"/>
+          </a:xfrm>
+          <a:prstGeom prst="rect">
+            <a:avLst/>
+          </a:prstGeom>
+          <a:noFill/>
+          <a:ln>
+            <a:noFill/>
+          </a:ln>
+          <a:extLst>
+            <a:ext uri="{909E8E84-426E-40DD-AFC4-6F175D3DCCD1}">
+              <a14:hiddenFill xmlns:a14="http://schemas.microsoft.com/office/drawing/2010/main">
+                <a:solidFill>
+                  <a:schemeClr val="accent1"/>
+                </a:solidFill>
+              </a14:hiddenFill>
+            </a:ext>
+            <a:ext uri="{91240B29-F687-4F45-9708-019B960494DF}">
+              <a14:hiddenLine xmlns:a14="http://schemas.microsoft.com/office/drawing/2010/main" w="9525">
+                <a:solidFill>
+                  <a:schemeClr val="tx1"/>
+                </a:solidFill>
+                <a:miter lim="800000"/>
+                <a:headEnd/>
+                <a:tailEnd/>
+              </a14:hiddenLine>
+            </a:ext>
+          </a:extLst>
+        </p:spPr>
+      </p:pic>
+      <p:sp>
+        <p:nvSpPr>
+          <p:cNvPr id="4" name="3 Rectángulo"/>
+          <p:cNvSpPr/>
+          <p:nvPr/>
+        </p:nvSpPr>
+        <p:spPr>
+          <a:xfrm>
+            <a:off x="10093568" y="738554"/>
+            <a:ext cx="644769" cy="4982308"/>
+          </a:xfrm>
+          <a:prstGeom prst="rect">
+            <a:avLst/>
+          </a:prstGeom>
+          <a:solidFill>
+            <a:srgbClr val="0099FF">
+              <a:alpha val="16863"/>
+            </a:srgbClr>
+          </a:solidFill>
+          <a:ln w="28575">
+            <a:solidFill>
+              <a:srgbClr val="002060"/>
+            </a:solidFill>
+            <a:prstDash val="sysDash"/>
+          </a:ln>
+        </p:spPr>
+        <p:style>
+          <a:lnRef idx="0">
+            <a:schemeClr val="accent6"/>
+          </a:lnRef>
+          <a:fillRef idx="3">
+            <a:schemeClr val="accent6"/>
+          </a:fillRef>
+          <a:effectRef idx="3">
+            <a:schemeClr val="accent6"/>
+          </a:effectRef>
+          <a:fontRef idx="minor">
+            <a:schemeClr val="lt1"/>
+          </a:fontRef>
+        </p:style>
+        <p:txBody>
+          <a:bodyPr rtlCol="0" anchor="ctr"/>
+          <a:lstStyle/>
+          <a:p>
+            <a:pPr algn="ctr"/>
+            <a:endParaRPr lang="es-CO"/>
+          </a:p>
+        </p:txBody>
+      </p:sp>
+    </p:spTree>
+    <p:extLst>
+      <p:ext uri="{BB962C8B-B14F-4D97-AF65-F5344CB8AC3E}">
+        <p14:creationId xmlns:p14="http://schemas.microsoft.com/office/powerpoint/2010/main" val="166495272"/>
       </p:ext>
     </p:extLst>
   </p:cSld>
@@ -10247,7 +18530,7 @@
           </p:cNvPicPr>
           <p:nvPr/>
         </p:nvPicPr>
-        <p:blipFill>
+        <p:blipFill rotWithShape="1">
           <a:blip r:embed="rId2">
             <a:extLst>
               <a:ext uri="{28A0092B-C50C-407E-A947-70E740481C1C}">
@@ -10255,14 +18538,13 @@
               </a:ext>
             </a:extLst>
           </a:blip>
-          <a:stretch>
-            <a:fillRect/>
-          </a:stretch>
+          <a:srcRect l="2406" t="4800" r="2227" b="4484"/>
+          <a:stretch/>
         </p:blipFill>
         <p:spPr>
           <a:xfrm>
-            <a:off x="1619079" y="246184"/>
-            <a:ext cx="10058400" cy="5862009"/>
+            <a:off x="1547445" y="527537"/>
+            <a:ext cx="9906001" cy="5709140"/>
           </a:xfrm>
           <a:prstGeom prst="rect">
             <a:avLst/>
@@ -10279,6 +18561,176 @@
           </a:effectLst>
         </p:spPr>
       </p:pic>
+      <p:sp>
+        <p:nvSpPr>
+          <p:cNvPr id="2" name="1 Rectángulo">
+            <a:hlinkClick r:id="rId3" action="ppaction://hlinksldjump"/>
+          </p:cNvPr>
+          <p:cNvSpPr/>
+          <p:nvPr/>
+        </p:nvSpPr>
+        <p:spPr>
+          <a:xfrm>
+            <a:off x="1547445" y="527537"/>
+            <a:ext cx="9906001" cy="2192217"/>
+          </a:xfrm>
+          <a:prstGeom prst="rect">
+            <a:avLst/>
+          </a:prstGeom>
+          <a:noFill/>
+          <a:ln w="57150"/>
+        </p:spPr>
+        <p:style>
+          <a:lnRef idx="2">
+            <a:schemeClr val="accent1">
+              <a:shade val="50000"/>
+            </a:schemeClr>
+          </a:lnRef>
+          <a:fillRef idx="1">
+            <a:schemeClr val="accent1"/>
+          </a:fillRef>
+          <a:effectRef idx="0">
+            <a:schemeClr val="accent1"/>
+          </a:effectRef>
+          <a:fontRef idx="minor">
+            <a:schemeClr val="lt1"/>
+          </a:fontRef>
+        </p:style>
+        <p:txBody>
+          <a:bodyPr rtlCol="0" anchor="ctr"/>
+          <a:lstStyle/>
+          <a:p>
+            <a:pPr algn="ctr"/>
+            <a:endParaRPr lang="es-CO"/>
+          </a:p>
+        </p:txBody>
+      </p:sp>
+      <p:sp>
+        <p:nvSpPr>
+          <p:cNvPr id="5" name="4 Rectángulo"/>
+          <p:cNvSpPr/>
+          <p:nvPr/>
+        </p:nvSpPr>
+        <p:spPr>
+          <a:xfrm>
+            <a:off x="1547445" y="2731477"/>
+            <a:ext cx="6506309" cy="2649415"/>
+          </a:xfrm>
+          <a:prstGeom prst="rect">
+            <a:avLst/>
+          </a:prstGeom>
+          <a:noFill/>
+          <a:ln w="57150"/>
+        </p:spPr>
+        <p:style>
+          <a:lnRef idx="2">
+            <a:schemeClr val="accent1">
+              <a:shade val="50000"/>
+            </a:schemeClr>
+          </a:lnRef>
+          <a:fillRef idx="1">
+            <a:schemeClr val="accent1"/>
+          </a:fillRef>
+          <a:effectRef idx="0">
+            <a:schemeClr val="accent1"/>
+          </a:effectRef>
+          <a:fontRef idx="minor">
+            <a:schemeClr val="lt1"/>
+          </a:fontRef>
+        </p:style>
+        <p:txBody>
+          <a:bodyPr rtlCol="0" anchor="ctr"/>
+          <a:lstStyle/>
+          <a:p>
+            <a:pPr algn="ctr"/>
+            <a:endParaRPr lang="es-CO"/>
+          </a:p>
+        </p:txBody>
+      </p:sp>
+      <p:sp>
+        <p:nvSpPr>
+          <p:cNvPr id="6" name="5 Rectángulo"/>
+          <p:cNvSpPr/>
+          <p:nvPr/>
+        </p:nvSpPr>
+        <p:spPr>
+          <a:xfrm>
+            <a:off x="8065477" y="2731476"/>
+            <a:ext cx="3387969" cy="2664069"/>
+          </a:xfrm>
+          <a:prstGeom prst="rect">
+            <a:avLst/>
+          </a:prstGeom>
+          <a:noFill/>
+          <a:ln w="57150"/>
+        </p:spPr>
+        <p:style>
+          <a:lnRef idx="2">
+            <a:schemeClr val="accent1">
+              <a:shade val="50000"/>
+            </a:schemeClr>
+          </a:lnRef>
+          <a:fillRef idx="1">
+            <a:schemeClr val="accent1"/>
+          </a:fillRef>
+          <a:effectRef idx="0">
+            <a:schemeClr val="accent1"/>
+          </a:effectRef>
+          <a:fontRef idx="minor">
+            <a:schemeClr val="lt1"/>
+          </a:fontRef>
+        </p:style>
+        <p:txBody>
+          <a:bodyPr rtlCol="0" anchor="ctr"/>
+          <a:lstStyle/>
+          <a:p>
+            <a:pPr algn="ctr"/>
+            <a:endParaRPr lang="es-CO"/>
+          </a:p>
+        </p:txBody>
+      </p:sp>
+      <p:sp>
+        <p:nvSpPr>
+          <p:cNvPr id="7" name="6 Rectángulo"/>
+          <p:cNvSpPr/>
+          <p:nvPr/>
+        </p:nvSpPr>
+        <p:spPr>
+          <a:xfrm>
+            <a:off x="1547446" y="5404338"/>
+            <a:ext cx="9906001" cy="820594"/>
+          </a:xfrm>
+          <a:prstGeom prst="rect">
+            <a:avLst/>
+          </a:prstGeom>
+          <a:noFill/>
+          <a:ln w="57150"/>
+        </p:spPr>
+        <p:style>
+          <a:lnRef idx="2">
+            <a:schemeClr val="accent1">
+              <a:shade val="50000"/>
+            </a:schemeClr>
+          </a:lnRef>
+          <a:fillRef idx="1">
+            <a:schemeClr val="accent1"/>
+          </a:fillRef>
+          <a:effectRef idx="0">
+            <a:schemeClr val="accent1"/>
+          </a:effectRef>
+          <a:fontRef idx="minor">
+            <a:schemeClr val="lt1"/>
+          </a:fontRef>
+        </p:style>
+        <p:txBody>
+          <a:bodyPr rtlCol="0" anchor="ctr"/>
+          <a:lstStyle/>
+          <a:p>
+            <a:pPr algn="ctr"/>
+            <a:endParaRPr lang="es-CO"/>
+          </a:p>
+        </p:txBody>
+      </p:sp>
     </p:spTree>
     <p:extLst>
       <p:ext uri="{BB962C8B-B14F-4D97-AF65-F5344CB8AC3E}">
@@ -10289,6 +18741,13 @@
   <p:clrMapOvr>
     <a:masterClrMapping/>
   </p:clrMapOvr>
+  <p:timing>
+    <p:tnLst>
+      <p:par>
+        <p:cTn id="1" dur="indefinite" restart="never" nodeType="tmRoot"/>
+      </p:par>
+    </p:tnLst>
+  </p:timing>
 </p:sld>
 </file>
 
@@ -13257,10 +21716,26 @@
           <a:lstStyle/>
           <a:p>
             <a:r>
-              <a:rPr lang="es-CO" dirty="0" smtClean="0"/>
+              <a:rPr lang="es-CO" b="1" dirty="0" smtClean="0">
+                <a:effectLst>
+                  <a:outerShdw blurRad="38100" dist="38100" dir="2700000" algn="tl">
+                    <a:srgbClr val="000000">
+                      <a:alpha val="43137"/>
+                    </a:srgbClr>
+                  </a:outerShdw>
+                </a:effectLst>
+              </a:rPr>
               <a:t>Impacto cadena de valor</a:t>
             </a:r>
-            <a:endParaRPr lang="es-CO" dirty="0"/>
+            <a:endParaRPr lang="es-CO" b="1" dirty="0">
+              <a:effectLst>
+                <a:outerShdw blurRad="38100" dist="38100" dir="2700000" algn="tl">
+                  <a:srgbClr val="000000">
+                    <a:alpha val="43137"/>
+                  </a:srgbClr>
+                </a:outerShdw>
+              </a:effectLst>
+            </a:endParaRPr>
           </a:p>
         </p:txBody>
       </p:sp>
@@ -13271,7 +21746,19 @@
           <p:nvPr/>
         </p:nvPicPr>
         <p:blipFill>
-          <a:blip r:embed="rId2"/>
+          <a:blip r:embed="rId2">
+            <a:extLst>
+              <a:ext uri="{BEBA8EAE-BF5A-486C-A8C5-ECC9F3942E4B}">
+                <a14:imgProps xmlns:a14="http://schemas.microsoft.com/office/drawing/2010/main">
+                  <a14:imgLayer r:embed="rId3">
+                    <a14:imgEffect>
+                      <a14:backgroundRemoval t="3254" b="95858" l="890" r="97998"/>
+                    </a14:imgEffect>
+                  </a14:imgLayer>
+                </a14:imgProps>
+              </a:ext>
+            </a:extLst>
+          </a:blip>
           <a:stretch>
             <a:fillRect/>
           </a:stretch>
